--- a/slides/VS sql project.pptx
+++ b/slides/VS sql project.pptx
@@ -137,7 +137,7 @@
 <file path=ppt/revisionInfo.xml><?xml version="1.0" encoding="utf-8"?>
 <p1510:revInfo xmlns:a="http://schemas.openxmlformats.org/drawingml/2006/main" xmlns:r="http://schemas.openxmlformats.org/officeDocument/2006/relationships" xmlns:p1510="http://schemas.microsoft.com/office/powerpoint/2015/10/main">
   <p1510:revLst>
-    <p1510:client id="{6D6BC797-5E39-4DB4-93C6-BCF65833595F}" v="28" dt="2025-04-04T23:43:50.716"/>
+    <p1510:client id="{6D6BC797-5E39-4DB4-93C6-BCF65833595F}" v="32" dt="2025-04-05T17:26:51.531"/>
   </p1510:revLst>
 </p1510:revInfo>
 </file>
@@ -171,12 +171,12 @@
   <pc:docChgLst>
     <pc:chgData name="Juan Pablo Tarquino" userId="619fa53a89ad4d51" providerId="LiveId" clId="{6D6BC797-5E39-4DB4-93C6-BCF65833595F}"/>
     <pc:docChg chg="undo redo custSel addSld delSld modSld modNotesMaster">
-      <pc:chgData name="Juan Pablo Tarquino" userId="619fa53a89ad4d51" providerId="LiveId" clId="{6D6BC797-5E39-4DB4-93C6-BCF65833595F}" dt="2025-04-04T23:59:53.557" v="18643" actId="20577"/>
+      <pc:chgData name="Juan Pablo Tarquino" userId="619fa53a89ad4d51" providerId="LiveId" clId="{6D6BC797-5E39-4DB4-93C6-BCF65833595F}" dt="2025-04-05T17:28:01.371" v="19091" actId="20577"/>
       <pc:docMkLst>
         <pc:docMk/>
       </pc:docMkLst>
       <pc:sldChg chg="delSp modSp mod modNotesTx">
-        <pc:chgData name="Juan Pablo Tarquino" userId="619fa53a89ad4d51" providerId="LiveId" clId="{6D6BC797-5E39-4DB4-93C6-BCF65833595F}" dt="2025-04-04T17:56:26.351" v="17855" actId="20577"/>
+        <pc:chgData name="Juan Pablo Tarquino" userId="619fa53a89ad4d51" providerId="LiveId" clId="{6D6BC797-5E39-4DB4-93C6-BCF65833595F}" dt="2025-04-05T16:18:12.456" v="18688" actId="1076"/>
         <pc:sldMkLst>
           <pc:docMk/>
           <pc:sldMk cId="2592389995" sldId="256"/>
@@ -189,9 +189,25 @@
             <ac:spMk id="2" creationId="{FF8CE80B-978B-4A3C-FD73-2975CB87CC50}"/>
           </ac:spMkLst>
         </pc:spChg>
+        <pc:spChg chg="mod">
+          <ac:chgData name="Juan Pablo Tarquino" userId="619fa53a89ad4d51" providerId="LiveId" clId="{6D6BC797-5E39-4DB4-93C6-BCF65833595F}" dt="2025-04-05T16:18:08.429" v="18687" actId="20577"/>
+          <ac:spMkLst>
+            <pc:docMk/>
+            <pc:sldMk cId="2592389995" sldId="256"/>
+            <ac:spMk id="4" creationId="{46D1579A-87DF-B2FE-768D-182F91F25BE1}"/>
+          </ac:spMkLst>
+        </pc:spChg>
+        <pc:picChg chg="mod">
+          <ac:chgData name="Juan Pablo Tarquino" userId="619fa53a89ad4d51" providerId="LiveId" clId="{6D6BC797-5E39-4DB4-93C6-BCF65833595F}" dt="2025-04-05T16:18:12.456" v="18688" actId="1076"/>
+          <ac:picMkLst>
+            <pc:docMk/>
+            <pc:sldMk cId="2592389995" sldId="256"/>
+            <ac:picMk id="6" creationId="{EAC34B90-25C0-E22D-6ED0-CCA2FEEE1549}"/>
+          </ac:picMkLst>
+        </pc:picChg>
       </pc:sldChg>
       <pc:sldChg chg="addSp modSp new mod modNotesTx">
-        <pc:chgData name="Juan Pablo Tarquino" userId="619fa53a89ad4d51" providerId="LiveId" clId="{6D6BC797-5E39-4DB4-93C6-BCF65833595F}" dt="2025-04-04T23:03:43.505" v="18513" actId="1076"/>
+        <pc:chgData name="Juan Pablo Tarquino" userId="619fa53a89ad4d51" providerId="LiveId" clId="{6D6BC797-5E39-4DB4-93C6-BCF65833595F}" dt="2025-04-05T17:28:01.371" v="19091" actId="20577"/>
         <pc:sldMkLst>
           <pc:docMk/>
           <pc:sldMk cId="1528468167" sldId="257"/>
@@ -205,7 +221,7 @@
           </ac:spMkLst>
         </pc:spChg>
         <pc:spChg chg="mod">
-          <ac:chgData name="Juan Pablo Tarquino" userId="619fa53a89ad4d51" providerId="LiveId" clId="{6D6BC797-5E39-4DB4-93C6-BCF65833595F}" dt="2025-04-04T23:03:34.149" v="18512" actId="20577"/>
+          <ac:chgData name="Juan Pablo Tarquino" userId="619fa53a89ad4d51" providerId="LiveId" clId="{6D6BC797-5E39-4DB4-93C6-BCF65833595F}" dt="2025-04-05T17:28:01.371" v="19091" actId="20577"/>
           <ac:spMkLst>
             <pc:docMk/>
             <pc:sldMk cId="1528468167" sldId="257"/>
@@ -213,7 +229,7 @@
           </ac:spMkLst>
         </pc:spChg>
         <pc:picChg chg="add mod">
-          <ac:chgData name="Juan Pablo Tarquino" userId="619fa53a89ad4d51" providerId="LiveId" clId="{6D6BC797-5E39-4DB4-93C6-BCF65833595F}" dt="2025-04-04T23:03:43.505" v="18513" actId="1076"/>
+          <ac:chgData name="Juan Pablo Tarquino" userId="619fa53a89ad4d51" providerId="LiveId" clId="{6D6BC797-5E39-4DB4-93C6-BCF65833595F}" dt="2025-04-05T16:18:18.623" v="18689" actId="1076"/>
           <ac:picMkLst>
             <pc:docMk/>
             <pc:sldMk cId="1528468167" sldId="257"/>
@@ -266,22 +282,6 @@
             <ac:spMk id="3" creationId="{5D3158F9-EE5C-E168-CA1E-AE34B3D45B60}"/>
           </ac:spMkLst>
         </pc:spChg>
-        <pc:picChg chg="add del mod">
-          <ac:chgData name="Juan Pablo Tarquino" userId="619fa53a89ad4d51" providerId="LiveId" clId="{6D6BC797-5E39-4DB4-93C6-BCF65833595F}" dt="2025-04-03T22:41:26.017" v="3124" actId="478"/>
-          <ac:picMkLst>
-            <pc:docMk/>
-            <pc:sldMk cId="325051723" sldId="259"/>
-            <ac:picMk id="5" creationId="{A630C2C5-BAA6-FEA0-2538-55B4B3745953}"/>
-          </ac:picMkLst>
-        </pc:picChg>
-        <pc:picChg chg="add del mod">
-          <ac:chgData name="Juan Pablo Tarquino" userId="619fa53a89ad4d51" providerId="LiveId" clId="{6D6BC797-5E39-4DB4-93C6-BCF65833595F}" dt="2025-04-03T22:41:27.771" v="3125" actId="478"/>
-          <ac:picMkLst>
-            <pc:docMk/>
-            <pc:sldMk cId="325051723" sldId="259"/>
-            <ac:picMk id="7" creationId="{494B9ED0-5D3D-3A08-CA00-57E1CC0A657E}"/>
-          </ac:picMkLst>
-        </pc:picChg>
       </pc:sldChg>
       <pc:sldChg chg="addSp modSp new mod setBg modNotesTx">
         <pc:chgData name="Juan Pablo Tarquino" userId="619fa53a89ad4d51" providerId="LiveId" clId="{6D6BC797-5E39-4DB4-93C6-BCF65833595F}" dt="2025-04-04T15:07:11.802" v="17623" actId="26606"/>
@@ -409,7 +409,7 @@
         </pc:picChg>
       </pc:sldChg>
       <pc:sldChg chg="modSp new mod modNotesTx">
-        <pc:chgData name="Juan Pablo Tarquino" userId="619fa53a89ad4d51" providerId="LiveId" clId="{6D6BC797-5E39-4DB4-93C6-BCF65833595F}" dt="2025-04-04T01:57:25.684" v="14433" actId="20577"/>
+        <pc:chgData name="Juan Pablo Tarquino" userId="619fa53a89ad4d51" providerId="LiveId" clId="{6D6BC797-5E39-4DB4-93C6-BCF65833595F}" dt="2025-04-05T17:24:16.751" v="18969" actId="15"/>
         <pc:sldMkLst>
           <pc:docMk/>
           <pc:sldMk cId="908442122" sldId="263"/>
@@ -423,7 +423,7 @@
           </ac:spMkLst>
         </pc:spChg>
         <pc:spChg chg="mod">
-          <ac:chgData name="Juan Pablo Tarquino" userId="619fa53a89ad4d51" providerId="LiveId" clId="{6D6BC797-5E39-4DB4-93C6-BCF65833595F}" dt="2025-04-04T01:46:36.217" v="12396" actId="20577"/>
+          <ac:chgData name="Juan Pablo Tarquino" userId="619fa53a89ad4d51" providerId="LiveId" clId="{6D6BC797-5E39-4DB4-93C6-BCF65833595F}" dt="2025-04-05T17:24:16.751" v="18969" actId="15"/>
           <ac:spMkLst>
             <pc:docMk/>
             <pc:sldMk cId="908442122" sldId="263"/>
@@ -741,7 +741,7 @@
         </pc:picChg>
       </pc:sldChg>
       <pc:sldChg chg="modSp new mod">
-        <pc:chgData name="Juan Pablo Tarquino" userId="619fa53a89ad4d51" providerId="LiveId" clId="{6D6BC797-5E39-4DB4-93C6-BCF65833595F}" dt="2025-04-04T18:02:49.964" v="18362" actId="113"/>
+        <pc:chgData name="Juan Pablo Tarquino" userId="619fa53a89ad4d51" providerId="LiveId" clId="{6D6BC797-5E39-4DB4-93C6-BCF65833595F}" dt="2025-04-05T17:22:53.869" v="18711" actId="27636"/>
         <pc:sldMkLst>
           <pc:docMk/>
           <pc:sldMk cId="271291682" sldId="274"/>
@@ -755,7 +755,7 @@
           </ac:spMkLst>
         </pc:spChg>
         <pc:spChg chg="mod">
-          <ac:chgData name="Juan Pablo Tarquino" userId="619fa53a89ad4d51" providerId="LiveId" clId="{6D6BC797-5E39-4DB4-93C6-BCF65833595F}" dt="2025-04-04T18:02:49.964" v="18362" actId="113"/>
+          <ac:chgData name="Juan Pablo Tarquino" userId="619fa53a89ad4d51" providerId="LiveId" clId="{6D6BC797-5E39-4DB4-93C6-BCF65833595F}" dt="2025-04-05T17:22:53.869" v="18711" actId="27636"/>
           <ac:spMkLst>
             <pc:docMk/>
             <pc:sldMk cId="271291682" sldId="274"/>
@@ -764,7 +764,7 @@
         </pc:spChg>
       </pc:sldChg>
       <pc:sldChg chg="addSp delSp modSp new mod setBg">
-        <pc:chgData name="Juan Pablo Tarquino" userId="619fa53a89ad4d51" providerId="LiveId" clId="{6D6BC797-5E39-4DB4-93C6-BCF65833595F}" dt="2025-04-04T23:48:28.076" v="18640" actId="20577"/>
+        <pc:chgData name="Juan Pablo Tarquino" userId="619fa53a89ad4d51" providerId="LiveId" clId="{6D6BC797-5E39-4DB4-93C6-BCF65833595F}" dt="2025-04-05T16:19:18.860" v="18699" actId="313"/>
         <pc:sldMkLst>
           <pc:docMk/>
           <pc:sldMk cId="1556932695" sldId="275"/>
@@ -778,7 +778,7 @@
           </ac:spMkLst>
         </pc:spChg>
         <pc:spChg chg="mod">
-          <ac:chgData name="Juan Pablo Tarquino" userId="619fa53a89ad4d51" providerId="LiveId" clId="{6D6BC797-5E39-4DB4-93C6-BCF65833595F}" dt="2025-04-04T23:48:28.076" v="18640" actId="20577"/>
+          <ac:chgData name="Juan Pablo Tarquino" userId="619fa53a89ad4d51" providerId="LiveId" clId="{6D6BC797-5E39-4DB4-93C6-BCF65833595F}" dt="2025-04-05T16:19:18.860" v="18699" actId="313"/>
           <ac:spMkLst>
             <pc:docMk/>
             <pc:sldMk cId="1556932695" sldId="275"/>
@@ -868,6 +868,61 @@
       </pc:sldChg>
     </pc:docChg>
   </pc:docChgLst>
+  <pc:docChgLst>
+    <pc:chgData name="Juan Pablo Tarquino" userId="619fa53a89ad4d51" providerId="LiveId" clId="{D5DD24D5-6589-8347-973A-DE056706C736}"/>
+    <pc:docChg chg="custSel modSld">
+      <pc:chgData name="Juan Pablo Tarquino" userId="619fa53a89ad4d51" providerId="LiveId" clId="{D5DD24D5-6589-8347-973A-DE056706C736}" dt="2025-04-05T13:49:14.379" v="17" actId="1076"/>
+      <pc:docMkLst>
+        <pc:docMk/>
+      </pc:docMkLst>
+      <pc:sldChg chg="addSp modSp">
+        <pc:chgData name="Juan Pablo Tarquino" userId="619fa53a89ad4d51" providerId="LiveId" clId="{D5DD24D5-6589-8347-973A-DE056706C736}" dt="2025-04-05T13:49:14.379" v="17" actId="1076"/>
+        <pc:sldMkLst>
+          <pc:docMk/>
+          <pc:sldMk cId="2592389995" sldId="256"/>
+        </pc:sldMkLst>
+        <pc:spChg chg="add mod">
+          <ac:chgData name="Juan Pablo Tarquino" userId="619fa53a89ad4d51" providerId="LiveId" clId="{D5DD24D5-6589-8347-973A-DE056706C736}" dt="2025-04-05T13:49:02.101" v="14" actId="1076"/>
+          <ac:spMkLst>
+            <pc:docMk/>
+            <pc:sldMk cId="2592389995" sldId="256"/>
+            <ac:spMk id="4" creationId="{46D1579A-87DF-B2FE-768D-182F91F25BE1}"/>
+          </ac:spMkLst>
+        </pc:spChg>
+        <pc:picChg chg="add mod">
+          <ac:chgData name="Juan Pablo Tarquino" userId="619fa53a89ad4d51" providerId="LiveId" clId="{D5DD24D5-6589-8347-973A-DE056706C736}" dt="2025-04-05T13:49:14.379" v="17" actId="1076"/>
+          <ac:picMkLst>
+            <pc:docMk/>
+            <pc:sldMk cId="2592389995" sldId="256"/>
+            <ac:picMk id="6" creationId="{EAC34B90-25C0-E22D-6ED0-CCA2FEEE1549}"/>
+          </ac:picMkLst>
+        </pc:picChg>
+      </pc:sldChg>
+      <pc:sldChg chg="addSp modSp">
+        <pc:chgData name="Juan Pablo Tarquino" userId="619fa53a89ad4d51" providerId="LiveId" clId="{D5DD24D5-6589-8347-973A-DE056706C736}" dt="2025-04-05T13:48:41.490" v="11" actId="22"/>
+        <pc:sldMkLst>
+          <pc:docMk/>
+          <pc:sldMk cId="1528468167" sldId="257"/>
+        </pc:sldMkLst>
+        <pc:spChg chg="mod">
+          <ac:chgData name="Juan Pablo Tarquino" userId="619fa53a89ad4d51" providerId="LiveId" clId="{D5DD24D5-6589-8347-973A-DE056706C736}" dt="2025-04-05T13:48:41.490" v="11" actId="22"/>
+          <ac:spMkLst>
+            <pc:docMk/>
+            <pc:sldMk cId="1528468167" sldId="257"/>
+            <ac:spMk id="3" creationId="{9482E84A-BDAD-C72C-F004-13D054A6BB29}"/>
+          </ac:spMkLst>
+        </pc:spChg>
+        <pc:picChg chg="add mod">
+          <ac:chgData name="Juan Pablo Tarquino" userId="619fa53a89ad4d51" providerId="LiveId" clId="{D5DD24D5-6589-8347-973A-DE056706C736}" dt="2025-04-05T13:46:52.190" v="8" actId="1076"/>
+          <ac:picMkLst>
+            <pc:docMk/>
+            <pc:sldMk cId="1528468167" sldId="257"/>
+            <ac:picMk id="7" creationId="{685DA20C-00C6-81E7-993F-496E86E2B133}"/>
+          </ac:picMkLst>
+        </pc:picChg>
+      </pc:sldChg>
+    </pc:docChg>
+  </pc:docChgLst>
 </pc:chgInfo>
 </file>
 
@@ -953,7 +1008,7 @@
           <a:p>
             <a:fld id="{B80220B6-429B-4346-82FA-969B751203E9}" type="datetimeFigureOut">
               <a:rPr lang="en-US" smtClean="0"/>
-              <a:t>4/4/2025</a:t>
+              <a:t>4/5/2025</a:t>
             </a:fld>
             <a:endParaRPr lang="en-US"/>
           </a:p>
@@ -4552,7 +4607,7 @@
           <a:p>
             <a:fld id="{714D8E22-EC7C-4185-AE99-0F7C1FB157B6}" type="datetimeFigureOut">
               <a:rPr lang="en-US" smtClean="0"/>
-              <a:t>4/4/2025</a:t>
+              <a:t>4/5/2025</a:t>
             </a:fld>
             <a:endParaRPr lang="en-US"/>
           </a:p>
@@ -4750,7 +4805,7 @@
           <a:p>
             <a:fld id="{714D8E22-EC7C-4185-AE99-0F7C1FB157B6}" type="datetimeFigureOut">
               <a:rPr lang="en-US" smtClean="0"/>
-              <a:t>4/4/2025</a:t>
+              <a:t>4/5/2025</a:t>
             </a:fld>
             <a:endParaRPr lang="en-US"/>
           </a:p>
@@ -4958,7 +5013,7 @@
           <a:p>
             <a:fld id="{714D8E22-EC7C-4185-AE99-0F7C1FB157B6}" type="datetimeFigureOut">
               <a:rPr lang="en-US" smtClean="0"/>
-              <a:t>4/4/2025</a:t>
+              <a:t>4/5/2025</a:t>
             </a:fld>
             <a:endParaRPr lang="en-US"/>
           </a:p>
@@ -5156,7 +5211,7 @@
           <a:p>
             <a:fld id="{714D8E22-EC7C-4185-AE99-0F7C1FB157B6}" type="datetimeFigureOut">
               <a:rPr lang="en-US" smtClean="0"/>
-              <a:t>4/4/2025</a:t>
+              <a:t>4/5/2025</a:t>
             </a:fld>
             <a:endParaRPr lang="en-US"/>
           </a:p>
@@ -5431,7 +5486,7 @@
           <a:p>
             <a:fld id="{714D8E22-EC7C-4185-AE99-0F7C1FB157B6}" type="datetimeFigureOut">
               <a:rPr lang="en-US" smtClean="0"/>
-              <a:t>4/4/2025</a:t>
+              <a:t>4/5/2025</a:t>
             </a:fld>
             <a:endParaRPr lang="en-US"/>
           </a:p>
@@ -5696,7 +5751,7 @@
           <a:p>
             <a:fld id="{714D8E22-EC7C-4185-AE99-0F7C1FB157B6}" type="datetimeFigureOut">
               <a:rPr lang="en-US" smtClean="0"/>
-              <a:t>4/4/2025</a:t>
+              <a:t>4/5/2025</a:t>
             </a:fld>
             <a:endParaRPr lang="en-US"/>
           </a:p>
@@ -6108,7 +6163,7 @@
           <a:p>
             <a:fld id="{714D8E22-EC7C-4185-AE99-0F7C1FB157B6}" type="datetimeFigureOut">
               <a:rPr lang="en-US" smtClean="0"/>
-              <a:t>4/4/2025</a:t>
+              <a:t>4/5/2025</a:t>
             </a:fld>
             <a:endParaRPr lang="en-US"/>
           </a:p>
@@ -6249,7 +6304,7 @@
           <a:p>
             <a:fld id="{714D8E22-EC7C-4185-AE99-0F7C1FB157B6}" type="datetimeFigureOut">
               <a:rPr lang="en-US" smtClean="0"/>
-              <a:t>4/4/2025</a:t>
+              <a:t>4/5/2025</a:t>
             </a:fld>
             <a:endParaRPr lang="en-US"/>
           </a:p>
@@ -6362,7 +6417,7 @@
           <a:p>
             <a:fld id="{714D8E22-EC7C-4185-AE99-0F7C1FB157B6}" type="datetimeFigureOut">
               <a:rPr lang="en-US" smtClean="0"/>
-              <a:t>4/4/2025</a:t>
+              <a:t>4/5/2025</a:t>
             </a:fld>
             <a:endParaRPr lang="en-US"/>
           </a:p>
@@ -6673,7 +6728,7 @@
           <a:p>
             <a:fld id="{714D8E22-EC7C-4185-AE99-0F7C1FB157B6}" type="datetimeFigureOut">
               <a:rPr lang="en-US" smtClean="0"/>
-              <a:t>4/4/2025</a:t>
+              <a:t>4/5/2025</a:t>
             </a:fld>
             <a:endParaRPr lang="en-US"/>
           </a:p>
@@ -6961,7 +7016,7 @@
           <a:p>
             <a:fld id="{714D8E22-EC7C-4185-AE99-0F7C1FB157B6}" type="datetimeFigureOut">
               <a:rPr lang="en-US" smtClean="0"/>
-              <a:t>4/4/2025</a:t>
+              <a:t>4/5/2025</a:t>
             </a:fld>
             <a:endParaRPr lang="en-US"/>
           </a:p>
@@ -7202,7 +7257,7 @@
           <a:p>
             <a:fld id="{714D8E22-EC7C-4185-AE99-0F7C1FB157B6}" type="datetimeFigureOut">
               <a:rPr lang="en-US" smtClean="0"/>
-              <a:t>4/4/2025</a:t>
+              <a:t>4/5/2025</a:t>
             </a:fld>
             <a:endParaRPr lang="en-US"/>
           </a:p>
@@ -7647,6 +7702,91 @@
           </a:p>
         </p:txBody>
       </p:sp>
+      <p:sp>
+        <p:nvSpPr>
+          <p:cNvPr id="4" name="TextBox 3">
+            <a:extLst>
+              <a:ext uri="{FF2B5EF4-FFF2-40B4-BE49-F238E27FC236}">
+                <a16:creationId xmlns:a16="http://schemas.microsoft.com/office/drawing/2014/main" id="{46D1579A-87DF-B2FE-768D-182F91F25BE1}"/>
+              </a:ext>
+            </a:extLst>
+          </p:cNvPr>
+          <p:cNvSpPr txBox="1"/>
+          <p:nvPr/>
+        </p:nvSpPr>
+        <p:spPr>
+          <a:xfrm>
+            <a:off x="2044700" y="4327175"/>
+            <a:ext cx="8153400" cy="923330"/>
+          </a:xfrm>
+          <a:prstGeom prst="rect">
+            <a:avLst/>
+          </a:prstGeom>
+          <a:noFill/>
+        </p:spPr>
+        <p:txBody>
+          <a:bodyPr wrap="square">
+            <a:spAutoFit/>
+          </a:bodyPr>
+          <a:lstStyle/>
+          <a:p>
+            <a:pPr algn="ctr"/>
+            <a:r>
+              <a:rPr lang="en-US" dirty="0">
+                <a:hlinkClick r:id="rId3"/>
+              </a:rPr>
+              <a:t>https://tinyurl.com/SqlProjCodeCamp</a:t>
+            </a:r>
+            <a:endParaRPr lang="en-US" dirty="0"/>
+          </a:p>
+          <a:p>
+            <a:pPr algn="ctr"/>
+            <a:r>
+              <a:rPr lang="en-US" dirty="0"/>
+              <a:t>(sample code and slides)</a:t>
+            </a:r>
+          </a:p>
+          <a:p>
+            <a:endParaRPr lang="en-US" dirty="0"/>
+          </a:p>
+        </p:txBody>
+      </p:sp>
+      <p:pic>
+        <p:nvPicPr>
+          <p:cNvPr id="6" name="Picture 5" descr="A qr code on a white background&#10;&#10;AI-generated content may be incorrect.">
+            <a:extLst>
+              <a:ext uri="{FF2B5EF4-FFF2-40B4-BE49-F238E27FC236}">
+                <a16:creationId xmlns:a16="http://schemas.microsoft.com/office/drawing/2014/main" id="{EAC34B90-25C0-E22D-6ED0-CCA2FEEE1549}"/>
+              </a:ext>
+            </a:extLst>
+          </p:cNvPr>
+          <p:cNvPicPr>
+            <a:picLocks noChangeAspect="1"/>
+          </p:cNvPicPr>
+          <p:nvPr/>
+        </p:nvPicPr>
+        <p:blipFill>
+          <a:blip r:embed="rId4">
+            <a:extLst>
+              <a:ext uri="{28A0092B-C50C-407E-A947-70E740481C1C}">
+                <a14:useLocalDpi xmlns:a14="http://schemas.microsoft.com/office/drawing/2010/main" val="0"/>
+              </a:ext>
+            </a:extLst>
+          </a:blip>
+          <a:stretch>
+            <a:fillRect/>
+          </a:stretch>
+        </p:blipFill>
+        <p:spPr>
+          <a:xfrm>
+            <a:off x="9265619" y="3903663"/>
+            <a:ext cx="2500629" cy="2500629"/>
+          </a:xfrm>
+          <a:prstGeom prst="rect">
+            <a:avLst/>
+          </a:prstGeom>
+        </p:spPr>
+      </p:pic>
     </p:spTree>
     <p:extLst>
       <p:ext uri="{BB962C8B-B14F-4D97-AF65-F5344CB8AC3E}">
@@ -8124,15 +8264,7 @@
             </a:pPr>
             <a:r>
               <a:rPr lang="en-US" sz="1600" dirty="0"/>
-              <a:t>Removing a column from a View or Stored Proc does not constitute data loss. You might be thinking, if the view is missing the column would not that affect anything else that depends on the column? The answer is yes and there are two ways </a:t>
-            </a:r>
-            <a:r>
-              <a:rPr lang="en-US" sz="1600" dirty="0" err="1"/>
-              <a:t>tio</a:t>
-            </a:r>
-            <a:r>
-              <a:rPr lang="en-US" sz="1600" dirty="0"/>
-              <a:t> prevent issues:</a:t>
+              <a:t>Removing a column from a View or Stored Proc does not constitute data loss. You might be thinking, if the view is missing the column would not that affect anything else that depends on the column? The answer is yes and there are two ways to prevent issues:</a:t>
             </a:r>
           </a:p>
           <a:p>
@@ -8142,15 +8274,7 @@
             </a:pPr>
             <a:r>
               <a:rPr lang="en-US" sz="1400" dirty="0"/>
-              <a:t>Any </a:t>
-            </a:r>
-            <a:r>
-              <a:rPr lang="en-US" sz="1400" dirty="0" err="1"/>
-              <a:t>sql</a:t>
-            </a:r>
-            <a:r>
-              <a:rPr lang="en-US" sz="1400" dirty="0"/>
-              <a:t> object that refers to that column within the </a:t>
+              <a:t>Any SQL object that refers to that column within the </a:t>
             </a:r>
             <a:r>
               <a:rPr lang="en-US" sz="1400" dirty="0" err="1"/>
@@ -8341,7 +8465,7 @@
         <p:spPr/>
         <p:txBody>
           <a:bodyPr>
-            <a:normAutofit fontScale="62500" lnSpcReduction="20000"/>
+            <a:normAutofit lnSpcReduction="10000"/>
           </a:bodyPr>
           <a:lstStyle/>
           <a:p>
@@ -8349,27 +8473,27 @@
               <a:buNone/>
             </a:pPr>
             <a:r>
-              <a:rPr lang="en-US" dirty="0" err="1"/>
+              <a:rPr lang="en-US" sz="1600" dirty="0" err="1"/>
               <a:t>msbuild</a:t>
             </a:r>
             <a:r>
-              <a:rPr lang="en-US" dirty="0"/>
+              <a:rPr lang="en-US" sz="1600" dirty="0"/>
               <a:t> "</a:t>
             </a:r>
             <a:r>
-              <a:rPr lang="en-US" dirty="0" err="1"/>
+              <a:rPr lang="en-US" sz="1600" dirty="0" err="1"/>
               <a:t>nameofsqlproject.sqlproj</a:t>
             </a:r>
             <a:r>
-              <a:rPr lang="en-US" dirty="0"/>
+              <a:rPr lang="en-US" sz="1600" dirty="0"/>
               <a:t>" /</a:t>
             </a:r>
             <a:r>
-              <a:rPr lang="en-US" dirty="0" err="1"/>
+              <a:rPr lang="en-US" sz="1600" dirty="0" err="1"/>
               <a:t>p:Configuration</a:t>
             </a:r>
             <a:r>
-              <a:rPr lang="en-US" dirty="0"/>
+              <a:rPr lang="en-US" sz="1600" dirty="0"/>
               <a:t>=Release</a:t>
             </a:r>
           </a:p>
@@ -8378,87 +8502,87 @@
               <a:buNone/>
             </a:pPr>
             <a:br>
-              <a:rPr lang="en-US" dirty="0"/>
+              <a:rPr lang="en-US" sz="1600" dirty="0"/>
             </a:br>
             <a:r>
-              <a:rPr lang="en-US" dirty="0"/>
+              <a:rPr lang="en-US" sz="1600" dirty="0"/>
               <a:t>dotnet tool install -g </a:t>
             </a:r>
             <a:r>
-              <a:rPr lang="en-US" dirty="0" err="1"/>
+              <a:rPr lang="en-US" sz="1600" dirty="0" err="1"/>
               <a:t>microsoft.sqlpackage</a:t>
             </a:r>
-            <a:endParaRPr lang="en-US" dirty="0"/>
+            <a:endParaRPr lang="en-US" sz="1600" dirty="0"/>
           </a:p>
           <a:p>
             <a:pPr marL="0" marR="0">
               <a:buNone/>
             </a:pPr>
             <a:br>
-              <a:rPr lang="en-US" dirty="0"/>
+              <a:rPr lang="en-US" sz="1600" dirty="0"/>
             </a:br>
             <a:r>
-              <a:rPr lang="en-US" dirty="0" err="1"/>
+              <a:rPr lang="en-US" sz="1600" dirty="0" err="1"/>
               <a:t>SqlPackage</a:t>
             </a:r>
             <a:r>
-              <a:rPr lang="en-US" dirty="0"/>
+              <a:rPr lang="en-US" sz="1600" dirty="0"/>
               <a:t> /</a:t>
             </a:r>
             <a:r>
-              <a:rPr lang="en-US" dirty="0" err="1"/>
+              <a:rPr lang="en-US" sz="1600" dirty="0" err="1"/>
               <a:t>Action:Publish</a:t>
             </a:r>
             <a:r>
-              <a:rPr lang="en-US" dirty="0"/>
+              <a:rPr lang="en-US" sz="1600" dirty="0"/>
               <a:t> /</a:t>
             </a:r>
             <a:r>
-              <a:rPr lang="en-US" dirty="0" err="1"/>
+              <a:rPr lang="en-US" sz="1600" dirty="0" err="1"/>
               <a:t>SourceFile</a:t>
             </a:r>
             <a:r>
-              <a:rPr lang="en-US" dirty="0"/>
+              <a:rPr lang="en-US" sz="1600" dirty="0"/>
               <a:t>:".\bin\release\</a:t>
             </a:r>
             <a:r>
-              <a:rPr lang="en-US" dirty="0" err="1"/>
+              <a:rPr lang="en-US" sz="1600" dirty="0" err="1"/>
               <a:t>nameofsqlproject.dacpac</a:t>
             </a:r>
             <a:r>
-              <a:rPr lang="en-US" dirty="0"/>
+              <a:rPr lang="en-US" sz="1600" dirty="0"/>
               <a:t>" /</a:t>
             </a:r>
             <a:r>
-              <a:rPr lang="en-US" dirty="0" err="1"/>
+              <a:rPr lang="en-US" sz="1600" dirty="0" err="1"/>
               <a:t>TargetConnectionString</a:t>
             </a:r>
             <a:r>
-              <a:rPr lang="en-US" dirty="0"/>
+              <a:rPr lang="en-US" sz="1600" dirty="0"/>
               <a:t>:"</a:t>
             </a:r>
             <a:r>
-              <a:rPr lang="en-US" dirty="0" err="1"/>
+              <a:rPr lang="en-US" sz="1600" dirty="0" err="1"/>
               <a:t>ConnectionString</a:t>
             </a:r>
             <a:r>
-              <a:rPr lang="en-US" dirty="0"/>
+              <a:rPr lang="en-US" sz="1600" dirty="0"/>
               <a:t> to the </a:t>
             </a:r>
             <a:r>
-              <a:rPr lang="en-US" dirty="0" err="1"/>
+              <a:rPr lang="en-US" sz="1600" dirty="0" err="1"/>
               <a:t>db</a:t>
             </a:r>
             <a:r>
-              <a:rPr lang="en-US" dirty="0"/>
+              <a:rPr lang="en-US" sz="1600" dirty="0"/>
               <a:t> you want to publish to” /</a:t>
             </a:r>
             <a:r>
-              <a:rPr lang="en-US" dirty="0" err="1"/>
+              <a:rPr lang="en-US" sz="1600" dirty="0" err="1"/>
               <a:t>p:ScriptDatabaseCompatibility</a:t>
             </a:r>
             <a:r>
-              <a:rPr lang="en-US" dirty="0"/>
+              <a:rPr lang="en-US" sz="1600" dirty="0"/>
               <a:t>=true</a:t>
             </a:r>
           </a:p>
@@ -8467,7 +8591,7 @@
               <a:buNone/>
             </a:pPr>
             <a:r>
-              <a:rPr lang="en-US" dirty="0"/>
+              <a:rPr lang="en-US" sz="1600" dirty="0"/>
               <a:t> </a:t>
             </a:r>
           </a:p>
@@ -8476,12 +8600,78 @@
               <a:buNone/>
             </a:pPr>
             <a:r>
-              <a:rPr lang="en-US" b="1" dirty="0"/>
-              <a:t>For example</a:t>
-            </a:r>
-            <a:r>
-              <a:rPr lang="en-US" dirty="0"/>
-              <a:t>:</a:t>
+              <a:rPr lang="en-US" sz="1600" b="1" dirty="0"/>
+              <a:t>For example (</a:t>
+            </a:r>
+            <a:r>
+              <a:rPr lang="en-US" sz="1600" dirty="0" err="1">
+                <a:hlinkClick r:id="rId3"/>
+              </a:rPr>
+              <a:t>PodcastsManager</a:t>
+            </a:r>
+            <a:r>
+              <a:rPr lang="en-US" sz="1600" dirty="0">
+                <a:hlinkClick r:id="rId3"/>
+              </a:rPr>
+              <a:t>/</a:t>
+            </a:r>
+            <a:r>
+              <a:rPr lang="en-US" sz="1600" dirty="0" err="1">
+                <a:hlinkClick r:id="rId3"/>
+              </a:rPr>
+              <a:t>src</a:t>
+            </a:r>
+            <a:r>
+              <a:rPr lang="en-US" sz="1600" dirty="0">
+                <a:hlinkClick r:id="rId3"/>
+              </a:rPr>
+              <a:t>/</a:t>
+            </a:r>
+            <a:r>
+              <a:rPr lang="en-US" sz="1600" dirty="0" err="1">
+                <a:hlinkClick r:id="rId3"/>
+              </a:rPr>
+              <a:t>PodcastsManager</a:t>
+            </a:r>
+            <a:r>
+              <a:rPr lang="en-US" sz="1600" dirty="0">
+                <a:hlinkClick r:id="rId3"/>
+              </a:rPr>
+              <a:t>/2-Data/</a:t>
+            </a:r>
+            <a:r>
+              <a:rPr lang="en-US" sz="1600" dirty="0" err="1">
+                <a:hlinkClick r:id="rId3"/>
+              </a:rPr>
+              <a:t>PodcastsManagerDb</a:t>
+            </a:r>
+            <a:r>
+              <a:rPr lang="en-US" sz="1600" dirty="0">
+                <a:hlinkClick r:id="rId3"/>
+              </a:rPr>
+              <a:t>/publish-to-local-sqlexpress.bat at main · </a:t>
+            </a:r>
+            <a:r>
+              <a:rPr lang="en-US" sz="1600" dirty="0" err="1">
+                <a:hlinkClick r:id="rId3"/>
+              </a:rPr>
+              <a:t>TheJuanitoLearnsShow</a:t>
+            </a:r>
+            <a:r>
+              <a:rPr lang="en-US" sz="1600" dirty="0">
+                <a:hlinkClick r:id="rId3"/>
+              </a:rPr>
+              <a:t>/</a:t>
+            </a:r>
+            <a:r>
+              <a:rPr lang="en-US" sz="1600" dirty="0" err="1">
+                <a:hlinkClick r:id="rId3"/>
+              </a:rPr>
+              <a:t>PodcastsManager</a:t>
+            </a:r>
+            <a:r>
+              <a:rPr lang="en-US" sz="1600" dirty="0"/>
+              <a:t>):</a:t>
             </a:r>
           </a:p>
           <a:p>
@@ -8492,7 +8682,7 @@
               <a:buNone/>
             </a:pPr>
             <a:r>
-              <a:rPr lang="en-US" dirty="0"/>
+              <a:rPr lang="en-US" sz="1600" dirty="0"/>
               <a:t> </a:t>
             </a:r>
           </a:p>
@@ -8501,27 +8691,27 @@
               <a:buNone/>
             </a:pPr>
             <a:r>
-              <a:rPr lang="en-US" dirty="0" err="1"/>
+              <a:rPr lang="en-US" sz="1600" dirty="0" err="1"/>
               <a:t>msbuild</a:t>
             </a:r>
             <a:r>
-              <a:rPr lang="en-US" dirty="0"/>
+              <a:rPr lang="en-US" sz="1600" dirty="0"/>
               <a:t> "</a:t>
             </a:r>
             <a:r>
-              <a:rPr lang="en-US" dirty="0" err="1"/>
+              <a:rPr lang="en-US" sz="1600" dirty="0" err="1"/>
               <a:t>PodcastsManagerDb.sqlproj</a:t>
             </a:r>
             <a:r>
-              <a:rPr lang="en-US" dirty="0"/>
+              <a:rPr lang="en-US" sz="1600" dirty="0"/>
               <a:t>" /</a:t>
             </a:r>
             <a:r>
-              <a:rPr lang="en-US" dirty="0" err="1"/>
+              <a:rPr lang="en-US" sz="1600" dirty="0" err="1"/>
               <a:t>p:Configuration</a:t>
             </a:r>
             <a:r>
-              <a:rPr lang="en-US" dirty="0"/>
+              <a:rPr lang="en-US" sz="1600" dirty="0"/>
               <a:t>=Release</a:t>
             </a:r>
           </a:p>
@@ -8530,97 +8720,97 @@
               <a:buNone/>
             </a:pPr>
             <a:r>
-              <a:rPr lang="en-US" dirty="0"/>
+              <a:rPr lang="en-US" sz="1600" dirty="0"/>
               <a:t>dotnet tool install -g </a:t>
             </a:r>
             <a:r>
-              <a:rPr lang="en-US" dirty="0" err="1"/>
+              <a:rPr lang="en-US" sz="1600" dirty="0" err="1"/>
               <a:t>microsoft.sqlpackage</a:t>
             </a:r>
-            <a:endParaRPr lang="en-US" dirty="0"/>
+            <a:endParaRPr lang="en-US" sz="1600" dirty="0"/>
           </a:p>
           <a:p>
             <a:pPr marL="0" indent="0">
               <a:buNone/>
             </a:pPr>
             <a:r>
-              <a:rPr lang="en-US" dirty="0" err="1"/>
+              <a:rPr lang="en-US" sz="1600" dirty="0" err="1"/>
               <a:t>SqlPackage</a:t>
             </a:r>
             <a:r>
-              <a:rPr lang="en-US" dirty="0"/>
+              <a:rPr lang="en-US" sz="1600" dirty="0"/>
               <a:t> /</a:t>
             </a:r>
             <a:r>
-              <a:rPr lang="en-US" dirty="0" err="1"/>
+              <a:rPr lang="en-US" sz="1600" dirty="0" err="1"/>
               <a:t>Action:Publish</a:t>
             </a:r>
             <a:r>
-              <a:rPr lang="en-US" dirty="0"/>
+              <a:rPr lang="en-US" sz="1600" dirty="0"/>
               <a:t> /</a:t>
             </a:r>
             <a:r>
-              <a:rPr lang="en-US" dirty="0" err="1"/>
+              <a:rPr lang="en-US" sz="1600" dirty="0" err="1"/>
               <a:t>SourceFile</a:t>
             </a:r>
             <a:r>
-              <a:rPr lang="en-US" dirty="0"/>
+              <a:rPr lang="en-US" sz="1600" dirty="0"/>
               <a:t>:".\bin\release\</a:t>
             </a:r>
             <a:r>
-              <a:rPr lang="en-US" dirty="0" err="1"/>
+              <a:rPr lang="en-US" sz="1600" dirty="0" err="1"/>
               <a:t>PodcastsManagerDb.dacpac</a:t>
             </a:r>
             <a:r>
-              <a:rPr lang="en-US" dirty="0"/>
+              <a:rPr lang="en-US" sz="1600" dirty="0"/>
               <a:t>" /</a:t>
             </a:r>
             <a:r>
-              <a:rPr lang="en-US" dirty="0" err="1"/>
+              <a:rPr lang="en-US" sz="1600" dirty="0" err="1"/>
               <a:t>TargetConnectionString</a:t>
             </a:r>
             <a:r>
-              <a:rPr lang="en-US" dirty="0"/>
+              <a:rPr lang="en-US" sz="1600" dirty="0"/>
               <a:t>:"Data Source=.\</a:t>
             </a:r>
             <a:r>
-              <a:rPr lang="en-US" dirty="0" err="1"/>
+              <a:rPr lang="en-US" sz="1600" dirty="0" err="1"/>
               <a:t>sqlExpress;Database</a:t>
             </a:r>
             <a:r>
-              <a:rPr lang="en-US" dirty="0"/>
+              <a:rPr lang="en-US" sz="1600" dirty="0"/>
               <a:t>=</a:t>
             </a:r>
             <a:r>
-              <a:rPr lang="en-US" dirty="0" err="1"/>
+              <a:rPr lang="en-US" sz="1600" dirty="0" err="1"/>
               <a:t>PodcastsManager;Integrated</a:t>
             </a:r>
             <a:r>
-              <a:rPr lang="en-US" dirty="0"/>
+              <a:rPr lang="en-US" sz="1600" dirty="0"/>
               <a:t> Security=True;" /</a:t>
             </a:r>
             <a:r>
-              <a:rPr lang="en-US" dirty="0" err="1"/>
+              <a:rPr lang="en-US" sz="1600" dirty="0" err="1"/>
               <a:t>p:DropObjectsNotInSource</a:t>
             </a:r>
             <a:r>
-              <a:rPr lang="en-US" dirty="0"/>
+              <a:rPr lang="en-US" sz="1600" dirty="0"/>
               <a:t>=True /</a:t>
             </a:r>
             <a:r>
-              <a:rPr lang="en-US" dirty="0" err="1"/>
+              <a:rPr lang="en-US" sz="1600" dirty="0" err="1"/>
               <a:t>p:ScriptDatabaseCompatibility</a:t>
             </a:r>
             <a:r>
-              <a:rPr lang="en-US" dirty="0"/>
+              <a:rPr lang="en-US" sz="1600" dirty="0"/>
               <a:t>=True /</a:t>
             </a:r>
             <a:r>
-              <a:rPr lang="en-US" dirty="0" err="1"/>
+              <a:rPr lang="en-US" sz="1600" dirty="0" err="1"/>
               <a:t>p:BlockOnPossibleDataLoss</a:t>
             </a:r>
             <a:r>
-              <a:rPr lang="en-US" dirty="0"/>
+              <a:rPr lang="en-US" sz="1600" dirty="0"/>
               <a:t>=False</a:t>
             </a:r>
           </a:p>
@@ -8628,7 +8818,7 @@
             <a:pPr marL="0" indent="0">
               <a:buNone/>
             </a:pPr>
-            <a:endParaRPr lang="en-US" dirty="0"/>
+            <a:endParaRPr lang="en-US" sz="1600" dirty="0"/>
           </a:p>
         </p:txBody>
       </p:sp>
@@ -9681,14 +9871,21 @@
             <p:ph idx="1"/>
           </p:nvPr>
         </p:nvSpPr>
-        <p:spPr/>
-        <p:txBody>
-          <a:bodyPr/>
+        <p:spPr>
+          <a:xfrm>
+            <a:off x="1372937" y="2975498"/>
+            <a:ext cx="10515600" cy="3311002"/>
+          </a:xfrm>
+        </p:spPr>
+        <p:txBody>
+          <a:bodyPr>
+            <a:normAutofit lnSpcReduction="10000"/>
+          </a:bodyPr>
           <a:lstStyle/>
           <a:p>
             <a:r>
               <a:rPr lang="en-US" dirty="0"/>
-              <a:t>Juan Tarquino </a:t>
+              <a:t>Juan Pablo Tarquino </a:t>
             </a:r>
           </a:p>
           <a:p>
@@ -9698,11 +9895,19 @@
             </a:r>
           </a:p>
           <a:p>
+            <a:pPr lvl="1"/>
+            <a:r>
+              <a:rPr lang="en-US" dirty="0"/>
+              <a:t>LinkedIn</a:t>
+            </a:r>
+          </a:p>
+          <a:p>
+            <a:pPr lvl="2"/>
             <a:r>
               <a:rPr lang="en-US" dirty="0">
                 <a:hlinkClick r:id="rId3"/>
               </a:rPr>
-              <a:t>https://www.linkedin.com/in/juantarquino/</a:t>
+              <a:t>https://www.linkedin.com/in/juantarquino</a:t>
             </a:r>
             <a:r>
               <a:rPr lang="en-US" dirty="0"/>
@@ -9710,29 +9915,53 @@
             </a:r>
           </a:p>
           <a:p>
-            <a:r>
-              <a:rPr lang="en-US" dirty="0"/>
-              <a:t>Sample repo for this session: </a:t>
-            </a:r>
-          </a:p>
-          <a:p>
             <a:pPr lvl="1"/>
+            <a:r>
+              <a:rPr lang="en-US" dirty="0"/>
+              <a:t>Blog (not updated often </a:t>
+            </a:r>
+            <a:r>
+              <a:rPr lang="en-US" dirty="0">
+                <a:sym typeface="Wingdings" panose="05000000000000000000" pitchFamily="2" charset="2"/>
+              </a:rPr>
+              <a:t> </a:t>
+            </a:r>
+            <a:r>
+              <a:rPr lang="en-US" dirty="0"/>
+              <a:t>)</a:t>
+            </a:r>
+          </a:p>
+          <a:p>
+            <a:pPr lvl="2"/>
             <a:r>
               <a:rPr lang="en-US" dirty="0">
                 <a:hlinkClick r:id="rId4"/>
               </a:rPr>
-              <a:t>https://github.com/TheJuanitoLearnsShow/PodcastsManager</a:t>
+              <a:t>https://jptarqu.blogspot.com</a:t>
+            </a:r>
+            <a:r>
+              <a:rPr lang="en-US" dirty="0"/>
+              <a:t>  </a:t>
+            </a:r>
+          </a:p>
+          <a:p>
+            <a:r>
+              <a:rPr lang="en-US" dirty="0"/>
+              <a:t>Sample repo for this session: </a:t>
+            </a:r>
+          </a:p>
+          <a:p>
+            <a:pPr lvl="1"/>
+            <a:r>
+              <a:rPr lang="en-US" dirty="0">
+                <a:hlinkClick r:id="rId5"/>
+              </a:rPr>
+              <a:t>https://tinyurl.com/SqlProjCodeCamp</a:t>
             </a:r>
             <a:r>
               <a:rPr lang="en-US" dirty="0"/>
               <a:t> </a:t>
             </a:r>
-          </a:p>
-          <a:p>
-            <a:endParaRPr lang="en-US" dirty="0"/>
-          </a:p>
-          <a:p>
-            <a:endParaRPr lang="en-US" dirty="0"/>
           </a:p>
           <a:p>
             <a:endParaRPr lang="en-US" dirty="0"/>
@@ -9754,7 +9983,7 @@
           <p:nvPr/>
         </p:nvPicPr>
         <p:blipFill>
-          <a:blip r:embed="rId5">
+          <a:blip r:embed="rId6">
             <a:extLst>
               <a:ext uri="{28A0092B-C50C-407E-A947-70E740481C1C}">
                 <a14:useLocalDpi xmlns:a14="http://schemas.microsoft.com/office/drawing/2010/main" val="0"/>
@@ -9767,8 +9996,38 @@
         </p:blipFill>
         <p:spPr>
           <a:xfrm>
-            <a:off x="1647927" y="4357371"/>
+            <a:off x="10300945" y="4484371"/>
             <a:ext cx="1587592" cy="1587592"/>
+          </a:xfrm>
+          <a:prstGeom prst="rect">
+            <a:avLst/>
+          </a:prstGeom>
+        </p:spPr>
+      </p:pic>
+      <p:pic>
+        <p:nvPicPr>
+          <p:cNvPr id="7" name="Picture 6">
+            <a:extLst>
+              <a:ext uri="{FF2B5EF4-FFF2-40B4-BE49-F238E27FC236}">
+                <a16:creationId xmlns:a16="http://schemas.microsoft.com/office/drawing/2014/main" id="{685DA20C-00C6-81E7-993F-496E86E2B133}"/>
+              </a:ext>
+            </a:extLst>
+          </p:cNvPr>
+          <p:cNvPicPr>
+            <a:picLocks noChangeAspect="1"/>
+          </p:cNvPicPr>
+          <p:nvPr/>
+        </p:nvPicPr>
+        <p:blipFill>
+          <a:blip r:embed="rId7"/>
+          <a:stretch>
+            <a:fillRect/>
+          </a:stretch>
+        </p:blipFill>
+        <p:spPr>
+          <a:xfrm>
+            <a:off x="9926053" y="365125"/>
+            <a:ext cx="1962484" cy="2079897"/>
           </a:xfrm>
           <a:prstGeom prst="rect">
             <a:avLst/>
@@ -12479,6 +12738,56 @@
               <a:rPr lang="en-US" dirty="0"/>
               <a:t>Events/State</a:t>
             </a:r>
+          </a:p>
+          <a:p>
+            <a:pPr lvl="1"/>
+            <a:r>
+              <a:rPr lang="en-US" dirty="0"/>
+              <a:t>State Tables: your typical CRUD tables capturing </a:t>
+            </a:r>
+            <a:r>
+              <a:rPr lang="en-US" i="1" dirty="0"/>
+              <a:t>current</a:t>
+            </a:r>
+            <a:r>
+              <a:rPr lang="en-US" dirty="0"/>
+              <a:t> state. </a:t>
+            </a:r>
+          </a:p>
+          <a:p>
+            <a:pPr lvl="1"/>
+            <a:r>
+              <a:rPr lang="en-US" dirty="0"/>
+              <a:t>Event Tables: insert-only tables that capture the immutable </a:t>
+            </a:r>
+            <a:r>
+              <a:rPr lang="en-US" i="1" dirty="0"/>
+              <a:t>business</a:t>
+            </a:r>
+            <a:r>
+              <a:rPr lang="en-US" dirty="0"/>
+              <a:t> events</a:t>
+            </a:r>
+            <a:r>
+              <a:rPr lang="en-US"/>
+              <a:t>. </a:t>
+            </a:r>
+          </a:p>
+          <a:p>
+            <a:pPr lvl="2"/>
+            <a:r>
+              <a:rPr lang="en-US"/>
+              <a:t>Often </a:t>
+            </a:r>
+            <a:r>
+              <a:rPr lang="en-US" dirty="0"/>
+              <a:t>an </a:t>
+            </a:r>
+            <a:r>
+              <a:rPr lang="en-US"/>
+              <a:t>unspoken requirement.</a:t>
+            </a:r>
+            <a:endParaRPr lang="en-US" dirty="0"/>
           </a:p>
           <a:p>
             <a:r>

--- a/slides/VS sql project.pptx
+++ b/slides/VS sql project.pptx
@@ -5,7 +5,7 @@
     <p:sldMasterId id="2147483648" r:id="rId1"/>
   </p:sldMasterIdLst>
   <p:notesMasterIdLst>
-    <p:notesMasterId r:id="rId22"/>
+    <p:notesMasterId r:id="rId24"/>
   </p:notesMasterIdLst>
   <p:sldIdLst>
     <p:sldId id="256" r:id="rId2"/>
@@ -16,18 +16,20 @@
     <p:sldId id="260" r:id="rId7"/>
     <p:sldId id="261" r:id="rId8"/>
     <p:sldId id="262" r:id="rId9"/>
-    <p:sldId id="263" r:id="rId10"/>
-    <p:sldId id="264" r:id="rId11"/>
-    <p:sldId id="268" r:id="rId12"/>
-    <p:sldId id="275" r:id="rId13"/>
-    <p:sldId id="274" r:id="rId14"/>
-    <p:sldId id="265" r:id="rId15"/>
-    <p:sldId id="272" r:id="rId16"/>
-    <p:sldId id="273" r:id="rId17"/>
-    <p:sldId id="271" r:id="rId18"/>
-    <p:sldId id="270" r:id="rId19"/>
-    <p:sldId id="266" r:id="rId20"/>
-    <p:sldId id="267" r:id="rId21"/>
+    <p:sldId id="277" r:id="rId10"/>
+    <p:sldId id="263" r:id="rId11"/>
+    <p:sldId id="264" r:id="rId12"/>
+    <p:sldId id="268" r:id="rId13"/>
+    <p:sldId id="275" r:id="rId14"/>
+    <p:sldId id="274" r:id="rId15"/>
+    <p:sldId id="265" r:id="rId16"/>
+    <p:sldId id="272" r:id="rId17"/>
+    <p:sldId id="273" r:id="rId18"/>
+    <p:sldId id="271" r:id="rId19"/>
+    <p:sldId id="276" r:id="rId20"/>
+    <p:sldId id="270" r:id="rId21"/>
+    <p:sldId id="266" r:id="rId22"/>
+    <p:sldId id="267" r:id="rId23"/>
   </p:sldIdLst>
   <p:sldSz cx="12192000" cy="6858000"/>
   <p:notesSz cx="7102475" cy="9388475"/>
@@ -144,30 +146,6 @@
 
 <file path=ppt/changesInfos/changesInfo1.xml><?xml version="1.0" encoding="utf-8"?>
 <pc:chgInfo xmlns:a="http://schemas.openxmlformats.org/drawingml/2006/main" xmlns:r="http://schemas.openxmlformats.org/officeDocument/2006/relationships" xmlns:ac="http://schemas.microsoft.com/office/drawing/2013/main/command" xmlns:pc="http://schemas.microsoft.com/office/powerpoint/2013/main/command">
-  <pc:docChgLst>
-    <pc:chgData name="Juan Pablo Tarquino" userId="619fa53a89ad4d51" providerId="LiveId" clId="{204DA9C0-02DE-1848-BC7C-11947CC1045C}"/>
-    <pc:docChg chg="custSel modSld">
-      <pc:chgData name="Juan Pablo Tarquino" userId="619fa53a89ad4d51" providerId="LiveId" clId="{204DA9C0-02DE-1848-BC7C-11947CC1045C}" dt="2025-04-04T21:55:54.423" v="7" actId="27636"/>
-      <pc:docMkLst>
-        <pc:docMk/>
-      </pc:docMkLst>
-      <pc:sldChg chg="modSp mod">
-        <pc:chgData name="Juan Pablo Tarquino" userId="619fa53a89ad4d51" providerId="LiveId" clId="{204DA9C0-02DE-1848-BC7C-11947CC1045C}" dt="2025-04-04T21:55:54.423" v="7" actId="27636"/>
-        <pc:sldMkLst>
-          <pc:docMk/>
-          <pc:sldMk cId="656955171" sldId="272"/>
-        </pc:sldMkLst>
-        <pc:spChg chg="mod">
-          <ac:chgData name="Juan Pablo Tarquino" userId="619fa53a89ad4d51" providerId="LiveId" clId="{204DA9C0-02DE-1848-BC7C-11947CC1045C}" dt="2025-04-04T21:55:54.423" v="7" actId="27636"/>
-          <ac:spMkLst>
-            <pc:docMk/>
-            <pc:sldMk cId="656955171" sldId="272"/>
-            <ac:spMk id="3" creationId="{A10002D1-56D6-C454-1B72-6170A5D75D49}"/>
-          </ac:spMkLst>
-        </pc:spChg>
-      </pc:sldChg>
-    </pc:docChg>
-  </pc:docChgLst>
   <pc:docChgLst>
     <pc:chgData name="Juan Pablo Tarquino" userId="619fa53a89ad4d51" providerId="LiveId" clId="{6D6BC797-5E39-4DB4-93C6-BCF65833595F}"/>
     <pc:docChg chg="undo redo custSel addSld delSld modSld modNotesMaster">
@@ -1208,6 +1186,30 @@
             <ac:picMk id="7" creationId="{685DA20C-00C6-81E7-993F-496E86E2B133}"/>
           </ac:picMkLst>
         </pc:picChg>
+      </pc:sldChg>
+    </pc:docChg>
+  </pc:docChgLst>
+  <pc:docChgLst>
+    <pc:chgData name="Juan Pablo Tarquino" userId="619fa53a89ad4d51" providerId="LiveId" clId="{204DA9C0-02DE-1848-BC7C-11947CC1045C}"/>
+    <pc:docChg chg="custSel modSld">
+      <pc:chgData name="Juan Pablo Tarquino" userId="619fa53a89ad4d51" providerId="LiveId" clId="{204DA9C0-02DE-1848-BC7C-11947CC1045C}" dt="2025-04-04T21:55:54.423" v="7" actId="27636"/>
+      <pc:docMkLst>
+        <pc:docMk/>
+      </pc:docMkLst>
+      <pc:sldChg chg="modSp mod">
+        <pc:chgData name="Juan Pablo Tarquino" userId="619fa53a89ad4d51" providerId="LiveId" clId="{204DA9C0-02DE-1848-BC7C-11947CC1045C}" dt="2025-04-04T21:55:54.423" v="7" actId="27636"/>
+        <pc:sldMkLst>
+          <pc:docMk/>
+          <pc:sldMk cId="656955171" sldId="272"/>
+        </pc:sldMkLst>
+        <pc:spChg chg="mod">
+          <ac:chgData name="Juan Pablo Tarquino" userId="619fa53a89ad4d51" providerId="LiveId" clId="{204DA9C0-02DE-1848-BC7C-11947CC1045C}" dt="2025-04-04T21:55:54.423" v="7" actId="27636"/>
+          <ac:spMkLst>
+            <pc:docMk/>
+            <pc:sldMk cId="656955171" sldId="272"/>
+            <ac:spMk id="3" creationId="{A10002D1-56D6-C454-1B72-6170A5D75D49}"/>
+          </ac:spMkLst>
+        </pc:spChg>
       </pc:sldChg>
     </pc:docChg>
   </pc:docChgLst>
@@ -6821,7 +6823,7 @@
           <a:p>
             <a:fld id="{B80220B6-429B-4346-82FA-969B751203E9}" type="datetimeFigureOut">
               <a:rPr lang="en-US" smtClean="0"/>
-              <a:t>4/5/2025</a:t>
+              <a:t>9/16/2025</a:t>
             </a:fld>
             <a:endParaRPr lang="en-US"/>
           </a:p>
@@ -7323,23 +7325,23 @@
           <a:p>
             <a:r>
               <a:rPr lang="en-US" dirty="0"/>
-              <a:t>Alexandria is very happy with all the work she has been able to do in her SQL project. But as soon as she wants to try her work in her local laptop, she stops and wonders, how can we take this definition in this </a:t>
+              <a:t>I want to make a parenthesis here to talk abut suggestions when modeling the database. These </a:t>
             </a:r>
             <a:r>
               <a:rPr lang="en-US" dirty="0" err="1"/>
-              <a:t>sql</a:t>
+              <a:t>susggestions</a:t>
             </a:r>
             <a:r>
               <a:rPr lang="en-US" dirty="0"/>
-              <a:t> project and put it in her local </a:t>
+              <a:t> are not necessarily  </a:t>
             </a:r>
             <a:r>
               <a:rPr lang="en-US" dirty="0" err="1"/>
-              <a:t>sql</a:t>
+              <a:t>requirenet</a:t>
             </a:r>
             <a:r>
               <a:rPr lang="en-US" dirty="0"/>
-              <a:t> instance? The SQL object in the project live only in the SQL project. They do not contain data and you cannot connect to them from a client app. Michael J helps her research the issue and finds out that just like </a:t>
+              <a:t> for SQL Projects, but SQL projects helps you get into the mindset of treating your database the same way you treat your </a:t>
             </a:r>
             <a:r>
               <a:rPr lang="en-US" dirty="0" err="1"/>
@@ -7347,15 +7349,32 @@
             </a:r>
             <a:r>
               <a:rPr lang="en-US" dirty="0"/>
-              <a:t> </a:t>
+              <a:t> app. Your database is a service, not just a collection of storage spaces for your app. </a:t>
+            </a:r>
+          </a:p>
+          <a:p>
+            <a:endParaRPr lang="en-US" dirty="0"/>
+          </a:p>
+          <a:p>
+            <a:r>
+              <a:rPr lang="en-US" dirty="0"/>
+              <a:t>I highly recommend to model your SQL Object to match the Business concepts of the business domain </a:t>
             </a:r>
             <a:r>
               <a:rPr lang="en-US" dirty="0" err="1"/>
-              <a:t>projkects</a:t>
+              <a:t>youa</a:t>
             </a:r>
             <a:r>
               <a:rPr lang="en-US" dirty="0"/>
-              <a:t>, there is a “right click” publish method. When Alexandria tries that, she gets a friendly dialog asking her where to deploy the db. </a:t>
+              <a:t> re trying to solve for. This will increase the chances that your vision aligns with the vision of the business. Many times the BU will not explicitly spell out what they need, so it is </a:t>
+            </a:r>
+            <a:r>
+              <a:rPr lang="en-US" dirty="0" err="1"/>
+              <a:t>imoortant</a:t>
+            </a:r>
+            <a:r>
+              <a:rPr lang="en-US" dirty="0"/>
+              <a:t> to have a conversation with them to dig deeper and understand any un-spoken requirements.</a:t>
             </a:r>
           </a:p>
           <a:p>
@@ -7364,489 +7383,83 @@
           <a:p>
             <a:r>
               <a:rPr lang="en-US" dirty="0"/>
-              <a:t>Before I go further, some of you might be wondering: “right click publish, are you kitten me?”. We only use that feature in toy </a:t>
-            </a:r>
-            <a:r>
-              <a:rPr lang="en-US" dirty="0" err="1"/>
-              <a:t>.net</a:t>
-            </a:r>
+              <a:t>Events and State: Besides having tables that capture the current state of business entities, I highly suggest also to consider modeling business events in your SQL objects. The events are not technical events (such as mouse click) but rather business events. Business Events are things that happen during a business process, e.g. a payment request or a change in a pizza’s chef’s rating. Because they happen in the past, they are immutable, so those tables become add only (with some archiving/purging when needed). That kind of immutable data is important to the business but they seldom ask specifically for it and you only find out later when they ask question such as, “how many times did Pizza Chef John’s ratings change in the last quarter?”. I am not saying use event tables only, you should defiantly also use state tables that represent the current state to make queries and other logic easier. </a:t>
+            </a:r>
+          </a:p>
+          <a:p>
+            <a:endParaRPr lang="en-US" dirty="0"/>
+          </a:p>
+          <a:p>
             <a:r>
               <a:rPr lang="en-US" dirty="0"/>
-              <a:t> projects not in real projects. I will talk about how to do deployment using a CI/CD friendly command utility from MS, but for now please bear with me as I show you the GUI way which has the same options as the options available from a command line.</a:t>
-            </a:r>
-          </a:p>
-          <a:p>
-            <a:endParaRPr lang="en-US" dirty="0"/>
-          </a:p>
-          <a:p>
-            <a:r>
-              <a:rPr lang="en-US" dirty="0"/>
-              <a:t>The deployment wizard allows you to select different options that affect the behavior of the deployment. You can deploy to a </a:t>
-            </a:r>
-            <a:r>
-              <a:rPr lang="en-US" dirty="0" err="1"/>
-              <a:t>db</a:t>
-            </a:r>
-            <a:r>
-              <a:rPr lang="en-US" dirty="0"/>
-              <a:t> or to a script file. When you click publish, the following happens:</a:t>
-            </a:r>
-          </a:p>
-          <a:p>
-            <a:endParaRPr lang="en-US" dirty="0"/>
-          </a:p>
-          <a:p>
-            <a:pPr marL="235572" indent="-235572">
-              <a:buAutoNum type="arabicPeriod"/>
-            </a:pPr>
-            <a:r>
-              <a:rPr lang="en-US" dirty="0"/>
-              <a:t>The </a:t>
-            </a:r>
-            <a:r>
-              <a:rPr lang="en-US" dirty="0" err="1"/>
-              <a:t>sql</a:t>
-            </a:r>
-            <a:r>
-              <a:rPr lang="en-US" dirty="0"/>
-              <a:t> project “compiles” into a </a:t>
-            </a:r>
-            <a:r>
-              <a:rPr lang="en-US" dirty="0" err="1"/>
-              <a:t>dacpac</a:t>
-            </a:r>
-            <a:r>
-              <a:rPr lang="en-US" dirty="0"/>
-              <a:t>. If any </a:t>
-            </a:r>
-            <a:r>
-              <a:rPr lang="en-US" dirty="0" err="1"/>
-              <a:t>sytanx</a:t>
-            </a:r>
-            <a:r>
-              <a:rPr lang="en-US" dirty="0"/>
-              <a:t> reference errors occur, this </a:t>
-            </a:r>
-            <a:r>
-              <a:rPr lang="en-US" dirty="0" err="1"/>
-              <a:t>ste</a:t>
-            </a:r>
-            <a:r>
-              <a:rPr lang="en-US" dirty="0"/>
-              <a:t> will fail and no deployment will be attempted.</a:t>
-            </a:r>
-          </a:p>
-          <a:p>
-            <a:pPr marL="235572" indent="-235572">
-              <a:buAutoNum type="arabicPeriod"/>
-            </a:pPr>
-            <a:r>
-              <a:rPr lang="en-US" dirty="0"/>
-              <a:t>The deployment engine deploys to the target db. </a:t>
-            </a:r>
-          </a:p>
-          <a:p>
-            <a:pPr marL="235572" indent="-235572">
-              <a:buAutoNum type="arabicPeriod"/>
-            </a:pPr>
-            <a:endParaRPr lang="en-US" dirty="0"/>
-          </a:p>
-          <a:p>
-            <a:r>
-              <a:rPr lang="en-US" b="1" i="1" dirty="0">
-                <a:solidFill>
-                  <a:srgbClr val="5B9BD5"/>
-                </a:solidFill>
+              <a:t>The last thing on modeling I want to touch on, is the use of the Outbox pattern. </a:t>
+            </a:r>
+            <a:r>
+              <a:rPr lang="en-US" sz="1900" dirty="0">
                 <a:latin typeface="Calibri" panose="020F0502020204030204" pitchFamily="34" charset="0"/>
               </a:rPr>
-              <a:t>What happens in a Deployment</a:t>
-            </a:r>
-            <a:endParaRPr lang="en-US" b="1" dirty="0">
-              <a:solidFill>
-                <a:srgbClr val="5B9BD5"/>
-              </a:solidFill>
-              <a:latin typeface="Calibri" panose="020F0502020204030204" pitchFamily="34" charset="0"/>
-            </a:endParaRPr>
-          </a:p>
-          <a:p>
-            <a:r>
-              <a:rPr lang="en-US" sz="1100" dirty="0">
-                <a:latin typeface="Calibri" panose="020F0502020204030204" pitchFamily="34" charset="0"/>
-              </a:rPr>
-              <a:t>A deployment from a SQL project does the following </a:t>
-            </a:r>
-            <a:r>
-              <a:rPr lang="en-US" sz="1100" b="1" dirty="0">
-                <a:latin typeface="Calibri" panose="020F0502020204030204" pitchFamily="34" charset="0"/>
-              </a:rPr>
-              <a:t>by default</a:t>
-            </a:r>
-            <a:r>
-              <a:rPr lang="en-US" sz="1100" dirty="0">
-                <a:latin typeface="Calibri" panose="020F0502020204030204" pitchFamily="34" charset="0"/>
-              </a:rPr>
-              <a:t>:</a:t>
-            </a:r>
-          </a:p>
-          <a:p>
-            <a:pPr rtl="0" fontAlgn="ctr">
-              <a:buFont typeface="+mj-lt"/>
-              <a:buAutoNum type="arabicPeriod"/>
-            </a:pPr>
-            <a:r>
-              <a:rPr lang="en-US" sz="1100" dirty="0">
-                <a:latin typeface="Calibri" panose="020F0502020204030204" pitchFamily="34" charset="0"/>
-              </a:rPr>
-              <a:t>It compares the objects defined in the </a:t>
-            </a:r>
-            <a:r>
-              <a:rPr lang="en-US" sz="1100" dirty="0" err="1">
+              <a:t>The outbox pattern is similar to a queue where you have table with "pending" items and another  process picks up items from the table. Some of you that had tried to model a queue in a </a:t>
+            </a:r>
+            <a:r>
+              <a:rPr lang="en-US" sz="1900" dirty="0" err="1">
                 <a:latin typeface="Calibri" panose="020F0502020204030204" pitchFamily="34" charset="0"/>
               </a:rPr>
               <a:t>sql</a:t>
             </a:r>
             <a:r>
-              <a:rPr lang="en-US" sz="1100" dirty="0">
+              <a:rPr lang="en-US" sz="1900" dirty="0">
                 <a:latin typeface="Calibri" panose="020F0502020204030204" pitchFamily="34" charset="0"/>
               </a:rPr>
-              <a:t> project vs what is on the server.</a:t>
-            </a:r>
-          </a:p>
-          <a:p>
-            <a:pPr rtl="0" fontAlgn="ctr">
-              <a:buFont typeface="+mj-lt"/>
-              <a:buAutoNum type="arabicPeriod"/>
-            </a:pPr>
-            <a:r>
-              <a:rPr lang="en-US" sz="1100" dirty="0">
+              <a:t> table might be saying in your minds " this guy has no idea how many issues that brings". The difference with an outbox pattern that helps alleviate the issues that come with a </a:t>
+            </a:r>
+            <a:r>
+              <a:rPr lang="en-US" sz="1900" dirty="0" err="1">
                 <a:latin typeface="Calibri" panose="020F0502020204030204" pitchFamily="34" charset="0"/>
               </a:rPr>
-              <a:t>Anything that is in the </a:t>
-            </a:r>
-            <a:r>
-              <a:rPr lang="en-US" sz="1100" dirty="0" err="1">
+              <a:t>db</a:t>
+            </a:r>
+            <a:r>
+              <a:rPr lang="en-US" sz="1900" dirty="0">
+                <a:latin typeface="Calibri" panose="020F0502020204030204" pitchFamily="34" charset="0"/>
+              </a:rPr>
+              <a:t> table that acts as a queue is that in the outbox pattern you have one single process (no competing consumers) reading the table. Within that single process/actor, you could read/process multiple rows in parallel to achieve efficiency, but because the actor is only consumer of the </a:t>
+            </a:r>
+            <a:r>
+              <a:rPr lang="en-US" sz="1900" dirty="0" err="1">
                 <a:latin typeface="Calibri" panose="020F0502020204030204" pitchFamily="34" charset="0"/>
               </a:rPr>
               <a:t>sql</a:t>
             </a:r>
             <a:r>
-              <a:rPr lang="en-US" sz="1100" dirty="0">
+              <a:rPr lang="en-US" sz="1900" dirty="0">
                 <a:latin typeface="Calibri" panose="020F0502020204030204" pitchFamily="34" charset="0"/>
               </a:rPr>
-              <a:t> project but not in the server is scripted as an "add" (e.g. CREATE VIEW).</a:t>
-            </a:r>
-          </a:p>
-          <a:p>
-            <a:pPr rtl="0" fontAlgn="ctr">
-              <a:buFont typeface="+mj-lt"/>
-              <a:buAutoNum type="arabicPeriod"/>
-            </a:pPr>
-            <a:r>
-              <a:rPr lang="en-US" sz="1100" dirty="0">
-                <a:latin typeface="Calibri" panose="020F0502020204030204" pitchFamily="34" charset="0"/>
-              </a:rPr>
-              <a:t>Anything that is in the </a:t>
-            </a:r>
-            <a:r>
-              <a:rPr lang="en-US" sz="1100" dirty="0" err="1">
+              <a:t> table, there is little chance for locking issues that you get from modeling a queue in a </a:t>
+            </a:r>
+            <a:r>
+              <a:rPr lang="en-US" sz="1900" dirty="0" err="1">
                 <a:latin typeface="Calibri" panose="020F0502020204030204" pitchFamily="34" charset="0"/>
               </a:rPr>
               <a:t>sql</a:t>
             </a:r>
             <a:r>
-              <a:rPr lang="en-US" sz="1100" dirty="0">
+              <a:rPr lang="en-US" sz="1900" dirty="0">
                 <a:latin typeface="Calibri" panose="020F0502020204030204" pitchFamily="34" charset="0"/>
               </a:rPr>
-              <a:t> project </a:t>
-            </a:r>
-            <a:r>
-              <a:rPr lang="en-US" sz="1100" i="1" dirty="0">
-                <a:latin typeface="Calibri" panose="020F0502020204030204" pitchFamily="34" charset="0"/>
-              </a:rPr>
-              <a:t>and</a:t>
-            </a:r>
-            <a:r>
-              <a:rPr lang="en-US" sz="1100" dirty="0">
-                <a:latin typeface="Calibri" panose="020F0502020204030204" pitchFamily="34" charset="0"/>
-              </a:rPr>
-              <a:t> the </a:t>
-            </a:r>
-            <a:r>
-              <a:rPr lang="en-US" sz="1100" dirty="0" err="1">
-                <a:latin typeface="Calibri" panose="020F0502020204030204" pitchFamily="34" charset="0"/>
-              </a:rPr>
-              <a:t>sql</a:t>
-            </a:r>
-            <a:r>
-              <a:rPr lang="en-US" sz="1100" dirty="0">
-                <a:latin typeface="Calibri" panose="020F0502020204030204" pitchFamily="34" charset="0"/>
-              </a:rPr>
-              <a:t> server, but differs in definition (e.g. a view has a different order of columns or an extra column), gets changed. Sometimes via an alter statement and sometimes via a drop/create. The deployment engine decides that for you.</a:t>
-            </a:r>
-          </a:p>
-          <a:p>
-            <a:pPr marL="765610" lvl="1" indent="-294465" fontAlgn="ctr">
-              <a:buFont typeface="+mj-lt"/>
-              <a:buAutoNum type="alphaLcPeriod"/>
-            </a:pPr>
-            <a:r>
-              <a:rPr lang="en-US" sz="1100" dirty="0">
-                <a:latin typeface="Calibri" panose="020F0502020204030204" pitchFamily="34" charset="0"/>
-              </a:rPr>
-              <a:t>It is important to note that, by default, the deployment engine will NOT do any changes that have the possibility of losing data in the server. For example, a column being removed from a table or a column changing to a smaller type. </a:t>
-            </a:r>
-          </a:p>
-          <a:p>
-            <a:pPr marL="765610" lvl="1" indent="-294465" fontAlgn="ctr">
-              <a:buFont typeface="+mj-lt"/>
-              <a:buAutoNum type="alphaLcPeriod"/>
-            </a:pPr>
-            <a:r>
-              <a:rPr lang="en-US" sz="1100" dirty="0">
-                <a:latin typeface="Calibri" panose="020F0502020204030204" pitchFamily="34" charset="0"/>
-              </a:rPr>
-              <a:t>Removing a column from a View or Stored Proc does not constitute data loss. You might be thinking, if the view is missing the column would not that affect anything else that depends on the column? The answer is yes and there are two ways </a:t>
-            </a:r>
-            <a:r>
-              <a:rPr lang="en-US" sz="1100" dirty="0" err="1">
-                <a:latin typeface="Calibri" panose="020F0502020204030204" pitchFamily="34" charset="0"/>
-              </a:rPr>
-              <a:t>tio</a:t>
-            </a:r>
-            <a:r>
-              <a:rPr lang="en-US" sz="1100" dirty="0">
-                <a:latin typeface="Calibri" panose="020F0502020204030204" pitchFamily="34" charset="0"/>
-              </a:rPr>
-              <a:t> prevent issues:</a:t>
-            </a:r>
-          </a:p>
-          <a:p>
-            <a:pPr marL="1177862" lvl="2" indent="-235572" fontAlgn="ctr">
-              <a:buFont typeface="+mj-lt"/>
-              <a:buAutoNum type="romanLcPeriod"/>
-            </a:pPr>
-            <a:r>
-              <a:rPr lang="en-US" sz="1100" dirty="0">
-                <a:latin typeface="Calibri" panose="020F0502020204030204" pitchFamily="34" charset="0"/>
-              </a:rPr>
-              <a:t>Any </a:t>
-            </a:r>
-            <a:r>
-              <a:rPr lang="en-US" sz="1100" dirty="0" err="1">
-                <a:latin typeface="Calibri" panose="020F0502020204030204" pitchFamily="34" charset="0"/>
-              </a:rPr>
-              <a:t>sql</a:t>
-            </a:r>
-            <a:r>
-              <a:rPr lang="en-US" sz="1100" dirty="0">
-                <a:latin typeface="Calibri" panose="020F0502020204030204" pitchFamily="34" charset="0"/>
-              </a:rPr>
-              <a:t> object that refers to that column within the </a:t>
-            </a:r>
-            <a:r>
-              <a:rPr lang="en-US" sz="1100" dirty="0" err="1">
-                <a:latin typeface="Calibri" panose="020F0502020204030204" pitchFamily="34" charset="0"/>
-              </a:rPr>
-              <a:t>db</a:t>
-            </a:r>
-            <a:r>
-              <a:rPr lang="en-US" sz="1100" dirty="0">
-                <a:latin typeface="Calibri" panose="020F0502020204030204" pitchFamily="34" charset="0"/>
-              </a:rPr>
-              <a:t>, will fail to compile in the project so you would know that you are referencing something that is now missing so you would not even be able to get to the deployment step because compilation would fail.</a:t>
-            </a:r>
-          </a:p>
-          <a:p>
-            <a:pPr rtl="0" fontAlgn="ctr">
-              <a:buFont typeface="+mj-lt"/>
-              <a:buAutoNum type="romanLcPeriod" startAt="2"/>
-            </a:pPr>
-            <a:r>
-              <a:rPr lang="en-US" sz="1100" dirty="0">
-                <a:latin typeface="Calibri" panose="020F0502020204030204" pitchFamily="34" charset="0"/>
-              </a:rPr>
-              <a:t>If your external code references that missing column, then you would do the same thing you would do if you </a:t>
-            </a:r>
-            <a:r>
-              <a:rPr lang="en-US" sz="1100" dirty="0" err="1">
+              <a:t> table. In this example, the </a:t>
+            </a:r>
+            <a:r>
+              <a:rPr lang="en-US" sz="1900" dirty="0" err="1">
                 <a:latin typeface="Calibri" panose="020F0502020204030204" pitchFamily="34" charset="0"/>
               </a:rPr>
               <a:t>.net</a:t>
             </a:r>
             <a:r>
-              <a:rPr lang="en-US" sz="1100" dirty="0">
+              <a:rPr lang="en-US" sz="1900" dirty="0">
                 <a:latin typeface="Calibri" panose="020F0502020204030204" pitchFamily="34" charset="0"/>
               </a:rPr>
-              <a:t> public API has a breaking change. We will talk more about it later when we talk of the </a:t>
-            </a:r>
-            <a:r>
-              <a:rPr lang="en-US" sz="1100" dirty="0" err="1">
-                <a:latin typeface="Calibri" panose="020F0502020204030204" pitchFamily="34" charset="0"/>
-              </a:rPr>
-              <a:t>db</a:t>
-            </a:r>
-            <a:r>
-              <a:rPr lang="en-US" sz="1100" dirty="0">
-                <a:latin typeface="Calibri" panose="020F0502020204030204" pitchFamily="34" charset="0"/>
-              </a:rPr>
-              <a:t> as a service.</a:t>
-            </a:r>
-          </a:p>
-          <a:p>
-            <a:pPr rtl="0" fontAlgn="ctr">
-              <a:buFont typeface="+mj-lt"/>
-              <a:buAutoNum type="arabicPeriod" startAt="4"/>
-            </a:pPr>
-            <a:r>
-              <a:rPr lang="en-US" sz="1100" dirty="0">
-                <a:latin typeface="Calibri" panose="020F0502020204030204" pitchFamily="34" charset="0"/>
-              </a:rPr>
-              <a:t>Anything that is not in this </a:t>
-            </a:r>
-            <a:r>
-              <a:rPr lang="en-US" sz="1100" dirty="0" err="1">
-                <a:latin typeface="Calibri" panose="020F0502020204030204" pitchFamily="34" charset="0"/>
-              </a:rPr>
-              <a:t>sql</a:t>
-            </a:r>
-            <a:r>
-              <a:rPr lang="en-US" sz="1100" dirty="0">
-                <a:latin typeface="Calibri" panose="020F0502020204030204" pitchFamily="34" charset="0"/>
-              </a:rPr>
-              <a:t> project but it is in the </a:t>
-            </a:r>
-            <a:r>
-              <a:rPr lang="en-US" sz="1100" dirty="0" err="1">
-                <a:latin typeface="Calibri" panose="020F0502020204030204" pitchFamily="34" charset="0"/>
-              </a:rPr>
-              <a:t>db</a:t>
-            </a:r>
-            <a:r>
-              <a:rPr lang="en-US" sz="1100" dirty="0">
-                <a:latin typeface="Calibri" panose="020F0502020204030204" pitchFamily="34" charset="0"/>
-              </a:rPr>
-              <a:t>, will NOT be touched by default.</a:t>
-            </a:r>
-          </a:p>
-          <a:p>
-            <a:pPr rtl="0" fontAlgn="ctr">
-              <a:buFont typeface="+mj-lt"/>
-              <a:buAutoNum type="arabicPeriod"/>
-            </a:pPr>
-            <a:r>
-              <a:rPr lang="en-US" sz="1100" dirty="0">
-                <a:latin typeface="Calibri" panose="020F0502020204030204" pitchFamily="34" charset="0"/>
-              </a:rPr>
-              <a:t>Database settings (such as Read Committed/Snapshot)are applied by default. You can define those settings in the </a:t>
-            </a:r>
-            <a:r>
-              <a:rPr lang="en-US" sz="1100" dirty="0" err="1">
-                <a:latin typeface="Calibri" panose="020F0502020204030204" pitchFamily="34" charset="0"/>
-              </a:rPr>
-              <a:t>sql</a:t>
-            </a:r>
-            <a:r>
-              <a:rPr lang="en-US" sz="1100" dirty="0">
-                <a:latin typeface="Calibri" panose="020F0502020204030204" pitchFamily="34" charset="0"/>
-              </a:rPr>
-              <a:t> project by right clicking the project then properties-&gt;Project settings-&gt;Database Settings; and have the deployment process apply those setting :</a:t>
-            </a:r>
-          </a:p>
-          <a:p>
-            <a:r>
-              <a:rPr lang="en-US" sz="1100" dirty="0">
-                <a:latin typeface="Calibri" panose="020F0502020204030204" pitchFamily="34" charset="0"/>
-              </a:rPr>
-              <a:t> </a:t>
-            </a:r>
-          </a:p>
-          <a:p>
-            <a:pPr rtl="0" fontAlgn="ctr">
-              <a:buFont typeface="+mj-lt"/>
-              <a:buAutoNum type="arabicPeriod" startAt="6"/>
-            </a:pPr>
-            <a:r>
-              <a:rPr lang="en-US" sz="1100" dirty="0">
-                <a:latin typeface="Calibri" panose="020F0502020204030204" pitchFamily="34" charset="0"/>
-              </a:rPr>
-              <a:t>Database compatibility options (i.e. 2019, 2022) are not scripted by default.</a:t>
-            </a:r>
-          </a:p>
-          <a:p>
-            <a:pPr marL="353358"/>
-            <a:endParaRPr lang="en-US" sz="1100" dirty="0">
-              <a:latin typeface="Calibri" panose="020F0502020204030204" pitchFamily="34" charset="0"/>
-            </a:endParaRPr>
-          </a:p>
-          <a:p>
-            <a:r>
-              <a:rPr lang="en-US" sz="1100" dirty="0">
-                <a:latin typeface="Calibri" panose="020F0502020204030204" pitchFamily="34" charset="0"/>
-              </a:rPr>
-              <a:t>Those behaviors are defaults that can be changed. For example, you could configure the deployment to drop </a:t>
-            </a:r>
-            <a:r>
-              <a:rPr lang="en-US" sz="1100" dirty="0" err="1">
-                <a:latin typeface="Calibri" panose="020F0502020204030204" pitchFamily="34" charset="0"/>
-              </a:rPr>
-              <a:t>sql</a:t>
-            </a:r>
-            <a:r>
-              <a:rPr lang="en-US" sz="1100" dirty="0">
-                <a:latin typeface="Calibri" panose="020F0502020204030204" pitchFamily="34" charset="0"/>
-              </a:rPr>
-              <a:t> objects that are in the </a:t>
-            </a:r>
-            <a:r>
-              <a:rPr lang="en-US" sz="1100" dirty="0" err="1">
-                <a:latin typeface="Calibri" panose="020F0502020204030204" pitchFamily="34" charset="0"/>
-              </a:rPr>
-              <a:t>sql</a:t>
-            </a:r>
-            <a:r>
-              <a:rPr lang="en-US" sz="1100" dirty="0">
-                <a:latin typeface="Calibri" panose="020F0502020204030204" pitchFamily="34" charset="0"/>
-              </a:rPr>
-              <a:t> server but not in the </a:t>
-            </a:r>
-            <a:r>
-              <a:rPr lang="en-US" sz="1100" dirty="0" err="1">
-                <a:latin typeface="Calibri" panose="020F0502020204030204" pitchFamily="34" charset="0"/>
-              </a:rPr>
-              <a:t>sql</a:t>
-            </a:r>
-            <a:r>
-              <a:rPr lang="en-US" sz="1100" dirty="0">
-                <a:latin typeface="Calibri" panose="020F0502020204030204" pitchFamily="34" charset="0"/>
-              </a:rPr>
-              <a:t> project; or to go ahead with changes that could cause data loss. I </a:t>
-            </a:r>
-            <a:r>
-              <a:rPr lang="en-US" sz="1100" b="1" dirty="0">
-                <a:latin typeface="Calibri" panose="020F0502020204030204" pitchFamily="34" charset="0"/>
-              </a:rPr>
-              <a:t>do not recommend</a:t>
-            </a:r>
-            <a:r>
-              <a:rPr lang="en-US" sz="1100" dirty="0">
-                <a:latin typeface="Calibri" panose="020F0502020204030204" pitchFamily="34" charset="0"/>
-              </a:rPr>
-              <a:t> doing those specific two options unless you are working with a dev db. I have used the compatibility option set to true in the past to ensure the </a:t>
-            </a:r>
-            <a:r>
-              <a:rPr lang="en-US" sz="1100" dirty="0" err="1">
-                <a:latin typeface="Calibri" panose="020F0502020204030204" pitchFamily="34" charset="0"/>
-              </a:rPr>
-              <a:t>db</a:t>
-            </a:r>
-            <a:r>
-              <a:rPr lang="en-US" sz="1100" dirty="0">
-                <a:latin typeface="Calibri" panose="020F0502020204030204" pitchFamily="34" charset="0"/>
-              </a:rPr>
-              <a:t> I am deploying to is the right version I am targeting.</a:t>
-            </a:r>
-          </a:p>
-          <a:p>
+              <a:t> process reads ten rows at the time and processes them in parallel before reading more rows. Any failures are retried by the single process which has knowledge of exactly which ones failed.</a:t>
+            </a:r>
             <a:endParaRPr lang="en-US" dirty="0"/>
           </a:p>
         </p:txBody>
@@ -7877,7 +7490,7 @@
     </p:spTree>
     <p:extLst>
       <p:ext uri="{BB962C8B-B14F-4D97-AF65-F5344CB8AC3E}">
-        <p14:creationId xmlns:p14="http://schemas.microsoft.com/office/powerpoint/2010/main" val="1865331049"/>
+        <p14:creationId xmlns:p14="http://schemas.microsoft.com/office/powerpoint/2010/main" val="2561479409"/>
       </p:ext>
     </p:extLst>
   </p:cSld>
@@ -7931,7 +7544,533 @@
           <a:bodyPr/>
           <a:lstStyle/>
           <a:p>
-            <a:endParaRPr lang="en-US"/>
+            <a:r>
+              <a:rPr lang="en-US" dirty="0"/>
+              <a:t>Alexandria is very happy with all the work she has been able to do in her SQL project. But as soon as she wants to try her work in her local laptop, she stops and wonders, how can we take this definition in this </a:t>
+            </a:r>
+            <a:r>
+              <a:rPr lang="en-US" dirty="0" err="1"/>
+              <a:t>sql</a:t>
+            </a:r>
+            <a:r>
+              <a:rPr lang="en-US" dirty="0"/>
+              <a:t> project and put it in her local </a:t>
+            </a:r>
+            <a:r>
+              <a:rPr lang="en-US" dirty="0" err="1"/>
+              <a:t>sql</a:t>
+            </a:r>
+            <a:r>
+              <a:rPr lang="en-US" dirty="0"/>
+              <a:t> instance? The SQL object in the project live only in the SQL project. They do not contain data and you cannot connect to them from a client app. Michael J helps her research the issue and finds out that just like </a:t>
+            </a:r>
+            <a:r>
+              <a:rPr lang="en-US" dirty="0" err="1"/>
+              <a:t>.net</a:t>
+            </a:r>
+            <a:r>
+              <a:rPr lang="en-US" dirty="0"/>
+              <a:t> </a:t>
+            </a:r>
+            <a:r>
+              <a:rPr lang="en-US" dirty="0" err="1"/>
+              <a:t>projkects</a:t>
+            </a:r>
+            <a:r>
+              <a:rPr lang="en-US" dirty="0"/>
+              <a:t>, there is a “right click” publish method. When Alexandria tries that, she gets a friendly dialog asking her where to deploy the db. </a:t>
+            </a:r>
+          </a:p>
+          <a:p>
+            <a:endParaRPr lang="en-US" dirty="0"/>
+          </a:p>
+          <a:p>
+            <a:r>
+              <a:rPr lang="en-US" dirty="0"/>
+              <a:t>Before I go further, some of you might be wondering: “right click publish, are you kitten me?”. We only use that feature in toy </a:t>
+            </a:r>
+            <a:r>
+              <a:rPr lang="en-US" dirty="0" err="1"/>
+              <a:t>.net</a:t>
+            </a:r>
+            <a:r>
+              <a:rPr lang="en-US" dirty="0"/>
+              <a:t> projects not in real projects. I will talk about how to do deployment using a CI/CD friendly command utility from MS, but for now please bear with me as I show you the GUI way which has the same options as the options available from a command line.</a:t>
+            </a:r>
+          </a:p>
+          <a:p>
+            <a:endParaRPr lang="en-US" dirty="0"/>
+          </a:p>
+          <a:p>
+            <a:r>
+              <a:rPr lang="en-US" dirty="0"/>
+              <a:t>The deployment wizard allows you to select different options that affect the behavior of the deployment. You can deploy to a </a:t>
+            </a:r>
+            <a:r>
+              <a:rPr lang="en-US" dirty="0" err="1"/>
+              <a:t>db</a:t>
+            </a:r>
+            <a:r>
+              <a:rPr lang="en-US" dirty="0"/>
+              <a:t> or to a script file. When you click publish, the following happens:</a:t>
+            </a:r>
+          </a:p>
+          <a:p>
+            <a:endParaRPr lang="en-US" dirty="0"/>
+          </a:p>
+          <a:p>
+            <a:pPr marL="235572" indent="-235572">
+              <a:buAutoNum type="arabicPeriod"/>
+            </a:pPr>
+            <a:r>
+              <a:rPr lang="en-US" dirty="0"/>
+              <a:t>The </a:t>
+            </a:r>
+            <a:r>
+              <a:rPr lang="en-US" dirty="0" err="1"/>
+              <a:t>sql</a:t>
+            </a:r>
+            <a:r>
+              <a:rPr lang="en-US" dirty="0"/>
+              <a:t> project “compiles” into a </a:t>
+            </a:r>
+            <a:r>
+              <a:rPr lang="en-US" dirty="0" err="1"/>
+              <a:t>dacpac</a:t>
+            </a:r>
+            <a:r>
+              <a:rPr lang="en-US" dirty="0"/>
+              <a:t>. If any </a:t>
+            </a:r>
+            <a:r>
+              <a:rPr lang="en-US" dirty="0" err="1"/>
+              <a:t>sytanx</a:t>
+            </a:r>
+            <a:r>
+              <a:rPr lang="en-US" dirty="0"/>
+              <a:t> reference errors occur, this </a:t>
+            </a:r>
+            <a:r>
+              <a:rPr lang="en-US" dirty="0" err="1"/>
+              <a:t>ste</a:t>
+            </a:r>
+            <a:r>
+              <a:rPr lang="en-US" dirty="0"/>
+              <a:t> will fail and no deployment will be attempted.</a:t>
+            </a:r>
+          </a:p>
+          <a:p>
+            <a:pPr marL="235572" indent="-235572">
+              <a:buAutoNum type="arabicPeriod"/>
+            </a:pPr>
+            <a:r>
+              <a:rPr lang="en-US" dirty="0"/>
+              <a:t>The deployment engine deploys to the target db. </a:t>
+            </a:r>
+          </a:p>
+          <a:p>
+            <a:pPr marL="235572" indent="-235572">
+              <a:buAutoNum type="arabicPeriod"/>
+            </a:pPr>
+            <a:endParaRPr lang="en-US" dirty="0"/>
+          </a:p>
+          <a:p>
+            <a:r>
+              <a:rPr lang="en-US" b="1" i="1" dirty="0">
+                <a:solidFill>
+                  <a:srgbClr val="5B9BD5"/>
+                </a:solidFill>
+                <a:latin typeface="Calibri" panose="020F0502020204030204" pitchFamily="34" charset="0"/>
+              </a:rPr>
+              <a:t>What happens in a Deployment</a:t>
+            </a:r>
+            <a:endParaRPr lang="en-US" b="1" dirty="0">
+              <a:solidFill>
+                <a:srgbClr val="5B9BD5"/>
+              </a:solidFill>
+              <a:latin typeface="Calibri" panose="020F0502020204030204" pitchFamily="34" charset="0"/>
+            </a:endParaRPr>
+          </a:p>
+          <a:p>
+            <a:r>
+              <a:rPr lang="en-US" sz="1100" dirty="0">
+                <a:latin typeface="Calibri" panose="020F0502020204030204" pitchFamily="34" charset="0"/>
+              </a:rPr>
+              <a:t>A deployment from a SQL project does the following </a:t>
+            </a:r>
+            <a:r>
+              <a:rPr lang="en-US" sz="1100" b="1" dirty="0">
+                <a:latin typeface="Calibri" panose="020F0502020204030204" pitchFamily="34" charset="0"/>
+              </a:rPr>
+              <a:t>by default</a:t>
+            </a:r>
+            <a:r>
+              <a:rPr lang="en-US" sz="1100" dirty="0">
+                <a:latin typeface="Calibri" panose="020F0502020204030204" pitchFamily="34" charset="0"/>
+              </a:rPr>
+              <a:t>:</a:t>
+            </a:r>
+          </a:p>
+          <a:p>
+            <a:pPr rtl="0" fontAlgn="ctr">
+              <a:buFont typeface="+mj-lt"/>
+              <a:buAutoNum type="arabicPeriod"/>
+            </a:pPr>
+            <a:r>
+              <a:rPr lang="en-US" sz="1100" dirty="0">
+                <a:latin typeface="Calibri" panose="020F0502020204030204" pitchFamily="34" charset="0"/>
+              </a:rPr>
+              <a:t>It compares the objects defined in the </a:t>
+            </a:r>
+            <a:r>
+              <a:rPr lang="en-US" sz="1100" dirty="0" err="1">
+                <a:latin typeface="Calibri" panose="020F0502020204030204" pitchFamily="34" charset="0"/>
+              </a:rPr>
+              <a:t>sql</a:t>
+            </a:r>
+            <a:r>
+              <a:rPr lang="en-US" sz="1100" dirty="0">
+                <a:latin typeface="Calibri" panose="020F0502020204030204" pitchFamily="34" charset="0"/>
+              </a:rPr>
+              <a:t> project vs what is on the server.</a:t>
+            </a:r>
+          </a:p>
+          <a:p>
+            <a:pPr rtl="0" fontAlgn="ctr">
+              <a:buFont typeface="+mj-lt"/>
+              <a:buAutoNum type="arabicPeriod"/>
+            </a:pPr>
+            <a:r>
+              <a:rPr lang="en-US" sz="1100" dirty="0">
+                <a:latin typeface="Calibri" panose="020F0502020204030204" pitchFamily="34" charset="0"/>
+              </a:rPr>
+              <a:t>Anything that is in the </a:t>
+            </a:r>
+            <a:r>
+              <a:rPr lang="en-US" sz="1100" dirty="0" err="1">
+                <a:latin typeface="Calibri" panose="020F0502020204030204" pitchFamily="34" charset="0"/>
+              </a:rPr>
+              <a:t>sql</a:t>
+            </a:r>
+            <a:r>
+              <a:rPr lang="en-US" sz="1100" dirty="0">
+                <a:latin typeface="Calibri" panose="020F0502020204030204" pitchFamily="34" charset="0"/>
+              </a:rPr>
+              <a:t> project but not in the server is scripted as an "add" (e.g. CREATE VIEW).</a:t>
+            </a:r>
+          </a:p>
+          <a:p>
+            <a:pPr rtl="0" fontAlgn="ctr">
+              <a:buFont typeface="+mj-lt"/>
+              <a:buAutoNum type="arabicPeriod"/>
+            </a:pPr>
+            <a:r>
+              <a:rPr lang="en-US" sz="1100" dirty="0">
+                <a:latin typeface="Calibri" panose="020F0502020204030204" pitchFamily="34" charset="0"/>
+              </a:rPr>
+              <a:t>Anything that is in the </a:t>
+            </a:r>
+            <a:r>
+              <a:rPr lang="en-US" sz="1100" dirty="0" err="1">
+                <a:latin typeface="Calibri" panose="020F0502020204030204" pitchFamily="34" charset="0"/>
+              </a:rPr>
+              <a:t>sql</a:t>
+            </a:r>
+            <a:r>
+              <a:rPr lang="en-US" sz="1100" dirty="0">
+                <a:latin typeface="Calibri" panose="020F0502020204030204" pitchFamily="34" charset="0"/>
+              </a:rPr>
+              <a:t> project </a:t>
+            </a:r>
+            <a:r>
+              <a:rPr lang="en-US" sz="1100" i="1" dirty="0">
+                <a:latin typeface="Calibri" panose="020F0502020204030204" pitchFamily="34" charset="0"/>
+              </a:rPr>
+              <a:t>and</a:t>
+            </a:r>
+            <a:r>
+              <a:rPr lang="en-US" sz="1100" dirty="0">
+                <a:latin typeface="Calibri" panose="020F0502020204030204" pitchFamily="34" charset="0"/>
+              </a:rPr>
+              <a:t> the </a:t>
+            </a:r>
+            <a:r>
+              <a:rPr lang="en-US" sz="1100" dirty="0" err="1">
+                <a:latin typeface="Calibri" panose="020F0502020204030204" pitchFamily="34" charset="0"/>
+              </a:rPr>
+              <a:t>sql</a:t>
+            </a:r>
+            <a:r>
+              <a:rPr lang="en-US" sz="1100" dirty="0">
+                <a:latin typeface="Calibri" panose="020F0502020204030204" pitchFamily="34" charset="0"/>
+              </a:rPr>
+              <a:t> server, but differs in definition (e.g. a view has a different order of columns or an extra column), gets changed. Sometimes via an alter statement and sometimes via a drop/create. The deployment engine decides that for you.</a:t>
+            </a:r>
+          </a:p>
+          <a:p>
+            <a:pPr marL="765610" lvl="1" indent="-294465" fontAlgn="ctr">
+              <a:buFont typeface="+mj-lt"/>
+              <a:buAutoNum type="alphaLcPeriod"/>
+            </a:pPr>
+            <a:r>
+              <a:rPr lang="en-US" sz="1100" dirty="0">
+                <a:latin typeface="Calibri" panose="020F0502020204030204" pitchFamily="34" charset="0"/>
+              </a:rPr>
+              <a:t>It is important to note that, by default, the deployment engine will NOT do any changes that have the possibility of losing data in the server. For example, a column being removed from a table or a column changing to a smaller type. </a:t>
+            </a:r>
+          </a:p>
+          <a:p>
+            <a:pPr marL="765610" lvl="1" indent="-294465" fontAlgn="ctr">
+              <a:buFont typeface="+mj-lt"/>
+              <a:buAutoNum type="alphaLcPeriod"/>
+            </a:pPr>
+            <a:r>
+              <a:rPr lang="en-US" sz="1100" dirty="0">
+                <a:latin typeface="Calibri" panose="020F0502020204030204" pitchFamily="34" charset="0"/>
+              </a:rPr>
+              <a:t>Removing a column from a View or Stored Proc does not constitute data loss. You might be thinking, if the view is missing the column would not that affect anything else that depends on the column? The answer is yes and there are two ways </a:t>
+            </a:r>
+            <a:r>
+              <a:rPr lang="en-US" sz="1100" dirty="0" err="1">
+                <a:latin typeface="Calibri" panose="020F0502020204030204" pitchFamily="34" charset="0"/>
+              </a:rPr>
+              <a:t>tio</a:t>
+            </a:r>
+            <a:r>
+              <a:rPr lang="en-US" sz="1100" dirty="0">
+                <a:latin typeface="Calibri" panose="020F0502020204030204" pitchFamily="34" charset="0"/>
+              </a:rPr>
+              <a:t> prevent issues:</a:t>
+            </a:r>
+          </a:p>
+          <a:p>
+            <a:pPr marL="1177862" lvl="2" indent="-235572" fontAlgn="ctr">
+              <a:buFont typeface="+mj-lt"/>
+              <a:buAutoNum type="romanLcPeriod"/>
+            </a:pPr>
+            <a:r>
+              <a:rPr lang="en-US" sz="1100" dirty="0">
+                <a:latin typeface="Calibri" panose="020F0502020204030204" pitchFamily="34" charset="0"/>
+              </a:rPr>
+              <a:t>Any </a:t>
+            </a:r>
+            <a:r>
+              <a:rPr lang="en-US" sz="1100" dirty="0" err="1">
+                <a:latin typeface="Calibri" panose="020F0502020204030204" pitchFamily="34" charset="0"/>
+              </a:rPr>
+              <a:t>sql</a:t>
+            </a:r>
+            <a:r>
+              <a:rPr lang="en-US" sz="1100" dirty="0">
+                <a:latin typeface="Calibri" panose="020F0502020204030204" pitchFamily="34" charset="0"/>
+              </a:rPr>
+              <a:t> object that refers to that column within the </a:t>
+            </a:r>
+            <a:r>
+              <a:rPr lang="en-US" sz="1100" dirty="0" err="1">
+                <a:latin typeface="Calibri" panose="020F0502020204030204" pitchFamily="34" charset="0"/>
+              </a:rPr>
+              <a:t>db</a:t>
+            </a:r>
+            <a:r>
+              <a:rPr lang="en-US" sz="1100" dirty="0">
+                <a:latin typeface="Calibri" panose="020F0502020204030204" pitchFamily="34" charset="0"/>
+              </a:rPr>
+              <a:t>, will fail to compile in the project so you would know that you are referencing something that is now missing so you would not even be able to get to the deployment step because compilation would fail.</a:t>
+            </a:r>
+          </a:p>
+          <a:p>
+            <a:pPr rtl="0" fontAlgn="ctr">
+              <a:buFont typeface="+mj-lt"/>
+              <a:buAutoNum type="romanLcPeriod" startAt="2"/>
+            </a:pPr>
+            <a:r>
+              <a:rPr lang="en-US" sz="1100" dirty="0">
+                <a:latin typeface="Calibri" panose="020F0502020204030204" pitchFamily="34" charset="0"/>
+              </a:rPr>
+              <a:t>If your external code references that missing column, then you would do the same thing you would do if you </a:t>
+            </a:r>
+            <a:r>
+              <a:rPr lang="en-US" sz="1100" dirty="0" err="1">
+                <a:latin typeface="Calibri" panose="020F0502020204030204" pitchFamily="34" charset="0"/>
+              </a:rPr>
+              <a:t>.net</a:t>
+            </a:r>
+            <a:r>
+              <a:rPr lang="en-US" sz="1100" dirty="0">
+                <a:latin typeface="Calibri" panose="020F0502020204030204" pitchFamily="34" charset="0"/>
+              </a:rPr>
+              <a:t> public API has a breaking change. We will talk more about it later when we talk of the </a:t>
+            </a:r>
+            <a:r>
+              <a:rPr lang="en-US" sz="1100" dirty="0" err="1">
+                <a:latin typeface="Calibri" panose="020F0502020204030204" pitchFamily="34" charset="0"/>
+              </a:rPr>
+              <a:t>db</a:t>
+            </a:r>
+            <a:r>
+              <a:rPr lang="en-US" sz="1100" dirty="0">
+                <a:latin typeface="Calibri" panose="020F0502020204030204" pitchFamily="34" charset="0"/>
+              </a:rPr>
+              <a:t> as a service.</a:t>
+            </a:r>
+          </a:p>
+          <a:p>
+            <a:pPr rtl="0" fontAlgn="ctr">
+              <a:buFont typeface="+mj-lt"/>
+              <a:buAutoNum type="arabicPeriod" startAt="4"/>
+            </a:pPr>
+            <a:r>
+              <a:rPr lang="en-US" sz="1100" dirty="0">
+                <a:latin typeface="Calibri" panose="020F0502020204030204" pitchFamily="34" charset="0"/>
+              </a:rPr>
+              <a:t>Anything that is not in this </a:t>
+            </a:r>
+            <a:r>
+              <a:rPr lang="en-US" sz="1100" dirty="0" err="1">
+                <a:latin typeface="Calibri" panose="020F0502020204030204" pitchFamily="34" charset="0"/>
+              </a:rPr>
+              <a:t>sql</a:t>
+            </a:r>
+            <a:r>
+              <a:rPr lang="en-US" sz="1100" dirty="0">
+                <a:latin typeface="Calibri" panose="020F0502020204030204" pitchFamily="34" charset="0"/>
+              </a:rPr>
+              <a:t> project but it is in the </a:t>
+            </a:r>
+            <a:r>
+              <a:rPr lang="en-US" sz="1100" dirty="0" err="1">
+                <a:latin typeface="Calibri" panose="020F0502020204030204" pitchFamily="34" charset="0"/>
+              </a:rPr>
+              <a:t>db</a:t>
+            </a:r>
+            <a:r>
+              <a:rPr lang="en-US" sz="1100" dirty="0">
+                <a:latin typeface="Calibri" panose="020F0502020204030204" pitchFamily="34" charset="0"/>
+              </a:rPr>
+              <a:t>, will NOT be touched by default.</a:t>
+            </a:r>
+          </a:p>
+          <a:p>
+            <a:pPr rtl="0" fontAlgn="ctr">
+              <a:buFont typeface="+mj-lt"/>
+              <a:buAutoNum type="arabicPeriod"/>
+            </a:pPr>
+            <a:r>
+              <a:rPr lang="en-US" sz="1100" dirty="0">
+                <a:latin typeface="Calibri" panose="020F0502020204030204" pitchFamily="34" charset="0"/>
+              </a:rPr>
+              <a:t>Database settings (such as Read Committed/Snapshot)are applied by default. You can define those settings in the </a:t>
+            </a:r>
+            <a:r>
+              <a:rPr lang="en-US" sz="1100" dirty="0" err="1">
+                <a:latin typeface="Calibri" panose="020F0502020204030204" pitchFamily="34" charset="0"/>
+              </a:rPr>
+              <a:t>sql</a:t>
+            </a:r>
+            <a:r>
+              <a:rPr lang="en-US" sz="1100" dirty="0">
+                <a:latin typeface="Calibri" panose="020F0502020204030204" pitchFamily="34" charset="0"/>
+              </a:rPr>
+              <a:t> project by right clicking the project then properties-&gt;Project settings-&gt;Database Settings; and have the deployment process apply those setting :</a:t>
+            </a:r>
+          </a:p>
+          <a:p>
+            <a:r>
+              <a:rPr lang="en-US" sz="1100" dirty="0">
+                <a:latin typeface="Calibri" panose="020F0502020204030204" pitchFamily="34" charset="0"/>
+              </a:rPr>
+              <a:t> </a:t>
+            </a:r>
+          </a:p>
+          <a:p>
+            <a:pPr rtl="0" fontAlgn="ctr">
+              <a:buFont typeface="+mj-lt"/>
+              <a:buAutoNum type="arabicPeriod" startAt="6"/>
+            </a:pPr>
+            <a:r>
+              <a:rPr lang="en-US" sz="1100" dirty="0">
+                <a:latin typeface="Calibri" panose="020F0502020204030204" pitchFamily="34" charset="0"/>
+              </a:rPr>
+              <a:t>Database compatibility options (i.e. 2019, 2022) are not scripted by default.</a:t>
+            </a:r>
+          </a:p>
+          <a:p>
+            <a:pPr marL="353358"/>
+            <a:endParaRPr lang="en-US" sz="1100" dirty="0">
+              <a:latin typeface="Calibri" panose="020F0502020204030204" pitchFamily="34" charset="0"/>
+            </a:endParaRPr>
+          </a:p>
+          <a:p>
+            <a:r>
+              <a:rPr lang="en-US" sz="1100" dirty="0">
+                <a:latin typeface="Calibri" panose="020F0502020204030204" pitchFamily="34" charset="0"/>
+              </a:rPr>
+              <a:t>Those behaviors are defaults that can be changed. For example, you could configure the deployment to drop </a:t>
+            </a:r>
+            <a:r>
+              <a:rPr lang="en-US" sz="1100" dirty="0" err="1">
+                <a:latin typeface="Calibri" panose="020F0502020204030204" pitchFamily="34" charset="0"/>
+              </a:rPr>
+              <a:t>sql</a:t>
+            </a:r>
+            <a:r>
+              <a:rPr lang="en-US" sz="1100" dirty="0">
+                <a:latin typeface="Calibri" panose="020F0502020204030204" pitchFamily="34" charset="0"/>
+              </a:rPr>
+              <a:t> objects that are in the </a:t>
+            </a:r>
+            <a:r>
+              <a:rPr lang="en-US" sz="1100" dirty="0" err="1">
+                <a:latin typeface="Calibri" panose="020F0502020204030204" pitchFamily="34" charset="0"/>
+              </a:rPr>
+              <a:t>sql</a:t>
+            </a:r>
+            <a:r>
+              <a:rPr lang="en-US" sz="1100" dirty="0">
+                <a:latin typeface="Calibri" panose="020F0502020204030204" pitchFamily="34" charset="0"/>
+              </a:rPr>
+              <a:t> server but not in the </a:t>
+            </a:r>
+            <a:r>
+              <a:rPr lang="en-US" sz="1100" dirty="0" err="1">
+                <a:latin typeface="Calibri" panose="020F0502020204030204" pitchFamily="34" charset="0"/>
+              </a:rPr>
+              <a:t>sql</a:t>
+            </a:r>
+            <a:r>
+              <a:rPr lang="en-US" sz="1100" dirty="0">
+                <a:latin typeface="Calibri" panose="020F0502020204030204" pitchFamily="34" charset="0"/>
+              </a:rPr>
+              <a:t> project; or to go ahead with changes that could cause data loss. I </a:t>
+            </a:r>
+            <a:r>
+              <a:rPr lang="en-US" sz="1100" b="1" dirty="0">
+                <a:latin typeface="Calibri" panose="020F0502020204030204" pitchFamily="34" charset="0"/>
+              </a:rPr>
+              <a:t>do not recommend</a:t>
+            </a:r>
+            <a:r>
+              <a:rPr lang="en-US" sz="1100" dirty="0">
+                <a:latin typeface="Calibri" panose="020F0502020204030204" pitchFamily="34" charset="0"/>
+              </a:rPr>
+              <a:t> doing those specific two options unless you are working with a dev db. I have used the compatibility option set to true in the past to ensure the </a:t>
+            </a:r>
+            <a:r>
+              <a:rPr lang="en-US" sz="1100" dirty="0" err="1">
+                <a:latin typeface="Calibri" panose="020F0502020204030204" pitchFamily="34" charset="0"/>
+              </a:rPr>
+              <a:t>db</a:t>
+            </a:r>
+            <a:r>
+              <a:rPr lang="en-US" sz="1100" dirty="0">
+                <a:latin typeface="Calibri" panose="020F0502020204030204" pitchFamily="34" charset="0"/>
+              </a:rPr>
+              <a:t> I am deploying to is the right version I am targeting.</a:t>
+            </a:r>
+          </a:p>
+          <a:p>
+            <a:endParaRPr lang="en-US" dirty="0"/>
           </a:p>
         </p:txBody>
       </p:sp>
@@ -7961,7 +8100,7 @@
     </p:spTree>
     <p:extLst>
       <p:ext uri="{BB962C8B-B14F-4D97-AF65-F5344CB8AC3E}">
-        <p14:creationId xmlns:p14="http://schemas.microsoft.com/office/powerpoint/2010/main" val="881746501"/>
+        <p14:creationId xmlns:p14="http://schemas.microsoft.com/office/powerpoint/2010/main" val="1865331049"/>
       </p:ext>
     </p:extLst>
   </p:cSld>
@@ -8015,7 +8154,7 @@
           <a:bodyPr/>
           <a:lstStyle/>
           <a:p>
-            <a:endParaRPr lang="en-US" dirty="0"/>
+            <a:endParaRPr lang="en-US"/>
           </a:p>
         </p:txBody>
       </p:sp>
@@ -8045,7 +8184,7 @@
     </p:spTree>
     <p:extLst>
       <p:ext uri="{BB962C8B-B14F-4D97-AF65-F5344CB8AC3E}">
-        <p14:creationId xmlns:p14="http://schemas.microsoft.com/office/powerpoint/2010/main" val="2806933163"/>
+        <p14:creationId xmlns:p14="http://schemas.microsoft.com/office/powerpoint/2010/main" val="881746501"/>
       </p:ext>
     </p:extLst>
   </p:cSld>
@@ -8129,7 +8268,7 @@
     </p:spTree>
     <p:extLst>
       <p:ext uri="{BB962C8B-B14F-4D97-AF65-F5344CB8AC3E}">
-        <p14:creationId xmlns:p14="http://schemas.microsoft.com/office/powerpoint/2010/main" val="1020007856"/>
+        <p14:creationId xmlns:p14="http://schemas.microsoft.com/office/powerpoint/2010/main" val="2806933163"/>
       </p:ext>
     </p:extLst>
   </p:cSld>
@@ -8183,220 +8322,6 @@
           <a:bodyPr/>
           <a:lstStyle/>
           <a:p>
-            <a:r>
-              <a:rPr lang="en-US" dirty="0"/>
-              <a:t>Alexandria is now very happy that she could setup automated deployment to the test severs via their source control provider (GitHub). David is very happy too, but then asks, where are the automated tests that run before deployment. Alexandira knew something was missing and David pointed it out. In her </a:t>
-            </a:r>
-            <a:r>
-              <a:rPr lang="en-US" dirty="0" err="1"/>
-              <a:t>.net</a:t>
-            </a:r>
-            <a:r>
-              <a:rPr lang="en-US" dirty="0"/>
-              <a:t> projects, she uses </a:t>
-            </a:r>
-            <a:r>
-              <a:rPr lang="en-US" dirty="0" err="1"/>
-              <a:t>.net</a:t>
-            </a:r>
-            <a:r>
-              <a:rPr lang="en-US" dirty="0"/>
-              <a:t> test suite projects that run automatically in the CID/CD pipelines. The tests gives her team a degree of confidence that any new changes added to the repo are not introducing any issues. The code they are writing in the SQL in this new </a:t>
-            </a:r>
-            <a:r>
-              <a:rPr lang="en-US" dirty="0" err="1"/>
-              <a:t>db</a:t>
-            </a:r>
-            <a:r>
-              <a:rPr lang="en-US" dirty="0"/>
-              <a:t> is complicated enough and important enough to demand at least some level of safeguards. Michael J helps her  research testing approaches to SQL code. They find three approaches:</a:t>
-            </a:r>
-          </a:p>
-          <a:p>
-            <a:endParaRPr lang="en-US" dirty="0"/>
-          </a:p>
-          <a:p>
-            <a:pPr rtl="0" fontAlgn="ctr">
-              <a:buFont typeface="+mj-lt"/>
-              <a:buAutoNum type="arabicPeriod"/>
-            </a:pPr>
-            <a:r>
-              <a:rPr lang="en-US" sz="1100" dirty="0">
-                <a:latin typeface="Calibri" panose="020F0502020204030204" pitchFamily="34" charset="0"/>
-              </a:rPr>
-              <a:t>Call you </a:t>
-            </a:r>
-            <a:r>
-              <a:rPr lang="en-US" sz="1100" dirty="0" err="1">
-                <a:latin typeface="Calibri" panose="020F0502020204030204" pitchFamily="34" charset="0"/>
-              </a:rPr>
-              <a:t>sql</a:t>
-            </a:r>
-            <a:r>
-              <a:rPr lang="en-US" sz="1100" dirty="0">
-                <a:latin typeface="Calibri" panose="020F0502020204030204" pitchFamily="34" charset="0"/>
-              </a:rPr>
-              <a:t> code from </a:t>
-            </a:r>
-            <a:r>
-              <a:rPr lang="en-US" sz="1100" dirty="0" err="1">
-                <a:latin typeface="Calibri" panose="020F0502020204030204" pitchFamily="34" charset="0"/>
-              </a:rPr>
-              <a:t>.net</a:t>
-            </a:r>
-            <a:r>
-              <a:rPr lang="en-US" sz="1100" dirty="0">
-                <a:latin typeface="Calibri" panose="020F0502020204030204" pitchFamily="34" charset="0"/>
-              </a:rPr>
-              <a:t> unit test projects (e.g. </a:t>
-            </a:r>
-            <a:r>
-              <a:rPr lang="en-US" sz="1100" dirty="0" err="1">
-                <a:latin typeface="Calibri" panose="020F0502020204030204" pitchFamily="34" charset="0"/>
-              </a:rPr>
-              <a:t>xUnit</a:t>
-            </a:r>
-            <a:r>
-              <a:rPr lang="en-US" sz="1100" dirty="0">
-                <a:latin typeface="Calibri" panose="020F0502020204030204" pitchFamily="34" charset="0"/>
-              </a:rPr>
-              <a:t>)</a:t>
-            </a:r>
-          </a:p>
-          <a:p>
-            <a:pPr marL="765610" lvl="1" indent="-294465" fontAlgn="ctr">
-              <a:buFont typeface="+mj-lt"/>
-              <a:buAutoNum type="alphaLcPeriod"/>
-            </a:pPr>
-            <a:r>
-              <a:rPr lang="en-US" sz="1100" dirty="0">
-                <a:latin typeface="Calibri" panose="020F0502020204030204" pitchFamily="34" charset="0"/>
-              </a:rPr>
-              <a:t>Requires manually writing the </a:t>
-            </a:r>
-            <a:r>
-              <a:rPr lang="en-US" sz="1100" dirty="0" err="1">
-                <a:latin typeface="Calibri" panose="020F0502020204030204" pitchFamily="34" charset="0"/>
-              </a:rPr>
-              <a:t>c#</a:t>
-            </a:r>
-            <a:r>
-              <a:rPr lang="en-US" sz="1100" dirty="0">
-                <a:latin typeface="Calibri" panose="020F0502020204030204" pitchFamily="34" charset="0"/>
-              </a:rPr>
-              <a:t> code for each of the SQL functionality you want to test.</a:t>
-            </a:r>
-          </a:p>
-          <a:p>
-            <a:pPr rtl="0" fontAlgn="ctr">
-              <a:buFont typeface="+mj-lt"/>
-              <a:buAutoNum type="arabicPeriod"/>
-            </a:pPr>
-            <a:r>
-              <a:rPr lang="en-US" sz="1100" dirty="0">
-                <a:latin typeface="Calibri" panose="020F0502020204030204" pitchFamily="34" charset="0"/>
-              </a:rPr>
-              <a:t>Use T-SQL specific unit test frameworks or tools, such as </a:t>
-            </a:r>
-            <a:r>
-              <a:rPr lang="en-US" sz="1100" dirty="0" err="1">
-                <a:latin typeface="Calibri" panose="020F0502020204030204" pitchFamily="34" charset="0"/>
-              </a:rPr>
-              <a:t>tUnit</a:t>
-            </a:r>
-            <a:endParaRPr lang="en-US" sz="1100" dirty="0">
-              <a:latin typeface="Calibri" panose="020F0502020204030204" pitchFamily="34" charset="0"/>
-            </a:endParaRPr>
-          </a:p>
-          <a:p>
-            <a:pPr rtl="0" fontAlgn="ctr">
-              <a:buFont typeface="+mj-lt"/>
-              <a:buAutoNum type="arabicPeriod"/>
-            </a:pPr>
-            <a:r>
-              <a:rPr lang="en-US" sz="1100" dirty="0">
-                <a:latin typeface="Calibri" panose="020F0502020204030204" pitchFamily="34" charset="0"/>
-              </a:rPr>
-              <a:t>Use a generic </a:t>
-            </a:r>
-            <a:r>
-              <a:rPr lang="en-US" sz="1100" dirty="0" err="1">
-                <a:latin typeface="Calibri" panose="020F0502020204030204" pitchFamily="34" charset="0"/>
-              </a:rPr>
-              <a:t>xUnit</a:t>
-            </a:r>
-            <a:r>
-              <a:rPr lang="en-US" sz="1100" dirty="0">
-                <a:latin typeface="Calibri" panose="020F0502020204030204" pitchFamily="34" charset="0"/>
-              </a:rPr>
-              <a:t> project that can be reused without much modification between projects and that does not require writing .NET for each of the SQL features to test</a:t>
-            </a:r>
-          </a:p>
-          <a:p>
-            <a:pPr marL="765610" lvl="1" indent="-294465" fontAlgn="ctr">
-              <a:buFont typeface="+mj-lt"/>
-              <a:buAutoNum type="alphaLcPeriod"/>
-            </a:pPr>
-            <a:r>
-              <a:rPr lang="en-US" sz="1100" dirty="0">
-                <a:latin typeface="Calibri" panose="020F0502020204030204" pitchFamily="34" charset="0"/>
-              </a:rPr>
-              <a:t>This is my preferred way (see sample GitHub repo)</a:t>
-            </a:r>
-          </a:p>
-          <a:p>
-            <a:pPr marL="765610" lvl="1" indent="-294465" fontAlgn="ctr">
-              <a:buFont typeface="+mj-lt"/>
-              <a:buAutoNum type="alphaLcPeriod"/>
-            </a:pPr>
-            <a:r>
-              <a:rPr lang="en-US" sz="1100" dirty="0">
-                <a:latin typeface="Calibri" panose="020F0502020204030204" pitchFamily="34" charset="0"/>
-              </a:rPr>
-              <a:t>Use a specific SQL schema for SQL objects that support the automated tests. This makes it easier for the automated tool to discover the tests and for maintainers to understand what the purpose of those objects are.</a:t>
-            </a:r>
-          </a:p>
-          <a:p>
-            <a:r>
-              <a:rPr lang="en-US" sz="1100" dirty="0">
-                <a:latin typeface="Calibri" panose="020F0502020204030204" pitchFamily="34" charset="0"/>
-              </a:rPr>
-              <a:t> </a:t>
-            </a:r>
-          </a:p>
-          <a:p>
-            <a:r>
-              <a:rPr lang="en-US" sz="1100" dirty="0">
-                <a:latin typeface="Calibri" panose="020F0502020204030204" pitchFamily="34" charset="0"/>
-              </a:rPr>
-              <a:t>Test Stored procs can use transactions to rollback any data they manipulated during the test. This is somewhat similar to how </a:t>
-            </a:r>
-            <a:r>
-              <a:rPr lang="en-US" sz="1100" dirty="0" err="1">
-                <a:latin typeface="Calibri" panose="020F0502020204030204" pitchFamily="34" charset="0"/>
-              </a:rPr>
-              <a:t>SalesForce</a:t>
-            </a:r>
-            <a:r>
-              <a:rPr lang="en-US" sz="1100" dirty="0">
-                <a:latin typeface="Calibri" panose="020F0502020204030204" pitchFamily="34" charset="0"/>
-              </a:rPr>
-              <a:t> does its Apex unit tests (if you are familiar with </a:t>
-            </a:r>
-            <a:r>
-              <a:rPr lang="en-US" sz="1100" dirty="0" err="1">
-                <a:latin typeface="Calibri" panose="020F0502020204030204" pitchFamily="34" charset="0"/>
-              </a:rPr>
-              <a:t>SalesForce</a:t>
-            </a:r>
-            <a:r>
-              <a:rPr lang="en-US" sz="1100" dirty="0">
-                <a:latin typeface="Calibri" panose="020F0502020204030204" pitchFamily="34" charset="0"/>
-              </a:rPr>
-              <a:t>).</a:t>
-            </a:r>
-          </a:p>
-          <a:p>
             <a:endParaRPr lang="en-US" dirty="0"/>
           </a:p>
         </p:txBody>
@@ -8427,7 +8352,7 @@
     </p:spTree>
     <p:extLst>
       <p:ext uri="{BB962C8B-B14F-4D97-AF65-F5344CB8AC3E}">
-        <p14:creationId xmlns:p14="http://schemas.microsoft.com/office/powerpoint/2010/main" val="2810122218"/>
+        <p14:creationId xmlns:p14="http://schemas.microsoft.com/office/powerpoint/2010/main" val="1020007856"/>
       </p:ext>
     </p:extLst>
   </p:cSld>
@@ -8481,7 +8406,221 @@
           <a:bodyPr/>
           <a:lstStyle/>
           <a:p>
-            <a:endParaRPr lang="en-US"/>
+            <a:r>
+              <a:rPr lang="en-US" dirty="0"/>
+              <a:t>Alexandria is now very happy that she could setup automated deployment to the test severs via their source control provider (GitHub). David is very happy too, but then asks, where are the automated tests that run before deployment. Alexandira knew something was missing and David pointed it out. In her </a:t>
+            </a:r>
+            <a:r>
+              <a:rPr lang="en-US" dirty="0" err="1"/>
+              <a:t>.net</a:t>
+            </a:r>
+            <a:r>
+              <a:rPr lang="en-US" dirty="0"/>
+              <a:t> projects, she uses </a:t>
+            </a:r>
+            <a:r>
+              <a:rPr lang="en-US" dirty="0" err="1"/>
+              <a:t>.net</a:t>
+            </a:r>
+            <a:r>
+              <a:rPr lang="en-US" dirty="0"/>
+              <a:t> test suite projects that run automatically in the CID/CD pipelines. The tests gives her team a degree of confidence that any new changes added to the repo are not introducing any issues. The code they are writing in the SQL in this new </a:t>
+            </a:r>
+            <a:r>
+              <a:rPr lang="en-US" dirty="0" err="1"/>
+              <a:t>db</a:t>
+            </a:r>
+            <a:r>
+              <a:rPr lang="en-US" dirty="0"/>
+              <a:t> is complicated enough and important enough to demand at least some level of safeguards. Michael J helps her  research testing approaches to SQL code. They find three approaches:</a:t>
+            </a:r>
+          </a:p>
+          <a:p>
+            <a:endParaRPr lang="en-US" dirty="0"/>
+          </a:p>
+          <a:p>
+            <a:pPr rtl="0" fontAlgn="ctr">
+              <a:buFont typeface="+mj-lt"/>
+              <a:buAutoNum type="arabicPeriod"/>
+            </a:pPr>
+            <a:r>
+              <a:rPr lang="en-US" sz="1100" dirty="0">
+                <a:latin typeface="Calibri" panose="020F0502020204030204" pitchFamily="34" charset="0"/>
+              </a:rPr>
+              <a:t>Call you </a:t>
+            </a:r>
+            <a:r>
+              <a:rPr lang="en-US" sz="1100" dirty="0" err="1">
+                <a:latin typeface="Calibri" panose="020F0502020204030204" pitchFamily="34" charset="0"/>
+              </a:rPr>
+              <a:t>sql</a:t>
+            </a:r>
+            <a:r>
+              <a:rPr lang="en-US" sz="1100" dirty="0">
+                <a:latin typeface="Calibri" panose="020F0502020204030204" pitchFamily="34" charset="0"/>
+              </a:rPr>
+              <a:t> code from </a:t>
+            </a:r>
+            <a:r>
+              <a:rPr lang="en-US" sz="1100" dirty="0" err="1">
+                <a:latin typeface="Calibri" panose="020F0502020204030204" pitchFamily="34" charset="0"/>
+              </a:rPr>
+              <a:t>.net</a:t>
+            </a:r>
+            <a:r>
+              <a:rPr lang="en-US" sz="1100" dirty="0">
+                <a:latin typeface="Calibri" panose="020F0502020204030204" pitchFamily="34" charset="0"/>
+              </a:rPr>
+              <a:t> unit test projects (e.g. </a:t>
+            </a:r>
+            <a:r>
+              <a:rPr lang="en-US" sz="1100" dirty="0" err="1">
+                <a:latin typeface="Calibri" panose="020F0502020204030204" pitchFamily="34" charset="0"/>
+              </a:rPr>
+              <a:t>xUnit</a:t>
+            </a:r>
+            <a:r>
+              <a:rPr lang="en-US" sz="1100" dirty="0">
+                <a:latin typeface="Calibri" panose="020F0502020204030204" pitchFamily="34" charset="0"/>
+              </a:rPr>
+              <a:t>)</a:t>
+            </a:r>
+          </a:p>
+          <a:p>
+            <a:pPr marL="765610" lvl="1" indent="-294465" fontAlgn="ctr">
+              <a:buFont typeface="+mj-lt"/>
+              <a:buAutoNum type="alphaLcPeriod"/>
+            </a:pPr>
+            <a:r>
+              <a:rPr lang="en-US" sz="1100" dirty="0">
+                <a:latin typeface="Calibri" panose="020F0502020204030204" pitchFamily="34" charset="0"/>
+              </a:rPr>
+              <a:t>Requires manually writing the </a:t>
+            </a:r>
+            <a:r>
+              <a:rPr lang="en-US" sz="1100" dirty="0" err="1">
+                <a:latin typeface="Calibri" panose="020F0502020204030204" pitchFamily="34" charset="0"/>
+              </a:rPr>
+              <a:t>c#</a:t>
+            </a:r>
+            <a:r>
+              <a:rPr lang="en-US" sz="1100" dirty="0">
+                <a:latin typeface="Calibri" panose="020F0502020204030204" pitchFamily="34" charset="0"/>
+              </a:rPr>
+              <a:t> code for each of the SQL functionality you want to test.</a:t>
+            </a:r>
+          </a:p>
+          <a:p>
+            <a:pPr rtl="0" fontAlgn="ctr">
+              <a:buFont typeface="+mj-lt"/>
+              <a:buAutoNum type="arabicPeriod"/>
+            </a:pPr>
+            <a:r>
+              <a:rPr lang="en-US" sz="1100" dirty="0">
+                <a:latin typeface="Calibri" panose="020F0502020204030204" pitchFamily="34" charset="0"/>
+              </a:rPr>
+              <a:t>Use T-SQL specific unit test frameworks or tools, such as </a:t>
+            </a:r>
+            <a:r>
+              <a:rPr lang="en-US" sz="1100" dirty="0" err="1">
+                <a:latin typeface="Calibri" panose="020F0502020204030204" pitchFamily="34" charset="0"/>
+              </a:rPr>
+              <a:t>tUnit</a:t>
+            </a:r>
+            <a:endParaRPr lang="en-US" sz="1100" dirty="0">
+              <a:latin typeface="Calibri" panose="020F0502020204030204" pitchFamily="34" charset="0"/>
+            </a:endParaRPr>
+          </a:p>
+          <a:p>
+            <a:pPr rtl="0" fontAlgn="ctr">
+              <a:buFont typeface="+mj-lt"/>
+              <a:buAutoNum type="arabicPeriod"/>
+            </a:pPr>
+            <a:r>
+              <a:rPr lang="en-US" sz="1100" dirty="0">
+                <a:latin typeface="Calibri" panose="020F0502020204030204" pitchFamily="34" charset="0"/>
+              </a:rPr>
+              <a:t>Use a generic </a:t>
+            </a:r>
+            <a:r>
+              <a:rPr lang="en-US" sz="1100" dirty="0" err="1">
+                <a:latin typeface="Calibri" panose="020F0502020204030204" pitchFamily="34" charset="0"/>
+              </a:rPr>
+              <a:t>xUnit</a:t>
+            </a:r>
+            <a:r>
+              <a:rPr lang="en-US" sz="1100" dirty="0">
+                <a:latin typeface="Calibri" panose="020F0502020204030204" pitchFamily="34" charset="0"/>
+              </a:rPr>
+              <a:t> project that can be reused without much modification between projects and that does not require writing .NET for each of the SQL features to test</a:t>
+            </a:r>
+          </a:p>
+          <a:p>
+            <a:pPr marL="765610" lvl="1" indent="-294465" fontAlgn="ctr">
+              <a:buFont typeface="+mj-lt"/>
+              <a:buAutoNum type="alphaLcPeriod"/>
+            </a:pPr>
+            <a:r>
+              <a:rPr lang="en-US" sz="1100" dirty="0">
+                <a:latin typeface="Calibri" panose="020F0502020204030204" pitchFamily="34" charset="0"/>
+              </a:rPr>
+              <a:t>This is my preferred way (see sample GitHub repo)</a:t>
+            </a:r>
+          </a:p>
+          <a:p>
+            <a:pPr marL="765610" lvl="1" indent="-294465" fontAlgn="ctr">
+              <a:buFont typeface="+mj-lt"/>
+              <a:buAutoNum type="alphaLcPeriod"/>
+            </a:pPr>
+            <a:r>
+              <a:rPr lang="en-US" sz="1100" dirty="0">
+                <a:latin typeface="Calibri" panose="020F0502020204030204" pitchFamily="34" charset="0"/>
+              </a:rPr>
+              <a:t>Use a specific SQL schema for SQL objects that support the automated tests. This makes it easier for the automated tool to discover the tests and for maintainers to understand what the purpose of those objects are.</a:t>
+            </a:r>
+          </a:p>
+          <a:p>
+            <a:r>
+              <a:rPr lang="en-US" sz="1100" dirty="0">
+                <a:latin typeface="Calibri" panose="020F0502020204030204" pitchFamily="34" charset="0"/>
+              </a:rPr>
+              <a:t> </a:t>
+            </a:r>
+          </a:p>
+          <a:p>
+            <a:r>
+              <a:rPr lang="en-US" sz="1100" dirty="0">
+                <a:latin typeface="Calibri" panose="020F0502020204030204" pitchFamily="34" charset="0"/>
+              </a:rPr>
+              <a:t>Test Stored procs can use transactions to rollback any data they manipulated during the test. This is somewhat similar to how </a:t>
+            </a:r>
+            <a:r>
+              <a:rPr lang="en-US" sz="1100" dirty="0" err="1">
+                <a:latin typeface="Calibri" panose="020F0502020204030204" pitchFamily="34" charset="0"/>
+              </a:rPr>
+              <a:t>SalesForce</a:t>
+            </a:r>
+            <a:r>
+              <a:rPr lang="en-US" sz="1100" dirty="0">
+                <a:latin typeface="Calibri" panose="020F0502020204030204" pitchFamily="34" charset="0"/>
+              </a:rPr>
+              <a:t> does its Apex unit tests (if you are familiar with </a:t>
+            </a:r>
+            <a:r>
+              <a:rPr lang="en-US" sz="1100" dirty="0" err="1">
+                <a:latin typeface="Calibri" panose="020F0502020204030204" pitchFamily="34" charset="0"/>
+              </a:rPr>
+              <a:t>SalesForce</a:t>
+            </a:r>
+            <a:r>
+              <a:rPr lang="en-US" sz="1100" dirty="0">
+                <a:latin typeface="Calibri" panose="020F0502020204030204" pitchFamily="34" charset="0"/>
+              </a:rPr>
+              <a:t>).</a:t>
+            </a:r>
+          </a:p>
+          <a:p>
+            <a:endParaRPr lang="en-US" dirty="0"/>
           </a:p>
         </p:txBody>
       </p:sp>
@@ -8511,7 +8650,7 @@
     </p:spTree>
     <p:extLst>
       <p:ext uri="{BB962C8B-B14F-4D97-AF65-F5344CB8AC3E}">
-        <p14:creationId xmlns:p14="http://schemas.microsoft.com/office/powerpoint/2010/main" val="4116011877"/>
+        <p14:creationId xmlns:p14="http://schemas.microsoft.com/office/powerpoint/2010/main" val="2810122218"/>
       </p:ext>
     </p:extLst>
   </p:cSld>
@@ -8595,7 +8734,7 @@
     </p:spTree>
     <p:extLst>
       <p:ext uri="{BB962C8B-B14F-4D97-AF65-F5344CB8AC3E}">
-        <p14:creationId xmlns:p14="http://schemas.microsoft.com/office/powerpoint/2010/main" val="146146551"/>
+        <p14:creationId xmlns:p14="http://schemas.microsoft.com/office/powerpoint/2010/main" val="4116011877"/>
       </p:ext>
     </p:extLst>
   </p:cSld>
@@ -8679,7 +8818,7 @@
     </p:spTree>
     <p:extLst>
       <p:ext uri="{BB962C8B-B14F-4D97-AF65-F5344CB8AC3E}">
-        <p14:creationId xmlns:p14="http://schemas.microsoft.com/office/powerpoint/2010/main" val="301385976"/>
+        <p14:creationId xmlns:p14="http://schemas.microsoft.com/office/powerpoint/2010/main" val="146146551"/>
       </p:ext>
     </p:extLst>
   </p:cSld>
@@ -8763,7 +8902,7 @@
     </p:spTree>
     <p:extLst>
       <p:ext uri="{BB962C8B-B14F-4D97-AF65-F5344CB8AC3E}">
-        <p14:creationId xmlns:p14="http://schemas.microsoft.com/office/powerpoint/2010/main" val="640281325"/>
+        <p14:creationId xmlns:p14="http://schemas.microsoft.com/office/powerpoint/2010/main" val="301385976"/>
       </p:ext>
     </p:extLst>
   </p:cSld>
@@ -8778,7 +8917,13 @@
   <p:cSld>
     <p:spTree>
       <p:nvGrpSpPr>
-        <p:cNvPr id="1" name=""/>
+        <p:cNvPr id="1" name="">
+          <a:extLst>
+            <a:ext uri="{FF2B5EF4-FFF2-40B4-BE49-F238E27FC236}">
+              <a16:creationId xmlns:a16="http://schemas.microsoft.com/office/drawing/2014/main" id="{25ED5E95-934C-2158-26CE-117CD38FCB18}"/>
+            </a:ext>
+          </a:extLst>
+        </p:cNvPr>
         <p:cNvGrpSpPr/>
         <p:nvPr/>
       </p:nvGrpSpPr>
@@ -8792,7 +8937,13 @@
       </p:grpSpPr>
       <p:sp>
         <p:nvSpPr>
-          <p:cNvPr id="2" name="Slide Image Placeholder 1"/>
+          <p:cNvPr id="2" name="Slide Image Placeholder 1">
+            <a:extLst>
+              <a:ext uri="{FF2B5EF4-FFF2-40B4-BE49-F238E27FC236}">
+                <a16:creationId xmlns:a16="http://schemas.microsoft.com/office/drawing/2014/main" id="{714537F7-B142-026C-48C2-AAA4ECEC1A71}"/>
+              </a:ext>
+            </a:extLst>
+          </p:cNvPr>
           <p:cNvSpPr>
             <a:spLocks noGrp="1" noRot="1" noChangeAspect="1"/>
           </p:cNvSpPr>
@@ -8804,7 +8955,13 @@
       </p:sp>
       <p:sp>
         <p:nvSpPr>
-          <p:cNvPr id="3" name="Notes Placeholder 2"/>
+          <p:cNvPr id="3" name="Notes Placeholder 2">
+            <a:extLst>
+              <a:ext uri="{FF2B5EF4-FFF2-40B4-BE49-F238E27FC236}">
+                <a16:creationId xmlns:a16="http://schemas.microsoft.com/office/drawing/2014/main" id="{587AA7B9-134A-2E8E-96AB-EF63A18E87C1}"/>
+              </a:ext>
+            </a:extLst>
+          </p:cNvPr>
           <p:cNvSpPr>
             <a:spLocks noGrp="1"/>
           </p:cNvSpPr>
@@ -8823,7 +8980,13 @@
       </p:sp>
       <p:sp>
         <p:nvSpPr>
-          <p:cNvPr id="4" name="Slide Number Placeholder 3"/>
+          <p:cNvPr id="4" name="Slide Number Placeholder 3">
+            <a:extLst>
+              <a:ext uri="{FF2B5EF4-FFF2-40B4-BE49-F238E27FC236}">
+                <a16:creationId xmlns:a16="http://schemas.microsoft.com/office/drawing/2014/main" id="{B64102AF-97C2-4BFB-1343-928AD441C763}"/>
+              </a:ext>
+            </a:extLst>
+          </p:cNvPr>
           <p:cNvSpPr>
             <a:spLocks noGrp="1"/>
           </p:cNvSpPr>
@@ -8847,7 +9010,7 @@
     </p:spTree>
     <p:extLst>
       <p:ext uri="{BB962C8B-B14F-4D97-AF65-F5344CB8AC3E}">
-        <p14:creationId xmlns:p14="http://schemas.microsoft.com/office/powerpoint/2010/main" val="2242484124"/>
+        <p14:creationId xmlns:p14="http://schemas.microsoft.com/office/powerpoint/2010/main" val="1223424394"/>
       </p:ext>
     </p:extLst>
   </p:cSld>
@@ -9036,6 +9199,174 @@
     </p:spTree>
     <p:extLst>
       <p:ext uri="{BB962C8B-B14F-4D97-AF65-F5344CB8AC3E}">
+        <p14:creationId xmlns:p14="http://schemas.microsoft.com/office/powerpoint/2010/main" val="640281325"/>
+      </p:ext>
+    </p:extLst>
+  </p:cSld>
+  <p:clrMapOvr>
+    <a:masterClrMapping/>
+  </p:clrMapOvr>
+</p:notes>
+</file>
+
+<file path=ppt/notesSlides/notesSlide21.xml><?xml version="1.0" encoding="utf-8"?>
+<p:notes xmlns:a="http://schemas.openxmlformats.org/drawingml/2006/main" xmlns:r="http://schemas.openxmlformats.org/officeDocument/2006/relationships" xmlns:p="http://schemas.openxmlformats.org/presentationml/2006/main">
+  <p:cSld>
+    <p:spTree>
+      <p:nvGrpSpPr>
+        <p:cNvPr id="1" name=""/>
+        <p:cNvGrpSpPr/>
+        <p:nvPr/>
+      </p:nvGrpSpPr>
+      <p:grpSpPr>
+        <a:xfrm>
+          <a:off x="0" y="0"/>
+          <a:ext cx="0" cy="0"/>
+          <a:chOff x="0" y="0"/>
+          <a:chExt cx="0" cy="0"/>
+        </a:xfrm>
+      </p:grpSpPr>
+      <p:sp>
+        <p:nvSpPr>
+          <p:cNvPr id="2" name="Slide Image Placeholder 1"/>
+          <p:cNvSpPr>
+            <a:spLocks noGrp="1" noRot="1" noChangeAspect="1"/>
+          </p:cNvSpPr>
+          <p:nvPr>
+            <p:ph type="sldImg"/>
+          </p:nvPr>
+        </p:nvSpPr>
+        <p:spPr/>
+      </p:sp>
+      <p:sp>
+        <p:nvSpPr>
+          <p:cNvPr id="3" name="Notes Placeholder 2"/>
+          <p:cNvSpPr>
+            <a:spLocks noGrp="1"/>
+          </p:cNvSpPr>
+          <p:nvPr>
+            <p:ph type="body" idx="1"/>
+          </p:nvPr>
+        </p:nvSpPr>
+        <p:spPr/>
+        <p:txBody>
+          <a:bodyPr/>
+          <a:lstStyle/>
+          <a:p>
+            <a:endParaRPr lang="en-US"/>
+          </a:p>
+        </p:txBody>
+      </p:sp>
+      <p:sp>
+        <p:nvSpPr>
+          <p:cNvPr id="4" name="Slide Number Placeholder 3"/>
+          <p:cNvSpPr>
+            <a:spLocks noGrp="1"/>
+          </p:cNvSpPr>
+          <p:nvPr>
+            <p:ph type="sldNum" sz="quarter" idx="5"/>
+          </p:nvPr>
+        </p:nvSpPr>
+        <p:spPr/>
+        <p:txBody>
+          <a:bodyPr/>
+          <a:lstStyle/>
+          <a:p>
+            <a:fld id="{CDDD3684-6E52-4019-8D61-A9B0BAC0DBD6}" type="slidenum">
+              <a:rPr lang="en-US" smtClean="0"/>
+              <a:t>21</a:t>
+            </a:fld>
+            <a:endParaRPr lang="en-US"/>
+          </a:p>
+        </p:txBody>
+      </p:sp>
+    </p:spTree>
+    <p:extLst>
+      <p:ext uri="{BB962C8B-B14F-4D97-AF65-F5344CB8AC3E}">
+        <p14:creationId xmlns:p14="http://schemas.microsoft.com/office/powerpoint/2010/main" val="2242484124"/>
+      </p:ext>
+    </p:extLst>
+  </p:cSld>
+  <p:clrMapOvr>
+    <a:masterClrMapping/>
+  </p:clrMapOvr>
+</p:notes>
+</file>
+
+<file path=ppt/notesSlides/notesSlide22.xml><?xml version="1.0" encoding="utf-8"?>
+<p:notes xmlns:a="http://schemas.openxmlformats.org/drawingml/2006/main" xmlns:r="http://schemas.openxmlformats.org/officeDocument/2006/relationships" xmlns:p="http://schemas.openxmlformats.org/presentationml/2006/main">
+  <p:cSld>
+    <p:spTree>
+      <p:nvGrpSpPr>
+        <p:cNvPr id="1" name=""/>
+        <p:cNvGrpSpPr/>
+        <p:nvPr/>
+      </p:nvGrpSpPr>
+      <p:grpSpPr>
+        <a:xfrm>
+          <a:off x="0" y="0"/>
+          <a:ext cx="0" cy="0"/>
+          <a:chOff x="0" y="0"/>
+          <a:chExt cx="0" cy="0"/>
+        </a:xfrm>
+      </p:grpSpPr>
+      <p:sp>
+        <p:nvSpPr>
+          <p:cNvPr id="2" name="Slide Image Placeholder 1"/>
+          <p:cNvSpPr>
+            <a:spLocks noGrp="1" noRot="1" noChangeAspect="1"/>
+          </p:cNvSpPr>
+          <p:nvPr>
+            <p:ph type="sldImg"/>
+          </p:nvPr>
+        </p:nvSpPr>
+        <p:spPr/>
+      </p:sp>
+      <p:sp>
+        <p:nvSpPr>
+          <p:cNvPr id="3" name="Notes Placeholder 2"/>
+          <p:cNvSpPr>
+            <a:spLocks noGrp="1"/>
+          </p:cNvSpPr>
+          <p:nvPr>
+            <p:ph type="body" idx="1"/>
+          </p:nvPr>
+        </p:nvSpPr>
+        <p:spPr/>
+        <p:txBody>
+          <a:bodyPr/>
+          <a:lstStyle/>
+          <a:p>
+            <a:endParaRPr lang="en-US"/>
+          </a:p>
+        </p:txBody>
+      </p:sp>
+      <p:sp>
+        <p:nvSpPr>
+          <p:cNvPr id="4" name="Slide Number Placeholder 3"/>
+          <p:cNvSpPr>
+            <a:spLocks noGrp="1"/>
+          </p:cNvSpPr>
+          <p:nvPr>
+            <p:ph type="sldNum" sz="quarter" idx="5"/>
+          </p:nvPr>
+        </p:nvSpPr>
+        <p:spPr/>
+        <p:txBody>
+          <a:bodyPr/>
+          <a:lstStyle/>
+          <a:p>
+            <a:fld id="{CDDD3684-6E52-4019-8D61-A9B0BAC0DBD6}" type="slidenum">
+              <a:rPr lang="en-US" smtClean="0"/>
+              <a:t>22</a:t>
+            </a:fld>
+            <a:endParaRPr lang="en-US"/>
+          </a:p>
+        </p:txBody>
+      </p:sp>
+    </p:spTree>
+    <p:extLst>
+      <p:ext uri="{BB962C8B-B14F-4D97-AF65-F5344CB8AC3E}">
         <p14:creationId xmlns:p14="http://schemas.microsoft.com/office/powerpoint/2010/main" val="3638521551"/>
       </p:ext>
     </p:extLst>
@@ -10057,7 +10388,13 @@
   <p:cSld>
     <p:spTree>
       <p:nvGrpSpPr>
-        <p:cNvPr id="1" name=""/>
+        <p:cNvPr id="1" name="">
+          <a:extLst>
+            <a:ext uri="{FF2B5EF4-FFF2-40B4-BE49-F238E27FC236}">
+              <a16:creationId xmlns:a16="http://schemas.microsoft.com/office/drawing/2014/main" id="{A1D2AB9B-856E-B97C-A295-2F4510F67721}"/>
+            </a:ext>
+          </a:extLst>
+        </p:cNvPr>
         <p:cNvGrpSpPr/>
         <p:nvPr/>
       </p:nvGrpSpPr>
@@ -10071,7 +10408,13 @@
       </p:grpSpPr>
       <p:sp>
         <p:nvSpPr>
-          <p:cNvPr id="2" name="Slide Image Placeholder 1"/>
+          <p:cNvPr id="2" name="Slide Image Placeholder 1">
+            <a:extLst>
+              <a:ext uri="{FF2B5EF4-FFF2-40B4-BE49-F238E27FC236}">
+                <a16:creationId xmlns:a16="http://schemas.microsoft.com/office/drawing/2014/main" id="{FD1E6741-E423-94C6-4CD5-7CA5EA0622FD}"/>
+              </a:ext>
+            </a:extLst>
+          </p:cNvPr>
           <p:cNvSpPr>
             <a:spLocks noGrp="1" noRot="1" noChangeAspect="1"/>
           </p:cNvSpPr>
@@ -10083,7 +10426,13 @@
       </p:sp>
       <p:sp>
         <p:nvSpPr>
-          <p:cNvPr id="3" name="Notes Placeholder 2"/>
+          <p:cNvPr id="3" name="Notes Placeholder 2">
+            <a:extLst>
+              <a:ext uri="{FF2B5EF4-FFF2-40B4-BE49-F238E27FC236}">
+                <a16:creationId xmlns:a16="http://schemas.microsoft.com/office/drawing/2014/main" id="{F57E626B-7F64-56CF-F76D-F54DC19C35C9}"/>
+              </a:ext>
+            </a:extLst>
+          </p:cNvPr>
           <p:cNvSpPr>
             <a:spLocks noGrp="1"/>
           </p:cNvSpPr>
@@ -10098,31 +10447,58 @@
           <a:p>
             <a:r>
               <a:rPr lang="en-US" dirty="0"/>
-              <a:t>I want to make a parenthesis here to talk abut suggestions when modeling the database. These </a:t>
+              <a:t>Alexandria finds Visual Studio SQL Projects!</a:t>
+            </a:r>
+          </a:p>
+          <a:p>
+            <a:endParaRPr lang="en-US" dirty="0"/>
+          </a:p>
+          <a:p>
+            <a:r>
+              <a:rPr lang="en-US" dirty="0"/>
+              <a:t>To create a new SQL project, she </a:t>
             </a:r>
             <a:r>
               <a:rPr lang="en-US" dirty="0" err="1"/>
-              <a:t>susggestions</a:t>
+              <a:t>gwork,and</a:t>
             </a:r>
             <a:r>
               <a:rPr lang="en-US" dirty="0"/>
-              <a:t> are not necessarily  </a:t>
+              <a:t> searches for the SQL template. If you do not see the template, it is possible that the component is not installed in VS. You can look for “SQL Server Data Tools” in the VS installer.</a:t>
+            </a:r>
+          </a:p>
+          <a:p>
+            <a:endParaRPr lang="en-US" dirty="0"/>
+          </a:p>
+          <a:p>
+            <a:r>
+              <a:rPr lang="en-US" dirty="0"/>
+              <a:t>When she clicks create, she fills in some typical fields that VS asks for such as the location of the folder where to put the project files.</a:t>
+            </a:r>
+          </a:p>
+          <a:p>
+            <a:endParaRPr lang="en-US" dirty="0"/>
+          </a:p>
+          <a:p>
+            <a:r>
+              <a:rPr lang="en-US" dirty="0"/>
+              <a:t>Once created, Alexandria stares at a blank project and wonder if there is a way to re-use the work she already did in her local </a:t>
             </a:r>
             <a:r>
               <a:rPr lang="en-US" dirty="0" err="1"/>
-              <a:t>requirenet</a:t>
+              <a:t>sql</a:t>
             </a:r>
             <a:r>
               <a:rPr lang="en-US" dirty="0"/>
-              <a:t> for SQL Projects, but SQL projects helps you get into the mindset of treating your database the same way you treat your </a:t>
+              <a:t> instance. Sure enough, she find that she can right click on the project and then do “import database”. This step is something that Visual Studio will let you do once and only for projects that are blank. The wizard that pops up will ask you for the location of the database that you want to the import your structure from. I do not select the referenced logins nor the security objects and I leave the rest as defaults. You can connect to any SQL Server </a:t>
             </a:r>
             <a:r>
               <a:rPr lang="en-US" dirty="0" err="1"/>
-              <a:t>.net</a:t>
+              <a:t>db</a:t>
             </a:r>
             <a:r>
               <a:rPr lang="en-US" dirty="0"/>
-              <a:t> app. Your database is a service, not just a collection of storage spaces for your app. </a:t>
+              <a:t> you have access to.</a:t>
             </a:r>
           </a:p>
           <a:p>
@@ -10131,23 +10507,39 @@
           <a:p>
             <a:r>
               <a:rPr lang="en-US" dirty="0"/>
-              <a:t>I highly recommend to model your SQL Object to match the Business concepts of the business domain </a:t>
+              <a:t>The Visual Studio project allows her to create folder so that she can organize the SQL code. The folders are just for organization, the do not translate to any special structure in SQL. However, you can add schemas to your </a:t>
             </a:r>
             <a:r>
               <a:rPr lang="en-US" dirty="0" err="1"/>
-              <a:t>youa</a:t>
+              <a:t>sql</a:t>
             </a:r>
             <a:r>
               <a:rPr lang="en-US" dirty="0"/>
-              <a:t> re trying to solve for. This will increase the chances that your vision aligns with the vision of the business. Many times the BU will not explicitly spell out what they need, so it is </a:t>
+              <a:t> project and then assign </a:t>
             </a:r>
             <a:r>
               <a:rPr lang="en-US" dirty="0" err="1"/>
-              <a:t>imoortant</a:t>
+              <a:t>sql</a:t>
             </a:r>
             <a:r>
               <a:rPr lang="en-US" dirty="0"/>
-              <a:t> to have a conversation with them to dig deeper and understand any un-spoken requirements.</a:t>
+              <a:t> objects to those schemas. E.G. in this logical folder I have my “</a:t>
+            </a:r>
+            <a:r>
+              <a:rPr lang="en-US" dirty="0" err="1"/>
+              <a:t>api</a:t>
+            </a:r>
+            <a:r>
+              <a:rPr lang="en-US" dirty="0"/>
+              <a:t>” schema and I assign the SP in there to that schema by virtue of putting “</a:t>
+            </a:r>
+            <a:r>
+              <a:rPr lang="en-US" dirty="0" err="1"/>
+              <a:t>api</a:t>
+            </a:r>
+            <a:r>
+              <a:rPr lang="en-US" dirty="0"/>
+              <a:t>.” in the name of the procedure.</a:t>
             </a:r>
           </a:p>
           <a:p>
@@ -10156,7 +10548,23 @@
           <a:p>
             <a:r>
               <a:rPr lang="en-US" dirty="0"/>
-              <a:t>Events and State: Besides having tables that capture the current state of business entities, I highly suggest also to consider modeling business events in your SQL objects. The events are not technical events (such as mouse click) but rather business events. Business Events are things that happen during a business process, e.g. a payment request or a change in a pizza’s chef’s rating. Because they happen in the past, they are immutable, so those tables become add only (with some archiving/purging when needed). That kind of immutable data is important to the business but they seldom ask specifically for it and you only find out later when they ask question such as, “how many times did Pizza Chef John’s ratings change in the last quarter?”. I am not saying use event tables only, you should defiantly also use state tables that represent the current state to make queries and other logic easier. </a:t>
+              <a:t>Because it is a file based project, now she can push the definition to source control, just like any other VS project. If using git, I strongly suggest using the Visual Studio </a:t>
+            </a:r>
+            <a:r>
+              <a:rPr lang="en-US" dirty="0" err="1"/>
+              <a:t>gitignore</a:t>
+            </a:r>
+            <a:r>
+              <a:rPr lang="en-US" dirty="0"/>
+              <a:t> template </a:t>
+            </a:r>
+            <a:r>
+              <a:rPr lang="en-US" dirty="0" err="1"/>
+              <a:t>fro</a:t>
+            </a:r>
+            <a:r>
+              <a:rPr lang="en-US" dirty="0"/>
+              <a:t> GitHub so that no VS artifact gets into source control (example in repo).</a:t>
             </a:r>
           </a:p>
           <a:p>
@@ -10165,81 +10573,109 @@
           <a:p>
             <a:r>
               <a:rPr lang="en-US" dirty="0"/>
-              <a:t>The last thing on modeling I want to touch on, is the use of the Outbox pattern. </a:t>
-            </a:r>
-            <a:r>
-              <a:rPr lang="en-US" sz="1900" dirty="0">
-                <a:latin typeface="Calibri" panose="020F0502020204030204" pitchFamily="34" charset="0"/>
-              </a:rPr>
-              <a:t>The outbox pattern is similar to a queue where you have table with "pending" items and another  process picks up items from the table. Some of you that had tried to model a queue in a </a:t>
-            </a:r>
-            <a:r>
-              <a:rPr lang="en-US" sz="1900" dirty="0" err="1">
-                <a:latin typeface="Calibri" panose="020F0502020204030204" pitchFamily="34" charset="0"/>
-              </a:rPr>
+              <a:t>Like other VS </a:t>
+            </a:r>
+            <a:r>
+              <a:rPr lang="en-US"/>
+              <a:t>projects Alexandria </a:t>
+            </a:r>
+            <a:r>
+              <a:rPr lang="en-US" dirty="0"/>
+              <a:t>can do right click new item and she sees a plethora of items that she can add to her project. IMHO this is a great way for those not familiar with the power of </a:t>
+            </a:r>
+            <a:r>
+              <a:rPr lang="en-US" dirty="0" err="1"/>
               <a:t>sql</a:t>
             </a:r>
             <a:r>
-              <a:rPr lang="en-US" sz="1900" dirty="0">
-                <a:latin typeface="Calibri" panose="020F0502020204030204" pitchFamily="34" charset="0"/>
-              </a:rPr>
-              <a:t> table might be saying in your minds " this guy has no idea how many issues that brings". The difference with an outbox pattern that helps alleviate the issues that come with a </a:t>
-            </a:r>
-            <a:r>
-              <a:rPr lang="en-US" sz="1900" dirty="0" err="1">
-                <a:latin typeface="Calibri" panose="020F0502020204030204" pitchFamily="34" charset="0"/>
-              </a:rPr>
+              <a:rPr lang="en-US" dirty="0"/>
+              <a:t> server to get familiar with some of the tings that SQL server supports. </a:t>
+            </a:r>
+          </a:p>
+          <a:p>
+            <a:endParaRPr lang="en-US" dirty="0"/>
+          </a:p>
+          <a:p>
+            <a:r>
+              <a:rPr lang="en-US" dirty="0"/>
+              <a:t>One example I want to concentrate on is “roles”. I like to create the roles in my </a:t>
+            </a:r>
+            <a:r>
+              <a:rPr lang="en-US" dirty="0" err="1"/>
+              <a:t>sql</a:t>
+            </a:r>
+            <a:r>
+              <a:rPr lang="en-US" dirty="0"/>
+              <a:t> project and specify the permissions of that role in the project so that they are in source control. That way the repository is the source of truth of the available permissions. I strongly suggest avoiding giving DBO access to the entities that run your application. Take the time to define roles and be specific on what those roles can select, execute, delete, etc. See example in repo.</a:t>
+            </a:r>
+          </a:p>
+          <a:p>
+            <a:endParaRPr lang="en-US" dirty="0"/>
+          </a:p>
+          <a:p>
+            <a:r>
+              <a:rPr lang="en-US" dirty="0"/>
+              <a:t>Another example of a feature that many </a:t>
+            </a:r>
+            <a:r>
+              <a:rPr lang="en-US" dirty="0" err="1"/>
+              <a:t>devs</a:t>
+            </a:r>
+            <a:r>
+              <a:rPr lang="en-US" dirty="0"/>
+              <a:t> might not be familiar with is SQL Types. SQL types are basically aliases for SQL type definitions. They help </a:t>
+            </a:r>
+            <a:r>
+              <a:rPr lang="en-US" dirty="0" err="1"/>
+              <a:t>sql</a:t>
+            </a:r>
+            <a:r>
+              <a:rPr lang="en-US" dirty="0"/>
+              <a:t> code to be more readable and maintainable. For example, instead of using varchar(100) everywhere you need a LastName column in a table or a last name parameter in a stored procedure, you can just define a LastName type that derives from varchar(100) and use that type across all your SQL objects. See the examples here.</a:t>
+            </a:r>
+          </a:p>
+          <a:p>
+            <a:endParaRPr lang="en-US" dirty="0"/>
+          </a:p>
+          <a:p>
+            <a:r>
+              <a:rPr lang="en-US" dirty="0"/>
+              <a:t>You can also define database properties in the </a:t>
+            </a:r>
+            <a:r>
+              <a:rPr lang="en-US" dirty="0" err="1"/>
+              <a:t>sql</a:t>
+            </a:r>
+            <a:r>
+              <a:rPr lang="en-US" dirty="0"/>
+              <a:t> project, things like Read Committed and File Stream. That way when you deploy the project, the options are also set in the </a:t>
+            </a:r>
+            <a:r>
+              <a:rPr lang="en-US" dirty="0" err="1"/>
               <a:t>db</a:t>
             </a:r>
             <a:r>
-              <a:rPr lang="en-US" sz="1900" dirty="0">
-                <a:latin typeface="Calibri" panose="020F0502020204030204" pitchFamily="34" charset="0"/>
-              </a:rPr>
-              <a:t> table that acts as a queue is that in the outbox pattern you have one single process (no competing consumers) reading the table. Within that single process/actor, you could read/process multiple rows in parallel to achieve efficiency, but because the actor is only consumer of the </a:t>
-            </a:r>
-            <a:r>
-              <a:rPr lang="en-US" sz="1900" dirty="0" err="1">
-                <a:latin typeface="Calibri" panose="020F0502020204030204" pitchFamily="34" charset="0"/>
-              </a:rPr>
-              <a:t>sql</a:t>
-            </a:r>
-            <a:r>
-              <a:rPr lang="en-US" sz="1900" dirty="0">
-                <a:latin typeface="Calibri" panose="020F0502020204030204" pitchFamily="34" charset="0"/>
-              </a:rPr>
-              <a:t> table, there is little chance for locking issues that you get from modeling a queue in a </a:t>
-            </a:r>
-            <a:r>
-              <a:rPr lang="en-US" sz="1900" dirty="0" err="1">
-                <a:latin typeface="Calibri" panose="020F0502020204030204" pitchFamily="34" charset="0"/>
-              </a:rPr>
-              <a:t>sql</a:t>
-            </a:r>
-            <a:r>
-              <a:rPr lang="en-US" sz="1900" dirty="0">
-                <a:latin typeface="Calibri" panose="020F0502020204030204" pitchFamily="34" charset="0"/>
-              </a:rPr>
-              <a:t> table. In this example, the </a:t>
-            </a:r>
-            <a:r>
-              <a:rPr lang="en-US" sz="1900" dirty="0" err="1">
-                <a:latin typeface="Calibri" panose="020F0502020204030204" pitchFamily="34" charset="0"/>
-              </a:rPr>
-              <a:t>.net</a:t>
-            </a:r>
-            <a:r>
-              <a:rPr lang="en-US" sz="1900" dirty="0">
-                <a:latin typeface="Calibri" panose="020F0502020204030204" pitchFamily="34" charset="0"/>
-              </a:rPr>
-              <a:t> process reads ten rows at the time and processes them in parallel before reading more rows. Any failures are retried by the single process which has knowledge of exactly which ones failed.</a:t>
-            </a:r>
+              <a:rPr lang="en-US" dirty="0"/>
+              <a:t> that is receiving the deployment (we will talk about deployment later).</a:t>
+            </a:r>
+          </a:p>
+          <a:p>
+            <a:endParaRPr lang="en-US" dirty="0"/>
+          </a:p>
+          <a:p>
             <a:endParaRPr lang="en-US" dirty="0"/>
           </a:p>
         </p:txBody>
       </p:sp>
       <p:sp>
         <p:nvSpPr>
-          <p:cNvPr id="4" name="Slide Number Placeholder 3"/>
+          <p:cNvPr id="4" name="Slide Number Placeholder 3">
+            <a:extLst>
+              <a:ext uri="{FF2B5EF4-FFF2-40B4-BE49-F238E27FC236}">
+                <a16:creationId xmlns:a16="http://schemas.microsoft.com/office/drawing/2014/main" id="{7F57194E-7C59-A1A3-CF00-F1F100A99506}"/>
+              </a:ext>
+            </a:extLst>
+          </p:cNvPr>
           <p:cNvSpPr>
             <a:spLocks noGrp="1"/>
           </p:cNvSpPr>
@@ -10263,7 +10699,7 @@
     </p:spTree>
     <p:extLst>
       <p:ext uri="{BB962C8B-B14F-4D97-AF65-F5344CB8AC3E}">
-        <p14:creationId xmlns:p14="http://schemas.microsoft.com/office/powerpoint/2010/main" val="2561479409"/>
+        <p14:creationId xmlns:p14="http://schemas.microsoft.com/office/powerpoint/2010/main" val="489287715"/>
       </p:ext>
     </p:extLst>
   </p:cSld>
@@ -10420,7 +10856,7 @@
           <a:p>
             <a:fld id="{714D8E22-EC7C-4185-AE99-0F7C1FB157B6}" type="datetimeFigureOut">
               <a:rPr lang="en-US" smtClean="0"/>
-              <a:t>4/5/2025</a:t>
+              <a:t>9/16/2025</a:t>
             </a:fld>
             <a:endParaRPr lang="en-US"/>
           </a:p>
@@ -10618,7 +11054,7 @@
           <a:p>
             <a:fld id="{714D8E22-EC7C-4185-AE99-0F7C1FB157B6}" type="datetimeFigureOut">
               <a:rPr lang="en-US" smtClean="0"/>
-              <a:t>4/5/2025</a:t>
+              <a:t>9/16/2025</a:t>
             </a:fld>
             <a:endParaRPr lang="en-US"/>
           </a:p>
@@ -10826,7 +11262,7 @@
           <a:p>
             <a:fld id="{714D8E22-EC7C-4185-AE99-0F7C1FB157B6}" type="datetimeFigureOut">
               <a:rPr lang="en-US" smtClean="0"/>
-              <a:t>4/5/2025</a:t>
+              <a:t>9/16/2025</a:t>
             </a:fld>
             <a:endParaRPr lang="en-US"/>
           </a:p>
@@ -11024,7 +11460,7 @@
           <a:p>
             <a:fld id="{714D8E22-EC7C-4185-AE99-0F7C1FB157B6}" type="datetimeFigureOut">
               <a:rPr lang="en-US" smtClean="0"/>
-              <a:t>4/5/2025</a:t>
+              <a:t>9/16/2025</a:t>
             </a:fld>
             <a:endParaRPr lang="en-US"/>
           </a:p>
@@ -11299,7 +11735,7 @@
           <a:p>
             <a:fld id="{714D8E22-EC7C-4185-AE99-0F7C1FB157B6}" type="datetimeFigureOut">
               <a:rPr lang="en-US" smtClean="0"/>
-              <a:t>4/5/2025</a:t>
+              <a:t>9/16/2025</a:t>
             </a:fld>
             <a:endParaRPr lang="en-US"/>
           </a:p>
@@ -11564,7 +12000,7 @@
           <a:p>
             <a:fld id="{714D8E22-EC7C-4185-AE99-0F7C1FB157B6}" type="datetimeFigureOut">
               <a:rPr lang="en-US" smtClean="0"/>
-              <a:t>4/5/2025</a:t>
+              <a:t>9/16/2025</a:t>
             </a:fld>
             <a:endParaRPr lang="en-US"/>
           </a:p>
@@ -11976,7 +12412,7 @@
           <a:p>
             <a:fld id="{714D8E22-EC7C-4185-AE99-0F7C1FB157B6}" type="datetimeFigureOut">
               <a:rPr lang="en-US" smtClean="0"/>
-              <a:t>4/5/2025</a:t>
+              <a:t>9/16/2025</a:t>
             </a:fld>
             <a:endParaRPr lang="en-US"/>
           </a:p>
@@ -12117,7 +12553,7 @@
           <a:p>
             <a:fld id="{714D8E22-EC7C-4185-AE99-0F7C1FB157B6}" type="datetimeFigureOut">
               <a:rPr lang="en-US" smtClean="0"/>
-              <a:t>4/5/2025</a:t>
+              <a:t>9/16/2025</a:t>
             </a:fld>
             <a:endParaRPr lang="en-US"/>
           </a:p>
@@ -12230,7 +12666,7 @@
           <a:p>
             <a:fld id="{714D8E22-EC7C-4185-AE99-0F7C1FB157B6}" type="datetimeFigureOut">
               <a:rPr lang="en-US" smtClean="0"/>
-              <a:t>4/5/2025</a:t>
+              <a:t>9/16/2025</a:t>
             </a:fld>
             <a:endParaRPr lang="en-US"/>
           </a:p>
@@ -12541,7 +12977,7 @@
           <a:p>
             <a:fld id="{714D8E22-EC7C-4185-AE99-0F7C1FB157B6}" type="datetimeFigureOut">
               <a:rPr lang="en-US" smtClean="0"/>
-              <a:t>4/5/2025</a:t>
+              <a:t>9/16/2025</a:t>
             </a:fld>
             <a:endParaRPr lang="en-US"/>
           </a:p>
@@ -12829,7 +13265,7 @@
           <a:p>
             <a:fld id="{714D8E22-EC7C-4185-AE99-0F7C1FB157B6}" type="datetimeFigureOut">
               <a:rPr lang="en-US" smtClean="0"/>
-              <a:t>4/5/2025</a:t>
+              <a:t>9/16/2025</a:t>
             </a:fld>
             <a:endParaRPr lang="en-US"/>
           </a:p>
@@ -13070,7 +13506,7 @@
           <a:p>
             <a:fld id="{714D8E22-EC7C-4185-AE99-0F7C1FB157B6}" type="datetimeFigureOut">
               <a:rPr lang="en-US" smtClean="0"/>
-              <a:t>4/5/2025</a:t>
+              <a:t>9/16/2025</a:t>
             </a:fld>
             <a:endParaRPr lang="en-US"/>
           </a:p>
@@ -14023,6 +14459,543 @@
       </p:grpSpPr>
       <p:sp useBgFill="1">
         <p:nvSpPr>
+          <p:cNvPr id="9" name="Rectangle 8">
+            <a:extLst>
+              <a:ext uri="{FF2B5EF4-FFF2-40B4-BE49-F238E27FC236}">
+                <a16:creationId xmlns:a16="http://schemas.microsoft.com/office/drawing/2014/main" id="{2E442304-DDBD-4F7B-8017-36BCC863FB40}"/>
+              </a:ext>
+              <a:ext uri="{C183D7F6-B498-43B3-948B-1728B52AA6E4}">
+                <adec:decorative xmlns:adec="http://schemas.microsoft.com/office/drawing/2017/decorative" val="1"/>
+              </a:ext>
+            </a:extLst>
+          </p:cNvPr>
+          <p:cNvSpPr>
+            <a:spLocks noGrp="1" noRot="1" noChangeAspect="1" noMove="1" noResize="1" noEditPoints="1" noAdjustHandles="1" noChangeArrowheads="1" noChangeShapeType="1" noTextEdit="1"/>
+          </p:cNvSpPr>
+          <p:nvPr>
+            <p:extLst>
+              <p:ext uri="{386F3935-93C4-4BCD-93E2-E3B085C9AB24}">
+                <p16:designElem xmlns:p16="http://schemas.microsoft.com/office/powerpoint/2015/main" val="1"/>
+              </p:ext>
+            </p:extLst>
+          </p:nvPr>
+        </p:nvSpPr>
+        <p:spPr>
+          <a:xfrm>
+            <a:off x="0" y="0"/>
+            <a:ext cx="12188952" cy="6858000"/>
+          </a:xfrm>
+          <a:prstGeom prst="rect">
+            <a:avLst/>
+          </a:prstGeom>
+          <a:ln>
+            <a:noFill/>
+          </a:ln>
+        </p:spPr>
+        <p:style>
+          <a:lnRef idx="2">
+            <a:schemeClr val="accent1">
+              <a:shade val="50000"/>
+            </a:schemeClr>
+          </a:lnRef>
+          <a:fillRef idx="1">
+            <a:schemeClr val="accent1"/>
+          </a:fillRef>
+          <a:effectRef idx="0">
+            <a:schemeClr val="accent1"/>
+          </a:effectRef>
+          <a:fontRef idx="minor">
+            <a:schemeClr val="lt1"/>
+          </a:fontRef>
+        </p:style>
+        <p:txBody>
+          <a:bodyPr rtlCol="0" anchor="ctr"/>
+          <a:lstStyle/>
+          <a:p>
+            <a:pPr algn="ctr"/>
+            <a:endParaRPr lang="en-US"/>
+          </a:p>
+        </p:txBody>
+      </p:sp>
+      <p:sp>
+        <p:nvSpPr>
+          <p:cNvPr id="2" name="Title 1">
+            <a:extLst>
+              <a:ext uri="{FF2B5EF4-FFF2-40B4-BE49-F238E27FC236}">
+                <a16:creationId xmlns:a16="http://schemas.microsoft.com/office/drawing/2014/main" id="{999C2739-ED4F-1464-A55B-00E8A74B0480}"/>
+              </a:ext>
+            </a:extLst>
+          </p:cNvPr>
+          <p:cNvSpPr>
+            <a:spLocks noGrp="1"/>
+          </p:cNvSpPr>
+          <p:nvPr>
+            <p:ph type="title"/>
+          </p:nvPr>
+        </p:nvSpPr>
+        <p:spPr>
+          <a:xfrm>
+            <a:off x="635000" y="640823"/>
+            <a:ext cx="3418659" cy="5583148"/>
+          </a:xfrm>
+        </p:spPr>
+        <p:txBody>
+          <a:bodyPr anchor="ctr">
+            <a:normAutofit/>
+          </a:bodyPr>
+          <a:lstStyle/>
+          <a:p>
+            <a:r>
+              <a:rPr lang="en-US" sz="5400"/>
+              <a:t>Modeling the Database</a:t>
+            </a:r>
+          </a:p>
+        </p:txBody>
+      </p:sp>
+      <p:sp>
+        <p:nvSpPr>
+          <p:cNvPr id="11" name="sketch line">
+            <a:extLst>
+              <a:ext uri="{FF2B5EF4-FFF2-40B4-BE49-F238E27FC236}">
+                <a16:creationId xmlns:a16="http://schemas.microsoft.com/office/drawing/2014/main" id="{5E107275-3853-46FD-A241-DE4355A42675}"/>
+              </a:ext>
+              <a:ext uri="{C183D7F6-B498-43B3-948B-1728B52AA6E4}">
+                <adec:decorative xmlns:adec="http://schemas.microsoft.com/office/drawing/2017/decorative" val="1"/>
+              </a:ext>
+            </a:extLst>
+          </p:cNvPr>
+          <p:cNvSpPr>
+            <a:spLocks noGrp="1" noRot="1" noChangeAspect="1" noMove="1" noResize="1" noEditPoints="1" noAdjustHandles="1" noChangeArrowheads="1" noChangeShapeType="1" noTextEdit="1"/>
+          </p:cNvSpPr>
+          <p:nvPr>
+            <p:extLst>
+              <p:ext uri="{386F3935-93C4-4BCD-93E2-E3B085C9AB24}">
+                <p16:designElem xmlns:p16="http://schemas.microsoft.com/office/powerpoint/2015/main" val="1"/>
+              </p:ext>
+            </p:extLst>
+          </p:nvPr>
+        </p:nvSpPr>
+        <p:spPr>
+          <a:xfrm rot="5400000">
+            <a:off x="1627450" y="3462719"/>
+            <a:ext cx="5410200" cy="18288"/>
+          </a:xfrm>
+          <a:custGeom>
+            <a:avLst/>
+            <a:gdLst>
+              <a:gd name="connsiteX0" fmla="*/ 0 w 5410200"/>
+              <a:gd name="connsiteY0" fmla="*/ 0 h 18288"/>
+              <a:gd name="connsiteX1" fmla="*/ 568071 w 5410200"/>
+              <a:gd name="connsiteY1" fmla="*/ 0 h 18288"/>
+              <a:gd name="connsiteX2" fmla="*/ 1298448 w 5410200"/>
+              <a:gd name="connsiteY2" fmla="*/ 0 h 18288"/>
+              <a:gd name="connsiteX3" fmla="*/ 1920621 w 5410200"/>
+              <a:gd name="connsiteY3" fmla="*/ 0 h 18288"/>
+              <a:gd name="connsiteX4" fmla="*/ 2488692 w 5410200"/>
+              <a:gd name="connsiteY4" fmla="*/ 0 h 18288"/>
+              <a:gd name="connsiteX5" fmla="*/ 3219069 w 5410200"/>
+              <a:gd name="connsiteY5" fmla="*/ 0 h 18288"/>
+              <a:gd name="connsiteX6" fmla="*/ 3895344 w 5410200"/>
+              <a:gd name="connsiteY6" fmla="*/ 0 h 18288"/>
+              <a:gd name="connsiteX7" fmla="*/ 4571619 w 5410200"/>
+              <a:gd name="connsiteY7" fmla="*/ 0 h 18288"/>
+              <a:gd name="connsiteX8" fmla="*/ 5410200 w 5410200"/>
+              <a:gd name="connsiteY8" fmla="*/ 0 h 18288"/>
+              <a:gd name="connsiteX9" fmla="*/ 5410200 w 5410200"/>
+              <a:gd name="connsiteY9" fmla="*/ 18288 h 18288"/>
+              <a:gd name="connsiteX10" fmla="*/ 4842129 w 5410200"/>
+              <a:gd name="connsiteY10" fmla="*/ 18288 h 18288"/>
+              <a:gd name="connsiteX11" fmla="*/ 4328160 w 5410200"/>
+              <a:gd name="connsiteY11" fmla="*/ 18288 h 18288"/>
+              <a:gd name="connsiteX12" fmla="*/ 3597783 w 5410200"/>
+              <a:gd name="connsiteY12" fmla="*/ 18288 h 18288"/>
+              <a:gd name="connsiteX13" fmla="*/ 3029712 w 5410200"/>
+              <a:gd name="connsiteY13" fmla="*/ 18288 h 18288"/>
+              <a:gd name="connsiteX14" fmla="*/ 2299335 w 5410200"/>
+              <a:gd name="connsiteY14" fmla="*/ 18288 h 18288"/>
+              <a:gd name="connsiteX15" fmla="*/ 1514856 w 5410200"/>
+              <a:gd name="connsiteY15" fmla="*/ 18288 h 18288"/>
+              <a:gd name="connsiteX16" fmla="*/ 892683 w 5410200"/>
+              <a:gd name="connsiteY16" fmla="*/ 18288 h 18288"/>
+              <a:gd name="connsiteX17" fmla="*/ 0 w 5410200"/>
+              <a:gd name="connsiteY17" fmla="*/ 18288 h 18288"/>
+              <a:gd name="connsiteX18" fmla="*/ 0 w 5410200"/>
+              <a:gd name="connsiteY18" fmla="*/ 0 h 18288"/>
+            </a:gdLst>
+            <a:ahLst/>
+            <a:cxnLst>
+              <a:cxn ang="0">
+                <a:pos x="connsiteX0" y="connsiteY0"/>
+              </a:cxn>
+              <a:cxn ang="0">
+                <a:pos x="connsiteX1" y="connsiteY1"/>
+              </a:cxn>
+              <a:cxn ang="0">
+                <a:pos x="connsiteX2" y="connsiteY2"/>
+              </a:cxn>
+              <a:cxn ang="0">
+                <a:pos x="connsiteX3" y="connsiteY3"/>
+              </a:cxn>
+              <a:cxn ang="0">
+                <a:pos x="connsiteX4" y="connsiteY4"/>
+              </a:cxn>
+              <a:cxn ang="0">
+                <a:pos x="connsiteX5" y="connsiteY5"/>
+              </a:cxn>
+              <a:cxn ang="0">
+                <a:pos x="connsiteX6" y="connsiteY6"/>
+              </a:cxn>
+              <a:cxn ang="0">
+                <a:pos x="connsiteX7" y="connsiteY7"/>
+              </a:cxn>
+              <a:cxn ang="0">
+                <a:pos x="connsiteX8" y="connsiteY8"/>
+              </a:cxn>
+              <a:cxn ang="0">
+                <a:pos x="connsiteX9" y="connsiteY9"/>
+              </a:cxn>
+              <a:cxn ang="0">
+                <a:pos x="connsiteX10" y="connsiteY10"/>
+              </a:cxn>
+              <a:cxn ang="0">
+                <a:pos x="connsiteX11" y="connsiteY11"/>
+              </a:cxn>
+              <a:cxn ang="0">
+                <a:pos x="connsiteX12" y="connsiteY12"/>
+              </a:cxn>
+              <a:cxn ang="0">
+                <a:pos x="connsiteX13" y="connsiteY13"/>
+              </a:cxn>
+              <a:cxn ang="0">
+                <a:pos x="connsiteX14" y="connsiteY14"/>
+              </a:cxn>
+              <a:cxn ang="0">
+                <a:pos x="connsiteX15" y="connsiteY15"/>
+              </a:cxn>
+              <a:cxn ang="0">
+                <a:pos x="connsiteX16" y="connsiteY16"/>
+              </a:cxn>
+              <a:cxn ang="0">
+                <a:pos x="connsiteX17" y="connsiteY17"/>
+              </a:cxn>
+              <a:cxn ang="0">
+                <a:pos x="connsiteX18" y="connsiteY18"/>
+              </a:cxn>
+            </a:cxnLst>
+            <a:rect l="l" t="t" r="r" b="b"/>
+            <a:pathLst>
+              <a:path w="5410200" h="18288" fill="none" extrusionOk="0">
+                <a:moveTo>
+                  <a:pt x="0" y="0"/>
+                </a:moveTo>
+                <a:cubicBezTo>
+                  <a:pt x="163050" y="-18707"/>
+                  <a:pt x="319321" y="-16364"/>
+                  <a:pt x="568071" y="0"/>
+                </a:cubicBezTo>
+                <a:cubicBezTo>
+                  <a:pt x="816821" y="16364"/>
+                  <a:pt x="1013224" y="-7268"/>
+                  <a:pt x="1298448" y="0"/>
+                </a:cubicBezTo>
+                <a:cubicBezTo>
+                  <a:pt x="1583672" y="7268"/>
+                  <a:pt x="1631711" y="-3367"/>
+                  <a:pt x="1920621" y="0"/>
+                </a:cubicBezTo>
+                <a:cubicBezTo>
+                  <a:pt x="2209531" y="3367"/>
+                  <a:pt x="2364420" y="-19184"/>
+                  <a:pt x="2488692" y="0"/>
+                </a:cubicBezTo>
+                <a:cubicBezTo>
+                  <a:pt x="2612964" y="19184"/>
+                  <a:pt x="3023298" y="-34627"/>
+                  <a:pt x="3219069" y="0"/>
+                </a:cubicBezTo>
+                <a:cubicBezTo>
+                  <a:pt x="3414840" y="34627"/>
+                  <a:pt x="3656810" y="24043"/>
+                  <a:pt x="3895344" y="0"/>
+                </a:cubicBezTo>
+                <a:cubicBezTo>
+                  <a:pt x="4133879" y="-24043"/>
+                  <a:pt x="4393984" y="-19577"/>
+                  <a:pt x="4571619" y="0"/>
+                </a:cubicBezTo>
+                <a:cubicBezTo>
+                  <a:pt x="4749255" y="19577"/>
+                  <a:pt x="5179928" y="-6281"/>
+                  <a:pt x="5410200" y="0"/>
+                </a:cubicBezTo>
+                <a:cubicBezTo>
+                  <a:pt x="5410730" y="6954"/>
+                  <a:pt x="5410934" y="12839"/>
+                  <a:pt x="5410200" y="18288"/>
+                </a:cubicBezTo>
+                <a:cubicBezTo>
+                  <a:pt x="5139060" y="6751"/>
+                  <a:pt x="5121593" y="31035"/>
+                  <a:pt x="4842129" y="18288"/>
+                </a:cubicBezTo>
+                <a:cubicBezTo>
+                  <a:pt x="4562665" y="5541"/>
+                  <a:pt x="4448273" y="9487"/>
+                  <a:pt x="4328160" y="18288"/>
+                </a:cubicBezTo>
+                <a:cubicBezTo>
+                  <a:pt x="4208047" y="27089"/>
+                  <a:pt x="3760936" y="22567"/>
+                  <a:pt x="3597783" y="18288"/>
+                </a:cubicBezTo>
+                <a:cubicBezTo>
+                  <a:pt x="3434630" y="14009"/>
+                  <a:pt x="3299718" y="33213"/>
+                  <a:pt x="3029712" y="18288"/>
+                </a:cubicBezTo>
+                <a:cubicBezTo>
+                  <a:pt x="2759706" y="3363"/>
+                  <a:pt x="2640159" y="27394"/>
+                  <a:pt x="2299335" y="18288"/>
+                </a:cubicBezTo>
+                <a:cubicBezTo>
+                  <a:pt x="1958511" y="9182"/>
+                  <a:pt x="1801186" y="28985"/>
+                  <a:pt x="1514856" y="18288"/>
+                </a:cubicBezTo>
+                <a:cubicBezTo>
+                  <a:pt x="1228526" y="7591"/>
+                  <a:pt x="1063509" y="-5305"/>
+                  <a:pt x="892683" y="18288"/>
+                </a:cubicBezTo>
+                <a:cubicBezTo>
+                  <a:pt x="721857" y="41881"/>
+                  <a:pt x="186945" y="-20897"/>
+                  <a:pt x="0" y="18288"/>
+                </a:cubicBezTo>
+                <a:cubicBezTo>
+                  <a:pt x="-570" y="9279"/>
+                  <a:pt x="132" y="5100"/>
+                  <a:pt x="0" y="0"/>
+                </a:cubicBezTo>
+                <a:close/>
+              </a:path>
+              <a:path w="5410200" h="18288" stroke="0" extrusionOk="0">
+                <a:moveTo>
+                  <a:pt x="0" y="0"/>
+                </a:moveTo>
+                <a:cubicBezTo>
+                  <a:pt x="285096" y="-4925"/>
+                  <a:pt x="376456" y="22268"/>
+                  <a:pt x="622173" y="0"/>
+                </a:cubicBezTo>
+                <a:cubicBezTo>
+                  <a:pt x="867890" y="-22268"/>
+                  <a:pt x="1031392" y="7228"/>
+                  <a:pt x="1136142" y="0"/>
+                </a:cubicBezTo>
+                <a:cubicBezTo>
+                  <a:pt x="1240892" y="-7228"/>
+                  <a:pt x="1561853" y="9877"/>
+                  <a:pt x="1920621" y="0"/>
+                </a:cubicBezTo>
+                <a:cubicBezTo>
+                  <a:pt x="2279389" y="-9877"/>
+                  <a:pt x="2367255" y="19546"/>
+                  <a:pt x="2542794" y="0"/>
+                </a:cubicBezTo>
+                <a:cubicBezTo>
+                  <a:pt x="2718333" y="-19546"/>
+                  <a:pt x="2866732" y="-22226"/>
+                  <a:pt x="3164967" y="0"/>
+                </a:cubicBezTo>
+                <a:cubicBezTo>
+                  <a:pt x="3463202" y="22226"/>
+                  <a:pt x="3568055" y="-2765"/>
+                  <a:pt x="3949446" y="0"/>
+                </a:cubicBezTo>
+                <a:cubicBezTo>
+                  <a:pt x="4330837" y="2765"/>
+                  <a:pt x="4287895" y="10557"/>
+                  <a:pt x="4517517" y="0"/>
+                </a:cubicBezTo>
+                <a:cubicBezTo>
+                  <a:pt x="4747139" y="-10557"/>
+                  <a:pt x="5149588" y="8716"/>
+                  <a:pt x="5410200" y="0"/>
+                </a:cubicBezTo>
+                <a:cubicBezTo>
+                  <a:pt x="5409517" y="5414"/>
+                  <a:pt x="5409480" y="12510"/>
+                  <a:pt x="5410200" y="18288"/>
+                </a:cubicBezTo>
+                <a:cubicBezTo>
+                  <a:pt x="5163327" y="41494"/>
+                  <a:pt x="5008749" y="10693"/>
+                  <a:pt x="4842129" y="18288"/>
+                </a:cubicBezTo>
+                <a:cubicBezTo>
+                  <a:pt x="4675509" y="25883"/>
+                  <a:pt x="4433401" y="-615"/>
+                  <a:pt x="4165854" y="18288"/>
+                </a:cubicBezTo>
+                <a:cubicBezTo>
+                  <a:pt x="3898308" y="37191"/>
+                  <a:pt x="3809032" y="-8710"/>
+                  <a:pt x="3543681" y="18288"/>
+                </a:cubicBezTo>
+                <a:cubicBezTo>
+                  <a:pt x="3278330" y="45286"/>
+                  <a:pt x="3073876" y="-15917"/>
+                  <a:pt x="2759202" y="18288"/>
+                </a:cubicBezTo>
+                <a:cubicBezTo>
+                  <a:pt x="2444528" y="52493"/>
+                  <a:pt x="2204144" y="3372"/>
+                  <a:pt x="1974723" y="18288"/>
+                </a:cubicBezTo>
+                <a:cubicBezTo>
+                  <a:pt x="1745302" y="33204"/>
+                  <a:pt x="1602335" y="31490"/>
+                  <a:pt x="1406652" y="18288"/>
+                </a:cubicBezTo>
+                <a:cubicBezTo>
+                  <a:pt x="1210969" y="5086"/>
+                  <a:pt x="923948" y="3161"/>
+                  <a:pt x="730377" y="18288"/>
+                </a:cubicBezTo>
+                <a:cubicBezTo>
+                  <a:pt x="536806" y="33415"/>
+                  <a:pt x="336496" y="-141"/>
+                  <a:pt x="0" y="18288"/>
+                </a:cubicBezTo>
+                <a:cubicBezTo>
+                  <a:pt x="-306" y="11061"/>
+                  <a:pt x="-655" y="7751"/>
+                  <a:pt x="0" y="0"/>
+                </a:cubicBezTo>
+                <a:close/>
+              </a:path>
+            </a:pathLst>
+          </a:custGeom>
+          <a:solidFill>
+            <a:schemeClr val="accent2"/>
+          </a:solidFill>
+          <a:ln w="41275" cap="rnd">
+            <a:solidFill>
+              <a:schemeClr val="accent2"/>
+            </a:solidFill>
+            <a:round/>
+            <a:extLst>
+              <a:ext uri="{C807C97D-BFC1-408E-A445-0C87EB9F89A2}">
+                <ask:lineSketchStyleProps xmlns:ask="http://schemas.microsoft.com/office/drawing/2018/sketchyshapes" sd="1219033472">
+                  <a:prstGeom prst="rect">
+                    <a:avLst/>
+                  </a:prstGeom>
+                  <ask:type>
+                    <ask:lineSketchFreehand/>
+                  </ask:type>
+                </ask:lineSketchStyleProps>
+              </a:ext>
+            </a:extLst>
+          </a:ln>
+        </p:spPr>
+        <p:style>
+          <a:lnRef idx="2">
+            <a:schemeClr val="accent1">
+              <a:shade val="50000"/>
+            </a:schemeClr>
+          </a:lnRef>
+          <a:fillRef idx="1">
+            <a:schemeClr val="accent1"/>
+          </a:fillRef>
+          <a:effectRef idx="0">
+            <a:schemeClr val="accent1"/>
+          </a:effectRef>
+          <a:fontRef idx="minor">
+            <a:schemeClr val="lt1"/>
+          </a:fontRef>
+        </p:style>
+        <p:txBody>
+          <a:bodyPr rtlCol="0" anchor="ctr"/>
+          <a:lstStyle/>
+          <a:p>
+            <a:pPr algn="ctr"/>
+            <a:endParaRPr lang="en-US"/>
+          </a:p>
+        </p:txBody>
+      </p:sp>
+      <p:graphicFrame>
+        <p:nvGraphicFramePr>
+          <p:cNvPr id="5" name="Content Placeholder 2">
+            <a:extLst>
+              <a:ext uri="{FF2B5EF4-FFF2-40B4-BE49-F238E27FC236}">
+                <a16:creationId xmlns:a16="http://schemas.microsoft.com/office/drawing/2014/main" id="{97A9CE90-26B3-BBF8-104F-5DFF9C8F50E7}"/>
+              </a:ext>
+            </a:extLst>
+          </p:cNvPr>
+          <p:cNvGraphicFramePr>
+            <a:graphicFrameLocks noGrp="1"/>
+          </p:cNvGraphicFramePr>
+          <p:nvPr>
+            <p:ph idx="1"/>
+            <p:extLst>
+              <p:ext uri="{D42A27DB-BD31-4B8C-83A1-F6EECF244321}">
+                <p14:modId xmlns:p14="http://schemas.microsoft.com/office/powerpoint/2010/main" val="2325347850"/>
+              </p:ext>
+            </p:extLst>
+          </p:nvPr>
+        </p:nvGraphicFramePr>
+        <p:xfrm>
+          <a:off x="4648018" y="640822"/>
+          <a:ext cx="6900512" cy="5536141"/>
+        </p:xfrm>
+        <a:graphic>
+          <a:graphicData uri="http://schemas.openxmlformats.org/drawingml/2006/diagram">
+            <dgm:relIds xmlns:dgm="http://schemas.openxmlformats.org/drawingml/2006/diagram" xmlns:r="http://schemas.openxmlformats.org/officeDocument/2006/relationships" r:dm="rId3" r:lo="rId4" r:qs="rId5" r:cs="rId6"/>
+          </a:graphicData>
+        </a:graphic>
+      </p:graphicFrame>
+    </p:spTree>
+    <p:extLst>
+      <p:ext uri="{BB962C8B-B14F-4D97-AF65-F5344CB8AC3E}">
+        <p14:creationId xmlns:p14="http://schemas.microsoft.com/office/powerpoint/2010/main" val="908442122"/>
+      </p:ext>
+    </p:extLst>
+  </p:cSld>
+  <p:clrMapOvr>
+    <a:masterClrMapping/>
+  </p:clrMapOvr>
+</p:sld>
+</file>
+
+<file path=ppt/slides/slide11.xml><?xml version="1.0" encoding="utf-8"?>
+<p:sld xmlns:a="http://schemas.openxmlformats.org/drawingml/2006/main" xmlns:r="http://schemas.openxmlformats.org/officeDocument/2006/relationships" xmlns:p="http://schemas.openxmlformats.org/presentationml/2006/main">
+  <p:cSld>
+    <p:bg>
+      <p:bgPr>
+        <a:solidFill>
+          <a:schemeClr val="bg1"/>
+        </a:solidFill>
+        <a:effectLst/>
+      </p:bgPr>
+    </p:bg>
+    <p:spTree>
+      <p:nvGrpSpPr>
+        <p:cNvPr id="1" name=""/>
+        <p:cNvGrpSpPr/>
+        <p:nvPr/>
+      </p:nvGrpSpPr>
+      <p:grpSpPr>
+        <a:xfrm>
+          <a:off x="0" y="0"/>
+          <a:ext cx="0" cy="0"/>
+          <a:chOff x="0" y="0"/>
+          <a:chExt cx="0" cy="0"/>
+        </a:xfrm>
+      </p:grpSpPr>
+      <p:sp useBgFill="1">
+        <p:nvSpPr>
           <p:cNvPr id="8" name="Rectangle 7">
             <a:extLst>
               <a:ext uri="{FF2B5EF4-FFF2-40B4-BE49-F238E27FC236}">
@@ -14548,7 +15521,7 @@
 </p:sld>
 </file>
 
-<file path=ppt/slides/slide11.xml><?xml version="1.0" encoding="utf-8"?>
+<file path=ppt/slides/slide12.xml><?xml version="1.0" encoding="utf-8"?>
 <p:sld xmlns:a="http://schemas.openxmlformats.org/drawingml/2006/main" xmlns:r="http://schemas.openxmlformats.org/officeDocument/2006/relationships" xmlns:p="http://schemas.openxmlformats.org/presentationml/2006/main">
   <p:cSld>
     <p:bg>
@@ -14758,7 +15731,7 @@
 </p:sld>
 </file>
 
-<file path=ppt/slides/slide12.xml><?xml version="1.0" encoding="utf-8"?>
+<file path=ppt/slides/slide13.xml><?xml version="1.0" encoding="utf-8"?>
 <p:sld xmlns:a="http://schemas.openxmlformats.org/drawingml/2006/main" xmlns:r="http://schemas.openxmlformats.org/officeDocument/2006/relationships" xmlns:p="http://schemas.openxmlformats.org/presentationml/2006/main">
   <p:cSld>
     <p:bg>
@@ -15719,7 +16692,7 @@
 </p:sld>
 </file>
 
-<file path=ppt/slides/slide13.xml><?xml version="1.0" encoding="utf-8"?>
+<file path=ppt/slides/slide14.xml><?xml version="1.0" encoding="utf-8"?>
 <p:sld xmlns:a="http://schemas.openxmlformats.org/drawingml/2006/main" xmlns:r="http://schemas.openxmlformats.org/officeDocument/2006/relationships" xmlns:p="http://schemas.openxmlformats.org/presentationml/2006/main">
   <p:cSld>
     <p:bg>
@@ -16622,7 +17595,7 @@
 </p:sld>
 </file>
 
-<file path=ppt/slides/slide14.xml><?xml version="1.0" encoding="utf-8"?>
+<file path=ppt/slides/slide15.xml><?xml version="1.0" encoding="utf-8"?>
 <p:sld xmlns:a="http://schemas.openxmlformats.org/drawingml/2006/main" xmlns:r="http://schemas.openxmlformats.org/officeDocument/2006/relationships" xmlns:p="http://schemas.openxmlformats.org/presentationml/2006/main">
   <p:cSld>
     <p:bg>
@@ -17169,7 +18142,7 @@
 </p:sld>
 </file>
 
-<file path=ppt/slides/slide15.xml><?xml version="1.0" encoding="utf-8"?>
+<file path=ppt/slides/slide16.xml><?xml version="1.0" encoding="utf-8"?>
 <p:sld xmlns:a="http://schemas.openxmlformats.org/drawingml/2006/main" xmlns:r="http://schemas.openxmlformats.org/officeDocument/2006/relationships" xmlns:p="http://schemas.openxmlformats.org/presentationml/2006/main">
   <p:cSld>
     <p:bg>
@@ -18014,7 +18987,7 @@
 </p:sld>
 </file>
 
-<file path=ppt/slides/slide16.xml><?xml version="1.0" encoding="utf-8"?>
+<file path=ppt/slides/slide17.xml><?xml version="1.0" encoding="utf-8"?>
 <p:sld xmlns:a="http://schemas.openxmlformats.org/drawingml/2006/main" xmlns:r="http://schemas.openxmlformats.org/officeDocument/2006/relationships" xmlns:p="http://schemas.openxmlformats.org/presentationml/2006/main">
   <p:cSld>
     <p:spTree>
@@ -18124,7 +19097,7 @@
 </p:sld>
 </file>
 
-<file path=ppt/slides/slide17.xml><?xml version="1.0" encoding="utf-8"?>
+<file path=ppt/slides/slide18.xml><?xml version="1.0" encoding="utf-8"?>
 <p:sld xmlns:a="http://schemas.openxmlformats.org/drawingml/2006/main" xmlns:r="http://schemas.openxmlformats.org/officeDocument/2006/relationships" xmlns:p="http://schemas.openxmlformats.org/presentationml/2006/main">
   <p:cSld>
     <p:bg>
@@ -18814,7 +19787,1152 @@
 </p:sld>
 </file>
 
-<file path=ppt/slides/slide18.xml><?xml version="1.0" encoding="utf-8"?>
+<file path=ppt/slides/slide19.xml><?xml version="1.0" encoding="utf-8"?>
+<p:sld xmlns:a="http://schemas.openxmlformats.org/drawingml/2006/main" xmlns:r="http://schemas.openxmlformats.org/officeDocument/2006/relationships" xmlns:p="http://schemas.openxmlformats.org/presentationml/2006/main">
+  <p:cSld>
+    <p:spTree>
+      <p:nvGrpSpPr>
+        <p:cNvPr id="1" name="">
+          <a:extLst>
+            <a:ext uri="{FF2B5EF4-FFF2-40B4-BE49-F238E27FC236}">
+              <a16:creationId xmlns:a16="http://schemas.microsoft.com/office/drawing/2014/main" id="{93D22FE9-DBFD-41B7-3F83-B34A6314E566}"/>
+            </a:ext>
+          </a:extLst>
+        </p:cNvPr>
+        <p:cNvGrpSpPr/>
+        <p:nvPr/>
+      </p:nvGrpSpPr>
+      <p:grpSpPr>
+        <a:xfrm>
+          <a:off x="0" y="0"/>
+          <a:ext cx="0" cy="0"/>
+          <a:chOff x="0" y="0"/>
+          <a:chExt cx="0" cy="0"/>
+        </a:xfrm>
+      </p:grpSpPr>
+      <p:sp>
+        <p:nvSpPr>
+          <p:cNvPr id="2" name="Title 1">
+            <a:extLst>
+              <a:ext uri="{FF2B5EF4-FFF2-40B4-BE49-F238E27FC236}">
+                <a16:creationId xmlns:a16="http://schemas.microsoft.com/office/drawing/2014/main" id="{1EB26454-B13E-DA78-41B0-2D3D6374D17A}"/>
+              </a:ext>
+            </a:extLst>
+          </p:cNvPr>
+          <p:cNvSpPr>
+            <a:spLocks noGrp="1"/>
+          </p:cNvSpPr>
+          <p:nvPr>
+            <p:ph type="title"/>
+          </p:nvPr>
+        </p:nvSpPr>
+        <p:spPr>
+          <a:xfrm>
+            <a:off x="841248" y="548640"/>
+            <a:ext cx="3600860" cy="5431536"/>
+          </a:xfrm>
+        </p:spPr>
+        <p:txBody>
+          <a:bodyPr>
+            <a:normAutofit/>
+          </a:bodyPr>
+          <a:lstStyle/>
+          <a:p>
+            <a:r>
+              <a:rPr lang="en-US" sz="5400"/>
+              <a:t>Additional Resources</a:t>
+            </a:r>
+          </a:p>
+        </p:txBody>
+      </p:sp>
+      <p:sp>
+        <p:nvSpPr>
+          <p:cNvPr id="3" name="Content Placeholder 2">
+            <a:extLst>
+              <a:ext uri="{FF2B5EF4-FFF2-40B4-BE49-F238E27FC236}">
+                <a16:creationId xmlns:a16="http://schemas.microsoft.com/office/drawing/2014/main" id="{6FB8ADDA-F911-B32E-1FE9-3E8F8478173F}"/>
+              </a:ext>
+            </a:extLst>
+          </p:cNvPr>
+          <p:cNvSpPr>
+            <a:spLocks noGrp="1"/>
+          </p:cNvSpPr>
+          <p:nvPr>
+            <p:ph idx="1"/>
+          </p:nvPr>
+        </p:nvSpPr>
+        <p:spPr>
+          <a:xfrm>
+            <a:off x="5126418" y="552091"/>
+            <a:ext cx="6224335" cy="5431536"/>
+          </a:xfrm>
+        </p:spPr>
+        <p:txBody>
+          <a:bodyPr anchor="ctr">
+            <a:normAutofit/>
+          </a:bodyPr>
+          <a:lstStyle/>
+          <a:p>
+            <a:pPr marL="0" marR="0">
+              <a:buNone/>
+            </a:pPr>
+            <a:r>
+              <a:rPr lang="en-US" sz="1700" b="1" dirty="0">
+                <a:effectLst/>
+                <a:latin typeface="Calibri" panose="020F0502020204030204" pitchFamily="34" charset="0"/>
+              </a:rPr>
+              <a:t>Resources</a:t>
+            </a:r>
+          </a:p>
+          <a:p>
+            <a:pPr fontAlgn="ctr"/>
+            <a:r>
+              <a:rPr lang="en-US" dirty="0">
+                <a:hlinkClick r:id="rId3"/>
+              </a:rPr>
+              <a:t>sql-projects-devops-samples/Demos/2-ContinuousIntegration.md at main · Azure-Samples/</a:t>
+            </a:r>
+            <a:r>
+              <a:rPr lang="en-US" dirty="0" err="1">
+                <a:hlinkClick r:id="rId3"/>
+              </a:rPr>
+              <a:t>sql</a:t>
+            </a:r>
+            <a:r>
+              <a:rPr lang="en-US" dirty="0">
+                <a:hlinkClick r:id="rId3"/>
+              </a:rPr>
+              <a:t>-projects-</a:t>
+            </a:r>
+            <a:r>
+              <a:rPr lang="en-US" dirty="0" err="1">
+                <a:hlinkClick r:id="rId3"/>
+              </a:rPr>
+              <a:t>devops</a:t>
+            </a:r>
+            <a:r>
+              <a:rPr lang="en-US" dirty="0">
+                <a:hlinkClick r:id="rId3"/>
+              </a:rPr>
+              <a:t>-samples · GitHub</a:t>
+            </a:r>
+            <a:r>
+              <a:rPr lang="en-US" dirty="0"/>
+              <a:t> (CI/CD with containers)</a:t>
+            </a:r>
+          </a:p>
+          <a:p>
+            <a:pPr fontAlgn="ctr"/>
+            <a:r>
+              <a:rPr lang="en-US" dirty="0" err="1"/>
+              <a:t>.net</a:t>
+            </a:r>
+            <a:r>
+              <a:rPr lang="en-US" dirty="0"/>
+              <a:t> conf 2024 talk: </a:t>
+            </a:r>
+            <a:r>
+              <a:rPr lang="en-US" dirty="0">
+                <a:hlinkClick r:id="rId4"/>
+              </a:rPr>
+              <a:t>Next-gen SQL projects with </a:t>
+            </a:r>
+            <a:r>
+              <a:rPr lang="en-US" dirty="0" err="1">
+                <a:hlinkClick r:id="rId4"/>
+              </a:rPr>
+              <a:t>Microsoft.Build.Sql</a:t>
+            </a:r>
+            <a:endParaRPr lang="en-US" dirty="0"/>
+          </a:p>
+          <a:p>
+            <a:endParaRPr lang="en-US" sz="1700" dirty="0"/>
+          </a:p>
+        </p:txBody>
+      </p:sp>
+    </p:spTree>
+    <p:extLst>
+      <p:ext uri="{BB962C8B-B14F-4D97-AF65-F5344CB8AC3E}">
+        <p14:creationId xmlns:p14="http://schemas.microsoft.com/office/powerpoint/2010/main" val="2762649843"/>
+      </p:ext>
+    </p:extLst>
+  </p:cSld>
+  <p:clrMapOvr>
+    <a:masterClrMapping/>
+  </p:clrMapOvr>
+</p:sld>
+</file>
+
+<file path=ppt/slides/slide2.xml><?xml version="1.0" encoding="utf-8"?>
+<p:sld xmlns:a="http://schemas.openxmlformats.org/drawingml/2006/main" xmlns:r="http://schemas.openxmlformats.org/officeDocument/2006/relationships" xmlns:p="http://schemas.openxmlformats.org/presentationml/2006/main">
+  <p:cSld>
+    <p:bg>
+      <p:bgPr>
+        <a:solidFill>
+          <a:schemeClr val="bg1"/>
+        </a:solidFill>
+        <a:effectLst/>
+      </p:bgPr>
+    </p:bg>
+    <p:spTree>
+      <p:nvGrpSpPr>
+        <p:cNvPr id="1" name=""/>
+        <p:cNvGrpSpPr/>
+        <p:nvPr/>
+      </p:nvGrpSpPr>
+      <p:grpSpPr>
+        <a:xfrm>
+          <a:off x="0" y="0"/>
+          <a:ext cx="0" cy="0"/>
+          <a:chOff x="0" y="0"/>
+          <a:chExt cx="0" cy="0"/>
+        </a:xfrm>
+      </p:grpSpPr>
+      <p:sp useBgFill="1">
+        <p:nvSpPr>
+          <p:cNvPr id="12" name="Rectangle 11">
+            <a:extLst>
+              <a:ext uri="{FF2B5EF4-FFF2-40B4-BE49-F238E27FC236}">
+                <a16:creationId xmlns:a16="http://schemas.microsoft.com/office/drawing/2014/main" id="{394842B0-684D-44CC-B4BC-D13331CFD290}"/>
+              </a:ext>
+              <a:ext uri="{C183D7F6-B498-43B3-948B-1728B52AA6E4}">
+                <adec:decorative xmlns:adec="http://schemas.microsoft.com/office/drawing/2017/decorative" val="1"/>
+              </a:ext>
+            </a:extLst>
+          </p:cNvPr>
+          <p:cNvSpPr>
+            <a:spLocks noGrp="1" noRot="1" noChangeAspect="1" noMove="1" noResize="1" noEditPoints="1" noAdjustHandles="1" noChangeArrowheads="1" noChangeShapeType="1" noTextEdit="1"/>
+          </p:cNvSpPr>
+          <p:nvPr>
+            <p:extLst>
+              <p:ext uri="{386F3935-93C4-4BCD-93E2-E3B085C9AB24}">
+                <p16:designElem xmlns:p16="http://schemas.microsoft.com/office/powerpoint/2015/main" val="1"/>
+              </p:ext>
+            </p:extLst>
+          </p:nvPr>
+        </p:nvSpPr>
+        <p:spPr>
+          <a:xfrm>
+            <a:off x="0" y="0"/>
+            <a:ext cx="12188952" cy="6858000"/>
+          </a:xfrm>
+          <a:prstGeom prst="rect">
+            <a:avLst/>
+          </a:prstGeom>
+          <a:ln>
+            <a:noFill/>
+          </a:ln>
+        </p:spPr>
+        <p:style>
+          <a:lnRef idx="2">
+            <a:schemeClr val="accent1">
+              <a:shade val="50000"/>
+            </a:schemeClr>
+          </a:lnRef>
+          <a:fillRef idx="1">
+            <a:schemeClr val="accent1"/>
+          </a:fillRef>
+          <a:effectRef idx="0">
+            <a:schemeClr val="accent1"/>
+          </a:effectRef>
+          <a:fontRef idx="minor">
+            <a:schemeClr val="lt1"/>
+          </a:fontRef>
+        </p:style>
+        <p:txBody>
+          <a:bodyPr rtlCol="0" anchor="ctr"/>
+          <a:lstStyle/>
+          <a:p>
+            <a:pPr algn="ctr"/>
+            <a:endParaRPr lang="en-US"/>
+          </a:p>
+        </p:txBody>
+      </p:sp>
+      <p:sp>
+        <p:nvSpPr>
+          <p:cNvPr id="2" name="Title 1">
+            <a:extLst>
+              <a:ext uri="{FF2B5EF4-FFF2-40B4-BE49-F238E27FC236}">
+                <a16:creationId xmlns:a16="http://schemas.microsoft.com/office/drawing/2014/main" id="{B340EC05-4BE2-0827-7AA6-45C23C981DF4}"/>
+              </a:ext>
+            </a:extLst>
+          </p:cNvPr>
+          <p:cNvSpPr>
+            <a:spLocks noGrp="1"/>
+          </p:cNvSpPr>
+          <p:nvPr>
+            <p:ph type="title"/>
+          </p:nvPr>
+        </p:nvSpPr>
+        <p:spPr>
+          <a:xfrm>
+            <a:off x="640080" y="329184"/>
+            <a:ext cx="6894576" cy="1783080"/>
+          </a:xfrm>
+        </p:spPr>
+        <p:txBody>
+          <a:bodyPr anchor="b">
+            <a:normAutofit/>
+          </a:bodyPr>
+          <a:lstStyle/>
+          <a:p>
+            <a:r>
+              <a:rPr lang="en-US" sz="6600"/>
+              <a:t>Intro</a:t>
+            </a:r>
+          </a:p>
+        </p:txBody>
+      </p:sp>
+      <p:sp>
+        <p:nvSpPr>
+          <p:cNvPr id="14" name="sketch line">
+            <a:extLst>
+              <a:ext uri="{FF2B5EF4-FFF2-40B4-BE49-F238E27FC236}">
+                <a16:creationId xmlns:a16="http://schemas.microsoft.com/office/drawing/2014/main" id="{4C2A3DC3-F495-4B99-9FF3-3FB30D63235E}"/>
+              </a:ext>
+              <a:ext uri="{C183D7F6-B498-43B3-948B-1728B52AA6E4}">
+                <adec:decorative xmlns:adec="http://schemas.microsoft.com/office/drawing/2017/decorative" val="1"/>
+              </a:ext>
+            </a:extLst>
+          </p:cNvPr>
+          <p:cNvSpPr>
+            <a:spLocks noGrp="1" noRot="1" noChangeAspect="1" noMove="1" noResize="1" noEditPoints="1" noAdjustHandles="1" noChangeArrowheads="1" noChangeShapeType="1" noTextEdit="1"/>
+          </p:cNvSpPr>
+          <p:nvPr>
+            <p:extLst>
+              <p:ext uri="{386F3935-93C4-4BCD-93E2-E3B085C9AB24}">
+                <p16:designElem xmlns:p16="http://schemas.microsoft.com/office/powerpoint/2015/main" val="1"/>
+              </p:ext>
+            </p:extLst>
+          </p:nvPr>
+        </p:nvSpPr>
+        <p:spPr>
+          <a:xfrm>
+            <a:off x="758952" y="2395728"/>
+            <a:ext cx="4243589" cy="18288"/>
+          </a:xfrm>
+          <a:custGeom>
+            <a:avLst/>
+            <a:gdLst>
+              <a:gd name="connsiteX0" fmla="*/ 0 w 4243589"/>
+              <a:gd name="connsiteY0" fmla="*/ 0 h 18288"/>
+              <a:gd name="connsiteX1" fmla="*/ 478919 w 4243589"/>
+              <a:gd name="connsiteY1" fmla="*/ 0 h 18288"/>
+              <a:gd name="connsiteX2" fmla="*/ 957839 w 4243589"/>
+              <a:gd name="connsiteY2" fmla="*/ 0 h 18288"/>
+              <a:gd name="connsiteX3" fmla="*/ 1521630 w 4243589"/>
+              <a:gd name="connsiteY3" fmla="*/ 0 h 18288"/>
+              <a:gd name="connsiteX4" fmla="*/ 2212729 w 4243589"/>
+              <a:gd name="connsiteY4" fmla="*/ 0 h 18288"/>
+              <a:gd name="connsiteX5" fmla="*/ 2734084 w 4243589"/>
+              <a:gd name="connsiteY5" fmla="*/ 0 h 18288"/>
+              <a:gd name="connsiteX6" fmla="*/ 3255439 w 4243589"/>
+              <a:gd name="connsiteY6" fmla="*/ 0 h 18288"/>
+              <a:gd name="connsiteX7" fmla="*/ 4243589 w 4243589"/>
+              <a:gd name="connsiteY7" fmla="*/ 0 h 18288"/>
+              <a:gd name="connsiteX8" fmla="*/ 4243589 w 4243589"/>
+              <a:gd name="connsiteY8" fmla="*/ 18288 h 18288"/>
+              <a:gd name="connsiteX9" fmla="*/ 3594926 w 4243589"/>
+              <a:gd name="connsiteY9" fmla="*/ 18288 h 18288"/>
+              <a:gd name="connsiteX10" fmla="*/ 3073571 w 4243589"/>
+              <a:gd name="connsiteY10" fmla="*/ 18288 h 18288"/>
+              <a:gd name="connsiteX11" fmla="*/ 2552216 w 4243589"/>
+              <a:gd name="connsiteY11" fmla="*/ 18288 h 18288"/>
+              <a:gd name="connsiteX12" fmla="*/ 1903553 w 4243589"/>
+              <a:gd name="connsiteY12" fmla="*/ 18288 h 18288"/>
+              <a:gd name="connsiteX13" fmla="*/ 1212454 w 4243589"/>
+              <a:gd name="connsiteY13" fmla="*/ 18288 h 18288"/>
+              <a:gd name="connsiteX14" fmla="*/ 733535 w 4243589"/>
+              <a:gd name="connsiteY14" fmla="*/ 18288 h 18288"/>
+              <a:gd name="connsiteX15" fmla="*/ 0 w 4243589"/>
+              <a:gd name="connsiteY15" fmla="*/ 18288 h 18288"/>
+              <a:gd name="connsiteX16" fmla="*/ 0 w 4243589"/>
+              <a:gd name="connsiteY16" fmla="*/ 0 h 18288"/>
+            </a:gdLst>
+            <a:ahLst/>
+            <a:cxnLst>
+              <a:cxn ang="0">
+                <a:pos x="connsiteX0" y="connsiteY0"/>
+              </a:cxn>
+              <a:cxn ang="0">
+                <a:pos x="connsiteX1" y="connsiteY1"/>
+              </a:cxn>
+              <a:cxn ang="0">
+                <a:pos x="connsiteX2" y="connsiteY2"/>
+              </a:cxn>
+              <a:cxn ang="0">
+                <a:pos x="connsiteX3" y="connsiteY3"/>
+              </a:cxn>
+              <a:cxn ang="0">
+                <a:pos x="connsiteX4" y="connsiteY4"/>
+              </a:cxn>
+              <a:cxn ang="0">
+                <a:pos x="connsiteX5" y="connsiteY5"/>
+              </a:cxn>
+              <a:cxn ang="0">
+                <a:pos x="connsiteX6" y="connsiteY6"/>
+              </a:cxn>
+              <a:cxn ang="0">
+                <a:pos x="connsiteX7" y="connsiteY7"/>
+              </a:cxn>
+              <a:cxn ang="0">
+                <a:pos x="connsiteX8" y="connsiteY8"/>
+              </a:cxn>
+              <a:cxn ang="0">
+                <a:pos x="connsiteX9" y="connsiteY9"/>
+              </a:cxn>
+              <a:cxn ang="0">
+                <a:pos x="connsiteX10" y="connsiteY10"/>
+              </a:cxn>
+              <a:cxn ang="0">
+                <a:pos x="connsiteX11" y="connsiteY11"/>
+              </a:cxn>
+              <a:cxn ang="0">
+                <a:pos x="connsiteX12" y="connsiteY12"/>
+              </a:cxn>
+              <a:cxn ang="0">
+                <a:pos x="connsiteX13" y="connsiteY13"/>
+              </a:cxn>
+              <a:cxn ang="0">
+                <a:pos x="connsiteX14" y="connsiteY14"/>
+              </a:cxn>
+              <a:cxn ang="0">
+                <a:pos x="connsiteX15" y="connsiteY15"/>
+              </a:cxn>
+              <a:cxn ang="0">
+                <a:pos x="connsiteX16" y="connsiteY16"/>
+              </a:cxn>
+            </a:cxnLst>
+            <a:rect l="l" t="t" r="r" b="b"/>
+            <a:pathLst>
+              <a:path w="4243589" h="18288" fill="none" extrusionOk="0">
+                <a:moveTo>
+                  <a:pt x="0" y="0"/>
+                </a:moveTo>
+                <a:cubicBezTo>
+                  <a:pt x="213395" y="-21006"/>
+                  <a:pt x="307421" y="-18116"/>
+                  <a:pt x="478919" y="0"/>
+                </a:cubicBezTo>
+                <a:cubicBezTo>
+                  <a:pt x="650417" y="18116"/>
+                  <a:pt x="831092" y="-21237"/>
+                  <a:pt x="957839" y="0"/>
+                </a:cubicBezTo>
+                <a:cubicBezTo>
+                  <a:pt x="1084586" y="21237"/>
+                  <a:pt x="1301682" y="25124"/>
+                  <a:pt x="1521630" y="0"/>
+                </a:cubicBezTo>
+                <a:cubicBezTo>
+                  <a:pt x="1741578" y="-25124"/>
+                  <a:pt x="1970269" y="-29139"/>
+                  <a:pt x="2212729" y="0"/>
+                </a:cubicBezTo>
+                <a:cubicBezTo>
+                  <a:pt x="2455189" y="29139"/>
+                  <a:pt x="2558847" y="-4796"/>
+                  <a:pt x="2734084" y="0"/>
+                </a:cubicBezTo>
+                <a:cubicBezTo>
+                  <a:pt x="2909321" y="4796"/>
+                  <a:pt x="3097217" y="-13409"/>
+                  <a:pt x="3255439" y="0"/>
+                </a:cubicBezTo>
+                <a:cubicBezTo>
+                  <a:pt x="3413662" y="13409"/>
+                  <a:pt x="3979999" y="-10121"/>
+                  <a:pt x="4243589" y="0"/>
+                </a:cubicBezTo>
+                <a:cubicBezTo>
+                  <a:pt x="4244484" y="8974"/>
+                  <a:pt x="4243043" y="9359"/>
+                  <a:pt x="4243589" y="18288"/>
+                </a:cubicBezTo>
+                <a:cubicBezTo>
+                  <a:pt x="4058777" y="31246"/>
+                  <a:pt x="3910348" y="3158"/>
+                  <a:pt x="3594926" y="18288"/>
+                </a:cubicBezTo>
+                <a:cubicBezTo>
+                  <a:pt x="3279504" y="33418"/>
+                  <a:pt x="3319955" y="-3977"/>
+                  <a:pt x="3073571" y="18288"/>
+                </a:cubicBezTo>
+                <a:cubicBezTo>
+                  <a:pt x="2827187" y="40553"/>
+                  <a:pt x="2767387" y="1863"/>
+                  <a:pt x="2552216" y="18288"/>
+                </a:cubicBezTo>
+                <a:cubicBezTo>
+                  <a:pt x="2337046" y="34713"/>
+                  <a:pt x="2181871" y="19527"/>
+                  <a:pt x="1903553" y="18288"/>
+                </a:cubicBezTo>
+                <a:cubicBezTo>
+                  <a:pt x="1625235" y="17049"/>
+                  <a:pt x="1557672" y="24174"/>
+                  <a:pt x="1212454" y="18288"/>
+                </a:cubicBezTo>
+                <a:cubicBezTo>
+                  <a:pt x="867236" y="12402"/>
+                  <a:pt x="874382" y="15627"/>
+                  <a:pt x="733535" y="18288"/>
+                </a:cubicBezTo>
+                <a:cubicBezTo>
+                  <a:pt x="592688" y="20949"/>
+                  <a:pt x="183477" y="14753"/>
+                  <a:pt x="0" y="18288"/>
+                </a:cubicBezTo>
+                <a:cubicBezTo>
+                  <a:pt x="-229" y="14222"/>
+                  <a:pt x="509" y="5816"/>
+                  <a:pt x="0" y="0"/>
+                </a:cubicBezTo>
+                <a:close/>
+              </a:path>
+              <a:path w="4243589" h="18288" stroke="0" extrusionOk="0">
+                <a:moveTo>
+                  <a:pt x="0" y="0"/>
+                </a:moveTo>
+                <a:cubicBezTo>
+                  <a:pt x="143690" y="16630"/>
+                  <a:pt x="266667" y="14847"/>
+                  <a:pt x="521355" y="0"/>
+                </a:cubicBezTo>
+                <a:cubicBezTo>
+                  <a:pt x="776043" y="-14847"/>
+                  <a:pt x="814491" y="-17363"/>
+                  <a:pt x="1000275" y="0"/>
+                </a:cubicBezTo>
+                <a:cubicBezTo>
+                  <a:pt x="1186059" y="17363"/>
+                  <a:pt x="1352504" y="-23507"/>
+                  <a:pt x="1521630" y="0"/>
+                </a:cubicBezTo>
+                <a:cubicBezTo>
+                  <a:pt x="1690756" y="23507"/>
+                  <a:pt x="1889525" y="5871"/>
+                  <a:pt x="2127857" y="0"/>
+                </a:cubicBezTo>
+                <a:cubicBezTo>
+                  <a:pt x="2366189" y="-5871"/>
+                  <a:pt x="2620628" y="-27997"/>
+                  <a:pt x="2776520" y="0"/>
+                </a:cubicBezTo>
+                <a:cubicBezTo>
+                  <a:pt x="2932412" y="27997"/>
+                  <a:pt x="3131683" y="-25073"/>
+                  <a:pt x="3467618" y="0"/>
+                </a:cubicBezTo>
+                <a:cubicBezTo>
+                  <a:pt x="3803553" y="25073"/>
+                  <a:pt x="4017371" y="3071"/>
+                  <a:pt x="4243589" y="0"/>
+                </a:cubicBezTo>
+                <a:cubicBezTo>
+                  <a:pt x="4243134" y="6162"/>
+                  <a:pt x="4243492" y="11775"/>
+                  <a:pt x="4243589" y="18288"/>
+                </a:cubicBezTo>
+                <a:cubicBezTo>
+                  <a:pt x="4017834" y="-5779"/>
+                  <a:pt x="3834586" y="13376"/>
+                  <a:pt x="3594926" y="18288"/>
+                </a:cubicBezTo>
+                <a:cubicBezTo>
+                  <a:pt x="3355266" y="23200"/>
+                  <a:pt x="3204179" y="2869"/>
+                  <a:pt x="2903827" y="18288"/>
+                </a:cubicBezTo>
+                <a:cubicBezTo>
+                  <a:pt x="2603475" y="33707"/>
+                  <a:pt x="2526187" y="46187"/>
+                  <a:pt x="2212729" y="18288"/>
+                </a:cubicBezTo>
+                <a:cubicBezTo>
+                  <a:pt x="1899271" y="-9611"/>
+                  <a:pt x="1966289" y="29692"/>
+                  <a:pt x="1733809" y="18288"/>
+                </a:cubicBezTo>
+                <a:cubicBezTo>
+                  <a:pt x="1501329" y="6884"/>
+                  <a:pt x="1343612" y="12492"/>
+                  <a:pt x="1085146" y="18288"/>
+                </a:cubicBezTo>
+                <a:cubicBezTo>
+                  <a:pt x="826680" y="24084"/>
+                  <a:pt x="778184" y="35607"/>
+                  <a:pt x="521355" y="18288"/>
+                </a:cubicBezTo>
+                <a:cubicBezTo>
+                  <a:pt x="264526" y="969"/>
+                  <a:pt x="120277" y="4268"/>
+                  <a:pt x="0" y="18288"/>
+                </a:cubicBezTo>
+                <a:cubicBezTo>
+                  <a:pt x="766" y="10800"/>
+                  <a:pt x="-457" y="8180"/>
+                  <a:pt x="0" y="0"/>
+                </a:cubicBezTo>
+                <a:close/>
+              </a:path>
+            </a:pathLst>
+          </a:custGeom>
+          <a:solidFill>
+            <a:schemeClr val="accent2"/>
+          </a:solidFill>
+          <a:ln w="41275" cap="rnd">
+            <a:solidFill>
+              <a:schemeClr val="accent2"/>
+            </a:solidFill>
+            <a:round/>
+            <a:extLst>
+              <a:ext uri="{C807C97D-BFC1-408E-A445-0C87EB9F89A2}">
+                <ask:lineSketchStyleProps xmlns:ask="http://schemas.microsoft.com/office/drawing/2018/sketchyshapes" sd="2727557108">
+                  <a:prstGeom prst="rect">
+                    <a:avLst/>
+                  </a:prstGeom>
+                  <ask:type>
+                    <ask:lineSketchFreehand/>
+                  </ask:type>
+                </ask:lineSketchStyleProps>
+              </a:ext>
+            </a:extLst>
+          </a:ln>
+        </p:spPr>
+        <p:style>
+          <a:lnRef idx="2">
+            <a:schemeClr val="accent1">
+              <a:shade val="50000"/>
+            </a:schemeClr>
+          </a:lnRef>
+          <a:fillRef idx="1">
+            <a:schemeClr val="accent1"/>
+          </a:fillRef>
+          <a:effectRef idx="0">
+            <a:schemeClr val="accent1"/>
+          </a:effectRef>
+          <a:fontRef idx="minor">
+            <a:schemeClr val="lt1"/>
+          </a:fontRef>
+        </p:style>
+        <p:txBody>
+          <a:bodyPr rtlCol="0" anchor="ctr"/>
+          <a:lstStyle/>
+          <a:p>
+            <a:pPr algn="ctr"/>
+            <a:endParaRPr lang="en-US"/>
+          </a:p>
+        </p:txBody>
+      </p:sp>
+      <p:sp>
+        <p:nvSpPr>
+          <p:cNvPr id="3" name="Content Placeholder 2">
+            <a:extLst>
+              <a:ext uri="{FF2B5EF4-FFF2-40B4-BE49-F238E27FC236}">
+                <a16:creationId xmlns:a16="http://schemas.microsoft.com/office/drawing/2014/main" id="{9482E84A-BDAD-C72C-F004-13D054A6BB29}"/>
+              </a:ext>
+            </a:extLst>
+          </p:cNvPr>
+          <p:cNvSpPr>
+            <a:spLocks noGrp="1"/>
+          </p:cNvSpPr>
+          <p:nvPr>
+            <p:ph idx="1"/>
+          </p:nvPr>
+        </p:nvSpPr>
+        <p:spPr>
+          <a:xfrm>
+            <a:off x="640080" y="2706624"/>
+            <a:ext cx="6894576" cy="3483864"/>
+          </a:xfrm>
+        </p:spPr>
+        <p:txBody>
+          <a:bodyPr>
+            <a:normAutofit/>
+          </a:bodyPr>
+          <a:lstStyle/>
+          <a:p>
+            <a:r>
+              <a:rPr lang="en-US" sz="2200"/>
+              <a:t>Juan Pablo Tarquino </a:t>
+            </a:r>
+          </a:p>
+          <a:p>
+            <a:r>
+              <a:rPr lang="en-US" sz="2200"/>
+              <a:t>Software Developer with about 20 years of experience</a:t>
+            </a:r>
+          </a:p>
+          <a:p>
+            <a:pPr lvl="1"/>
+            <a:r>
+              <a:rPr lang="en-US" sz="2200"/>
+              <a:t>LinkedIn</a:t>
+            </a:r>
+          </a:p>
+          <a:p>
+            <a:pPr lvl="2"/>
+            <a:r>
+              <a:rPr lang="en-US" sz="2200">
+                <a:hlinkClick r:id="rId3"/>
+              </a:rPr>
+              <a:t>https://www.linkedin.com/in/juantarquino</a:t>
+            </a:r>
+            <a:r>
+              <a:rPr lang="en-US" sz="2200"/>
+              <a:t> </a:t>
+            </a:r>
+          </a:p>
+          <a:p>
+            <a:pPr lvl="1"/>
+            <a:r>
+              <a:rPr lang="en-US" sz="2200"/>
+              <a:t>Blog (not updated often </a:t>
+            </a:r>
+            <a:r>
+              <a:rPr lang="en-US" sz="2200">
+                <a:sym typeface="Wingdings" panose="05000000000000000000" pitchFamily="2" charset="2"/>
+              </a:rPr>
+              <a:t> </a:t>
+            </a:r>
+            <a:r>
+              <a:rPr lang="en-US" sz="2200"/>
+              <a:t>)</a:t>
+            </a:r>
+          </a:p>
+          <a:p>
+            <a:pPr lvl="2"/>
+            <a:r>
+              <a:rPr lang="en-US" sz="2200">
+                <a:hlinkClick r:id="rId4"/>
+              </a:rPr>
+              <a:t>https://jptarqu.blogspot.com</a:t>
+            </a:r>
+            <a:r>
+              <a:rPr lang="en-US" sz="2200"/>
+              <a:t>  </a:t>
+            </a:r>
+          </a:p>
+          <a:p>
+            <a:r>
+              <a:rPr lang="en-US" sz="2200"/>
+              <a:t>Sample repo for this session: </a:t>
+            </a:r>
+          </a:p>
+          <a:p>
+            <a:pPr lvl="1"/>
+            <a:r>
+              <a:rPr lang="en-US" sz="2200">
+                <a:hlinkClick r:id="rId5"/>
+              </a:rPr>
+              <a:t>https://tinyurl.com/SqlProjCodeCamp</a:t>
+            </a:r>
+            <a:r>
+              <a:rPr lang="en-US" sz="2200"/>
+              <a:t> </a:t>
+            </a:r>
+          </a:p>
+          <a:p>
+            <a:endParaRPr lang="en-US" sz="2200"/>
+          </a:p>
+        </p:txBody>
+      </p:sp>
+      <p:pic>
+        <p:nvPicPr>
+          <p:cNvPr id="5" name="Picture 4" descr="A qr code on a white background&#10;&#10;AI-generated content may be incorrect.">
+            <a:extLst>
+              <a:ext uri="{FF2B5EF4-FFF2-40B4-BE49-F238E27FC236}">
+                <a16:creationId xmlns:a16="http://schemas.microsoft.com/office/drawing/2014/main" id="{35238C83-F6D3-F395-6843-B70E3E50C472}"/>
+              </a:ext>
+            </a:extLst>
+          </p:cNvPr>
+          <p:cNvPicPr>
+            <a:picLocks noChangeAspect="1"/>
+          </p:cNvPicPr>
+          <p:nvPr/>
+        </p:nvPicPr>
+        <p:blipFill>
+          <a:blip r:embed="rId6">
+            <a:extLst>
+              <a:ext uri="{28A0092B-C50C-407E-A947-70E740481C1C}">
+                <a14:useLocalDpi xmlns:a14="http://schemas.microsoft.com/office/drawing/2010/main" val="0"/>
+              </a:ext>
+            </a:extLst>
+          </a:blip>
+          <a:srcRect l="2234" r="1194"/>
+          <a:stretch/>
+        </p:blipFill>
+        <p:spPr>
+          <a:xfrm>
+            <a:off x="8156454" y="-7"/>
+            <a:ext cx="4035547" cy="4178808"/>
+          </a:xfrm>
+          <a:custGeom>
+            <a:avLst/>
+            <a:gdLst/>
+            <a:ahLst/>
+            <a:cxnLst/>
+            <a:rect l="l" t="t" r="r" b="b"/>
+            <a:pathLst>
+              <a:path w="4035547" h="4178808">
+                <a:moveTo>
+                  <a:pt x="14988" y="0"/>
+                </a:moveTo>
+                <a:lnTo>
+                  <a:pt x="4035547" y="0"/>
+                </a:lnTo>
+                <a:lnTo>
+                  <a:pt x="4035547" y="4161794"/>
+                </a:lnTo>
+                <a:lnTo>
+                  <a:pt x="3918602" y="4164199"/>
+                </a:lnTo>
+                <a:cubicBezTo>
+                  <a:pt x="3673497" y="4178956"/>
+                  <a:pt x="3428120" y="4172295"/>
+                  <a:pt x="3183014" y="4175560"/>
+                </a:cubicBezTo>
+                <a:cubicBezTo>
+                  <a:pt x="2855121" y="4180001"/>
+                  <a:pt x="2527499" y="4168639"/>
+                  <a:pt x="2199742" y="4167595"/>
+                </a:cubicBezTo>
+                <a:cubicBezTo>
+                  <a:pt x="2132562" y="4167334"/>
+                  <a:pt x="2065110" y="4170729"/>
+                  <a:pt x="1998202" y="4175952"/>
+                </a:cubicBezTo>
+                <a:cubicBezTo>
+                  <a:pt x="1905507" y="4183005"/>
+                  <a:pt x="1814033" y="4174124"/>
+                  <a:pt x="1722153" y="4165766"/>
+                </a:cubicBezTo>
+                <a:cubicBezTo>
+                  <a:pt x="1611407" y="4155711"/>
+                  <a:pt x="1500933" y="4164591"/>
+                  <a:pt x="1390867" y="4176214"/>
+                </a:cubicBezTo>
+                <a:lnTo>
+                  <a:pt x="1348076" y="4178808"/>
+                </a:lnTo>
+                <a:lnTo>
+                  <a:pt x="597587" y="4178808"/>
+                </a:lnTo>
+                <a:lnTo>
+                  <a:pt x="507890" y="4175773"/>
+                </a:lnTo>
+                <a:cubicBezTo>
+                  <a:pt x="403218" y="4174810"/>
+                  <a:pt x="298546" y="4175691"/>
+                  <a:pt x="193840" y="4176214"/>
+                </a:cubicBezTo>
+                <a:lnTo>
+                  <a:pt x="2757" y="4175742"/>
+                </a:lnTo>
+                <a:lnTo>
+                  <a:pt x="2810" y="4034870"/>
+                </a:lnTo>
+                <a:cubicBezTo>
+                  <a:pt x="5629" y="3979851"/>
+                  <a:pt x="10539" y="3924896"/>
+                  <a:pt x="15416" y="3870068"/>
+                </a:cubicBezTo>
+                <a:cubicBezTo>
+                  <a:pt x="23018" y="3799731"/>
+                  <a:pt x="25045" y="3728899"/>
+                  <a:pt x="21498" y="3658244"/>
+                </a:cubicBezTo>
+                <a:cubicBezTo>
+                  <a:pt x="17063" y="3602147"/>
+                  <a:pt x="10095" y="3546050"/>
+                  <a:pt x="8828" y="3489953"/>
+                </a:cubicBezTo>
+                <a:cubicBezTo>
+                  <a:pt x="6548" y="3389688"/>
+                  <a:pt x="7434" y="3289424"/>
+                  <a:pt x="13262" y="3189160"/>
+                </a:cubicBezTo>
+                <a:cubicBezTo>
+                  <a:pt x="16176" y="3138901"/>
+                  <a:pt x="20864" y="3089150"/>
+                  <a:pt x="22891" y="3038510"/>
+                </a:cubicBezTo>
+                <a:cubicBezTo>
+                  <a:pt x="24918" y="2987870"/>
+                  <a:pt x="28973" y="2936723"/>
+                  <a:pt x="17444" y="2887098"/>
+                </a:cubicBezTo>
+                <a:cubicBezTo>
+                  <a:pt x="-2068" y="2802699"/>
+                  <a:pt x="12249" y="2718680"/>
+                  <a:pt x="16430" y="2634534"/>
+                </a:cubicBezTo>
+                <a:cubicBezTo>
+                  <a:pt x="18964" y="2582244"/>
+                  <a:pt x="34168" y="2528685"/>
+                  <a:pt x="20738" y="2477919"/>
+                </a:cubicBezTo>
+                <a:cubicBezTo>
+                  <a:pt x="-421" y="2398342"/>
+                  <a:pt x="13389" y="2320415"/>
+                  <a:pt x="20738" y="2242107"/>
+                </a:cubicBezTo>
+                <a:cubicBezTo>
+                  <a:pt x="29213" y="2168001"/>
+                  <a:pt x="27718" y="2093082"/>
+                  <a:pt x="16303" y="2019369"/>
+                </a:cubicBezTo>
+                <a:cubicBezTo>
+                  <a:pt x="1986" y="1946239"/>
+                  <a:pt x="1986" y="1871028"/>
+                  <a:pt x="16303" y="1797899"/>
+                </a:cubicBezTo>
+                <a:cubicBezTo>
+                  <a:pt x="28162" y="1737537"/>
+                  <a:pt x="29530" y="1675589"/>
+                  <a:pt x="20357" y="1614758"/>
+                </a:cubicBezTo>
+                <a:cubicBezTo>
+                  <a:pt x="14149" y="1571226"/>
+                  <a:pt x="3000" y="1527947"/>
+                  <a:pt x="1480" y="1484415"/>
+                </a:cubicBezTo>
+                <a:cubicBezTo>
+                  <a:pt x="-1662" y="1393377"/>
+                  <a:pt x="200" y="1302238"/>
+                  <a:pt x="7055" y="1211417"/>
+                </a:cubicBezTo>
+                <a:cubicBezTo>
+                  <a:pt x="15036" y="1107980"/>
+                  <a:pt x="30366" y="1004923"/>
+                  <a:pt x="19724" y="900725"/>
+                </a:cubicBezTo>
+                <a:cubicBezTo>
+                  <a:pt x="16050" y="864934"/>
+                  <a:pt x="8575" y="829270"/>
+                  <a:pt x="7815" y="793353"/>
+                </a:cubicBezTo>
+                <a:cubicBezTo>
+                  <a:pt x="6168" y="726087"/>
+                  <a:pt x="5407" y="659710"/>
+                  <a:pt x="9208" y="590286"/>
+                </a:cubicBezTo>
+                <a:cubicBezTo>
+                  <a:pt x="13009" y="520863"/>
+                  <a:pt x="27452" y="450424"/>
+                  <a:pt x="17697" y="382270"/>
+                </a:cubicBezTo>
+                <a:cubicBezTo>
+                  <a:pt x="7941" y="314115"/>
+                  <a:pt x="14276" y="247103"/>
+                  <a:pt x="20611" y="180218"/>
+                </a:cubicBezTo>
+                <a:cubicBezTo>
+                  <a:pt x="23652" y="148426"/>
+                  <a:pt x="25711" y="116982"/>
+                  <a:pt x="25156" y="85665"/>
+                </a:cubicBezTo>
+                <a:close/>
+              </a:path>
+            </a:pathLst>
+          </a:custGeom>
+        </p:spPr>
+      </p:pic>
+      <p:pic>
+        <p:nvPicPr>
+          <p:cNvPr id="7" name="Picture 6">
+            <a:extLst>
+              <a:ext uri="{FF2B5EF4-FFF2-40B4-BE49-F238E27FC236}">
+                <a16:creationId xmlns:a16="http://schemas.microsoft.com/office/drawing/2014/main" id="{685DA20C-00C6-81E7-993F-496E86E2B133}"/>
+              </a:ext>
+            </a:extLst>
+          </p:cNvPr>
+          <p:cNvPicPr>
+            <a:picLocks noChangeAspect="1"/>
+          </p:cNvPicPr>
+          <p:nvPr/>
+        </p:nvPicPr>
+        <p:blipFill>
+          <a:blip r:embed="rId7"/>
+          <a:srcRect t="24668" r="-4" b="15002"/>
+          <a:stretch/>
+        </p:blipFill>
+        <p:spPr>
+          <a:xfrm>
+            <a:off x="8144356" y="4267201"/>
+            <a:ext cx="4047645" cy="2590808"/>
+          </a:xfrm>
+          <a:custGeom>
+            <a:avLst/>
+            <a:gdLst/>
+            <a:ahLst/>
+            <a:cxnLst/>
+            <a:rect l="l" t="t" r="r" b="b"/>
+            <a:pathLst>
+              <a:path w="4047645" h="2495811">
+                <a:moveTo>
+                  <a:pt x="2441891" y="4"/>
+                </a:moveTo>
+                <a:cubicBezTo>
+                  <a:pt x="2489381" y="-78"/>
+                  <a:pt x="2536882" y="1163"/>
+                  <a:pt x="2584383" y="4428"/>
+                </a:cubicBezTo>
+                <a:cubicBezTo>
+                  <a:pt x="2744314" y="17813"/>
+                  <a:pt x="2904989" y="21079"/>
+                  <a:pt x="3065367" y="14222"/>
+                </a:cubicBezTo>
+                <a:cubicBezTo>
+                  <a:pt x="3194244" y="5694"/>
+                  <a:pt x="3323514" y="4206"/>
+                  <a:pt x="3452568" y="9782"/>
+                </a:cubicBezTo>
+                <a:cubicBezTo>
+                  <a:pt x="3572813" y="16442"/>
+                  <a:pt x="3693059" y="23233"/>
+                  <a:pt x="3813712" y="19315"/>
+                </a:cubicBezTo>
+                <a:cubicBezTo>
+                  <a:pt x="3861755" y="17748"/>
+                  <a:pt x="3909121" y="15789"/>
+                  <a:pt x="3956758" y="13177"/>
+                </a:cubicBezTo>
+                <a:lnTo>
+                  <a:pt x="4047645" y="9696"/>
+                </a:lnTo>
+                <a:lnTo>
+                  <a:pt x="4047645" y="2495811"/>
+                </a:lnTo>
+                <a:lnTo>
+                  <a:pt x="28177" y="2495811"/>
+                </a:lnTo>
+                <a:lnTo>
+                  <a:pt x="28782" y="2485852"/>
+                </a:lnTo>
+                <a:cubicBezTo>
+                  <a:pt x="31911" y="2365446"/>
+                  <a:pt x="35027" y="2245002"/>
+                  <a:pt x="38157" y="2124521"/>
+                </a:cubicBezTo>
+                <a:cubicBezTo>
+                  <a:pt x="38284" y="2119444"/>
+                  <a:pt x="39171" y="2114494"/>
+                  <a:pt x="39171" y="2109417"/>
+                </a:cubicBezTo>
+                <a:cubicBezTo>
+                  <a:pt x="48166" y="1995573"/>
+                  <a:pt x="53107" y="1881729"/>
+                  <a:pt x="18899" y="1770550"/>
+                </a:cubicBezTo>
+                <a:cubicBezTo>
+                  <a:pt x="15871" y="1760104"/>
+                  <a:pt x="14262" y="1749304"/>
+                  <a:pt x="14084" y="1738440"/>
+                </a:cubicBezTo>
+                <a:cubicBezTo>
+                  <a:pt x="12413" y="1641514"/>
+                  <a:pt x="16644" y="1544587"/>
+                  <a:pt x="26754" y="1448181"/>
+                </a:cubicBezTo>
+                <a:cubicBezTo>
+                  <a:pt x="31949" y="1389038"/>
+                  <a:pt x="26754" y="1329006"/>
+                  <a:pt x="43478" y="1270498"/>
+                </a:cubicBezTo>
+                <a:cubicBezTo>
+                  <a:pt x="50864" y="1241421"/>
+                  <a:pt x="55109" y="1211634"/>
+                  <a:pt x="56147" y="1181656"/>
+                </a:cubicBezTo>
+                <a:cubicBezTo>
+                  <a:pt x="59948" y="1109060"/>
+                  <a:pt x="38537" y="1040779"/>
+                  <a:pt x="18139" y="972244"/>
+                </a:cubicBezTo>
+                <a:cubicBezTo>
+                  <a:pt x="7370" y="935945"/>
+                  <a:pt x="-5426" y="898886"/>
+                  <a:pt x="2429" y="860811"/>
+                </a:cubicBezTo>
+                <a:cubicBezTo>
+                  <a:pt x="16707" y="802251"/>
+                  <a:pt x="24854" y="742359"/>
+                  <a:pt x="26754" y="682112"/>
+                </a:cubicBezTo>
+                <a:cubicBezTo>
+                  <a:pt x="26754" y="639468"/>
+                  <a:pt x="16365" y="597712"/>
+                  <a:pt x="20039" y="555195"/>
+                </a:cubicBezTo>
+                <a:cubicBezTo>
+                  <a:pt x="28211" y="472712"/>
+                  <a:pt x="30238" y="389734"/>
+                  <a:pt x="26121" y="306946"/>
+                </a:cubicBezTo>
+                <a:cubicBezTo>
+                  <a:pt x="26095" y="273846"/>
+                  <a:pt x="29846" y="240848"/>
+                  <a:pt x="37270" y="208585"/>
+                </a:cubicBezTo>
+                <a:cubicBezTo>
+                  <a:pt x="46506" y="151651"/>
+                  <a:pt x="48419" y="93777"/>
+                  <a:pt x="42971" y="36360"/>
+                </a:cubicBezTo>
+                <a:lnTo>
+                  <a:pt x="38853" y="8429"/>
+                </a:lnTo>
+                <a:lnTo>
+                  <a:pt x="56649" y="7824"/>
+                </a:lnTo>
+                <a:cubicBezTo>
+                  <a:pt x="210497" y="-156"/>
+                  <a:pt x="364754" y="3162"/>
+                  <a:pt x="518087" y="17748"/>
+                </a:cubicBezTo>
+                <a:cubicBezTo>
+                  <a:pt x="626567" y="25440"/>
+                  <a:pt x="735534" y="24213"/>
+                  <a:pt x="843809" y="14092"/>
+                </a:cubicBezTo>
+                <a:cubicBezTo>
+                  <a:pt x="1042499" y="-1711"/>
+                  <a:pt x="1240782" y="10958"/>
+                  <a:pt x="1439065" y="21666"/>
+                </a:cubicBezTo>
+                <a:cubicBezTo>
+                  <a:pt x="1631105" y="32113"/>
+                  <a:pt x="1823010" y="24408"/>
+                  <a:pt x="2015050" y="17487"/>
+                </a:cubicBezTo>
+                <a:cubicBezTo>
+                  <a:pt x="2157045" y="12394"/>
+                  <a:pt x="2299420" y="249"/>
+                  <a:pt x="2441891" y="4"/>
+                </a:cubicBezTo>
+                <a:close/>
+              </a:path>
+            </a:pathLst>
+          </a:custGeom>
+        </p:spPr>
+      </p:pic>
+    </p:spTree>
+    <p:extLst>
+      <p:ext uri="{BB962C8B-B14F-4D97-AF65-F5344CB8AC3E}">
+        <p14:creationId xmlns:p14="http://schemas.microsoft.com/office/powerpoint/2010/main" val="1528468167"/>
+      </p:ext>
+    </p:extLst>
+  </p:cSld>
+  <p:clrMapOvr>
+    <a:masterClrMapping/>
+  </p:clrMapOvr>
+</p:sld>
+</file>
+
+<file path=ppt/slides/slide20.xml><?xml version="1.0" encoding="utf-8"?>
 <p:sld xmlns:a="http://schemas.openxmlformats.org/drawingml/2006/main" xmlns:r="http://schemas.openxmlformats.org/officeDocument/2006/relationships" xmlns:p="http://schemas.openxmlformats.org/presentationml/2006/main">
   <p:cSld>
     <p:bg>
@@ -19356,7 +21474,7 @@
 </p:sld>
 </file>
 
-<file path=ppt/slides/slide19.xml><?xml version="1.0" encoding="utf-8"?>
+<file path=ppt/slides/slide21.xml><?xml version="1.0" encoding="utf-8"?>
 <p:sld xmlns:a="http://schemas.openxmlformats.org/drawingml/2006/main" xmlns:r="http://schemas.openxmlformats.org/officeDocument/2006/relationships" xmlns:p="http://schemas.openxmlformats.org/presentationml/2006/main">
   <p:cSld>
     <p:bg>
@@ -20174,976 +22292,7 @@
 </p:sld>
 </file>
 
-<file path=ppt/slides/slide2.xml><?xml version="1.0" encoding="utf-8"?>
-<p:sld xmlns:a="http://schemas.openxmlformats.org/drawingml/2006/main" xmlns:r="http://schemas.openxmlformats.org/officeDocument/2006/relationships" xmlns:p="http://schemas.openxmlformats.org/presentationml/2006/main">
-  <p:cSld>
-    <p:bg>
-      <p:bgPr>
-        <a:solidFill>
-          <a:schemeClr val="bg1"/>
-        </a:solidFill>
-        <a:effectLst/>
-      </p:bgPr>
-    </p:bg>
-    <p:spTree>
-      <p:nvGrpSpPr>
-        <p:cNvPr id="1" name=""/>
-        <p:cNvGrpSpPr/>
-        <p:nvPr/>
-      </p:nvGrpSpPr>
-      <p:grpSpPr>
-        <a:xfrm>
-          <a:off x="0" y="0"/>
-          <a:ext cx="0" cy="0"/>
-          <a:chOff x="0" y="0"/>
-          <a:chExt cx="0" cy="0"/>
-        </a:xfrm>
-      </p:grpSpPr>
-      <p:sp useBgFill="1">
-        <p:nvSpPr>
-          <p:cNvPr id="12" name="Rectangle 11">
-            <a:extLst>
-              <a:ext uri="{FF2B5EF4-FFF2-40B4-BE49-F238E27FC236}">
-                <a16:creationId xmlns:a16="http://schemas.microsoft.com/office/drawing/2014/main" id="{394842B0-684D-44CC-B4BC-D13331CFD290}"/>
-              </a:ext>
-              <a:ext uri="{C183D7F6-B498-43B3-948B-1728B52AA6E4}">
-                <adec:decorative xmlns:adec="http://schemas.microsoft.com/office/drawing/2017/decorative" val="1"/>
-              </a:ext>
-            </a:extLst>
-          </p:cNvPr>
-          <p:cNvSpPr>
-            <a:spLocks noGrp="1" noRot="1" noChangeAspect="1" noMove="1" noResize="1" noEditPoints="1" noAdjustHandles="1" noChangeArrowheads="1" noChangeShapeType="1" noTextEdit="1"/>
-          </p:cNvSpPr>
-          <p:nvPr>
-            <p:extLst>
-              <p:ext uri="{386F3935-93C4-4BCD-93E2-E3B085C9AB24}">
-                <p16:designElem xmlns:p16="http://schemas.microsoft.com/office/powerpoint/2015/main" val="1"/>
-              </p:ext>
-            </p:extLst>
-          </p:nvPr>
-        </p:nvSpPr>
-        <p:spPr>
-          <a:xfrm>
-            <a:off x="0" y="0"/>
-            <a:ext cx="12188952" cy="6858000"/>
-          </a:xfrm>
-          <a:prstGeom prst="rect">
-            <a:avLst/>
-          </a:prstGeom>
-          <a:ln>
-            <a:noFill/>
-          </a:ln>
-        </p:spPr>
-        <p:style>
-          <a:lnRef idx="2">
-            <a:schemeClr val="accent1">
-              <a:shade val="50000"/>
-            </a:schemeClr>
-          </a:lnRef>
-          <a:fillRef idx="1">
-            <a:schemeClr val="accent1"/>
-          </a:fillRef>
-          <a:effectRef idx="0">
-            <a:schemeClr val="accent1"/>
-          </a:effectRef>
-          <a:fontRef idx="minor">
-            <a:schemeClr val="lt1"/>
-          </a:fontRef>
-        </p:style>
-        <p:txBody>
-          <a:bodyPr rtlCol="0" anchor="ctr"/>
-          <a:lstStyle/>
-          <a:p>
-            <a:pPr algn="ctr"/>
-            <a:endParaRPr lang="en-US"/>
-          </a:p>
-        </p:txBody>
-      </p:sp>
-      <p:sp>
-        <p:nvSpPr>
-          <p:cNvPr id="2" name="Title 1">
-            <a:extLst>
-              <a:ext uri="{FF2B5EF4-FFF2-40B4-BE49-F238E27FC236}">
-                <a16:creationId xmlns:a16="http://schemas.microsoft.com/office/drawing/2014/main" id="{B340EC05-4BE2-0827-7AA6-45C23C981DF4}"/>
-              </a:ext>
-            </a:extLst>
-          </p:cNvPr>
-          <p:cNvSpPr>
-            <a:spLocks noGrp="1"/>
-          </p:cNvSpPr>
-          <p:nvPr>
-            <p:ph type="title"/>
-          </p:nvPr>
-        </p:nvSpPr>
-        <p:spPr>
-          <a:xfrm>
-            <a:off x="640080" y="329184"/>
-            <a:ext cx="6894576" cy="1783080"/>
-          </a:xfrm>
-        </p:spPr>
-        <p:txBody>
-          <a:bodyPr anchor="b">
-            <a:normAutofit/>
-          </a:bodyPr>
-          <a:lstStyle/>
-          <a:p>
-            <a:r>
-              <a:rPr lang="en-US" sz="6600"/>
-              <a:t>Intro</a:t>
-            </a:r>
-          </a:p>
-        </p:txBody>
-      </p:sp>
-      <p:sp>
-        <p:nvSpPr>
-          <p:cNvPr id="14" name="sketch line">
-            <a:extLst>
-              <a:ext uri="{FF2B5EF4-FFF2-40B4-BE49-F238E27FC236}">
-                <a16:creationId xmlns:a16="http://schemas.microsoft.com/office/drawing/2014/main" id="{4C2A3DC3-F495-4B99-9FF3-3FB30D63235E}"/>
-              </a:ext>
-              <a:ext uri="{C183D7F6-B498-43B3-948B-1728B52AA6E4}">
-                <adec:decorative xmlns:adec="http://schemas.microsoft.com/office/drawing/2017/decorative" val="1"/>
-              </a:ext>
-            </a:extLst>
-          </p:cNvPr>
-          <p:cNvSpPr>
-            <a:spLocks noGrp="1" noRot="1" noChangeAspect="1" noMove="1" noResize="1" noEditPoints="1" noAdjustHandles="1" noChangeArrowheads="1" noChangeShapeType="1" noTextEdit="1"/>
-          </p:cNvSpPr>
-          <p:nvPr>
-            <p:extLst>
-              <p:ext uri="{386F3935-93C4-4BCD-93E2-E3B085C9AB24}">
-                <p16:designElem xmlns:p16="http://schemas.microsoft.com/office/powerpoint/2015/main" val="1"/>
-              </p:ext>
-            </p:extLst>
-          </p:nvPr>
-        </p:nvSpPr>
-        <p:spPr>
-          <a:xfrm>
-            <a:off x="758952" y="2395728"/>
-            <a:ext cx="4243589" cy="18288"/>
-          </a:xfrm>
-          <a:custGeom>
-            <a:avLst/>
-            <a:gdLst>
-              <a:gd name="connsiteX0" fmla="*/ 0 w 4243589"/>
-              <a:gd name="connsiteY0" fmla="*/ 0 h 18288"/>
-              <a:gd name="connsiteX1" fmla="*/ 478919 w 4243589"/>
-              <a:gd name="connsiteY1" fmla="*/ 0 h 18288"/>
-              <a:gd name="connsiteX2" fmla="*/ 957839 w 4243589"/>
-              <a:gd name="connsiteY2" fmla="*/ 0 h 18288"/>
-              <a:gd name="connsiteX3" fmla="*/ 1521630 w 4243589"/>
-              <a:gd name="connsiteY3" fmla="*/ 0 h 18288"/>
-              <a:gd name="connsiteX4" fmla="*/ 2212729 w 4243589"/>
-              <a:gd name="connsiteY4" fmla="*/ 0 h 18288"/>
-              <a:gd name="connsiteX5" fmla="*/ 2734084 w 4243589"/>
-              <a:gd name="connsiteY5" fmla="*/ 0 h 18288"/>
-              <a:gd name="connsiteX6" fmla="*/ 3255439 w 4243589"/>
-              <a:gd name="connsiteY6" fmla="*/ 0 h 18288"/>
-              <a:gd name="connsiteX7" fmla="*/ 4243589 w 4243589"/>
-              <a:gd name="connsiteY7" fmla="*/ 0 h 18288"/>
-              <a:gd name="connsiteX8" fmla="*/ 4243589 w 4243589"/>
-              <a:gd name="connsiteY8" fmla="*/ 18288 h 18288"/>
-              <a:gd name="connsiteX9" fmla="*/ 3594926 w 4243589"/>
-              <a:gd name="connsiteY9" fmla="*/ 18288 h 18288"/>
-              <a:gd name="connsiteX10" fmla="*/ 3073571 w 4243589"/>
-              <a:gd name="connsiteY10" fmla="*/ 18288 h 18288"/>
-              <a:gd name="connsiteX11" fmla="*/ 2552216 w 4243589"/>
-              <a:gd name="connsiteY11" fmla="*/ 18288 h 18288"/>
-              <a:gd name="connsiteX12" fmla="*/ 1903553 w 4243589"/>
-              <a:gd name="connsiteY12" fmla="*/ 18288 h 18288"/>
-              <a:gd name="connsiteX13" fmla="*/ 1212454 w 4243589"/>
-              <a:gd name="connsiteY13" fmla="*/ 18288 h 18288"/>
-              <a:gd name="connsiteX14" fmla="*/ 733535 w 4243589"/>
-              <a:gd name="connsiteY14" fmla="*/ 18288 h 18288"/>
-              <a:gd name="connsiteX15" fmla="*/ 0 w 4243589"/>
-              <a:gd name="connsiteY15" fmla="*/ 18288 h 18288"/>
-              <a:gd name="connsiteX16" fmla="*/ 0 w 4243589"/>
-              <a:gd name="connsiteY16" fmla="*/ 0 h 18288"/>
-            </a:gdLst>
-            <a:ahLst/>
-            <a:cxnLst>
-              <a:cxn ang="0">
-                <a:pos x="connsiteX0" y="connsiteY0"/>
-              </a:cxn>
-              <a:cxn ang="0">
-                <a:pos x="connsiteX1" y="connsiteY1"/>
-              </a:cxn>
-              <a:cxn ang="0">
-                <a:pos x="connsiteX2" y="connsiteY2"/>
-              </a:cxn>
-              <a:cxn ang="0">
-                <a:pos x="connsiteX3" y="connsiteY3"/>
-              </a:cxn>
-              <a:cxn ang="0">
-                <a:pos x="connsiteX4" y="connsiteY4"/>
-              </a:cxn>
-              <a:cxn ang="0">
-                <a:pos x="connsiteX5" y="connsiteY5"/>
-              </a:cxn>
-              <a:cxn ang="0">
-                <a:pos x="connsiteX6" y="connsiteY6"/>
-              </a:cxn>
-              <a:cxn ang="0">
-                <a:pos x="connsiteX7" y="connsiteY7"/>
-              </a:cxn>
-              <a:cxn ang="0">
-                <a:pos x="connsiteX8" y="connsiteY8"/>
-              </a:cxn>
-              <a:cxn ang="0">
-                <a:pos x="connsiteX9" y="connsiteY9"/>
-              </a:cxn>
-              <a:cxn ang="0">
-                <a:pos x="connsiteX10" y="connsiteY10"/>
-              </a:cxn>
-              <a:cxn ang="0">
-                <a:pos x="connsiteX11" y="connsiteY11"/>
-              </a:cxn>
-              <a:cxn ang="0">
-                <a:pos x="connsiteX12" y="connsiteY12"/>
-              </a:cxn>
-              <a:cxn ang="0">
-                <a:pos x="connsiteX13" y="connsiteY13"/>
-              </a:cxn>
-              <a:cxn ang="0">
-                <a:pos x="connsiteX14" y="connsiteY14"/>
-              </a:cxn>
-              <a:cxn ang="0">
-                <a:pos x="connsiteX15" y="connsiteY15"/>
-              </a:cxn>
-              <a:cxn ang="0">
-                <a:pos x="connsiteX16" y="connsiteY16"/>
-              </a:cxn>
-            </a:cxnLst>
-            <a:rect l="l" t="t" r="r" b="b"/>
-            <a:pathLst>
-              <a:path w="4243589" h="18288" fill="none" extrusionOk="0">
-                <a:moveTo>
-                  <a:pt x="0" y="0"/>
-                </a:moveTo>
-                <a:cubicBezTo>
-                  <a:pt x="213395" y="-21006"/>
-                  <a:pt x="307421" y="-18116"/>
-                  <a:pt x="478919" y="0"/>
-                </a:cubicBezTo>
-                <a:cubicBezTo>
-                  <a:pt x="650417" y="18116"/>
-                  <a:pt x="831092" y="-21237"/>
-                  <a:pt x="957839" y="0"/>
-                </a:cubicBezTo>
-                <a:cubicBezTo>
-                  <a:pt x="1084586" y="21237"/>
-                  <a:pt x="1301682" y="25124"/>
-                  <a:pt x="1521630" y="0"/>
-                </a:cubicBezTo>
-                <a:cubicBezTo>
-                  <a:pt x="1741578" y="-25124"/>
-                  <a:pt x="1970269" y="-29139"/>
-                  <a:pt x="2212729" y="0"/>
-                </a:cubicBezTo>
-                <a:cubicBezTo>
-                  <a:pt x="2455189" y="29139"/>
-                  <a:pt x="2558847" y="-4796"/>
-                  <a:pt x="2734084" y="0"/>
-                </a:cubicBezTo>
-                <a:cubicBezTo>
-                  <a:pt x="2909321" y="4796"/>
-                  <a:pt x="3097217" y="-13409"/>
-                  <a:pt x="3255439" y="0"/>
-                </a:cubicBezTo>
-                <a:cubicBezTo>
-                  <a:pt x="3413662" y="13409"/>
-                  <a:pt x="3979999" y="-10121"/>
-                  <a:pt x="4243589" y="0"/>
-                </a:cubicBezTo>
-                <a:cubicBezTo>
-                  <a:pt x="4244484" y="8974"/>
-                  <a:pt x="4243043" y="9359"/>
-                  <a:pt x="4243589" y="18288"/>
-                </a:cubicBezTo>
-                <a:cubicBezTo>
-                  <a:pt x="4058777" y="31246"/>
-                  <a:pt x="3910348" y="3158"/>
-                  <a:pt x="3594926" y="18288"/>
-                </a:cubicBezTo>
-                <a:cubicBezTo>
-                  <a:pt x="3279504" y="33418"/>
-                  <a:pt x="3319955" y="-3977"/>
-                  <a:pt x="3073571" y="18288"/>
-                </a:cubicBezTo>
-                <a:cubicBezTo>
-                  <a:pt x="2827187" y="40553"/>
-                  <a:pt x="2767387" y="1863"/>
-                  <a:pt x="2552216" y="18288"/>
-                </a:cubicBezTo>
-                <a:cubicBezTo>
-                  <a:pt x="2337046" y="34713"/>
-                  <a:pt x="2181871" y="19527"/>
-                  <a:pt x="1903553" y="18288"/>
-                </a:cubicBezTo>
-                <a:cubicBezTo>
-                  <a:pt x="1625235" y="17049"/>
-                  <a:pt x="1557672" y="24174"/>
-                  <a:pt x="1212454" y="18288"/>
-                </a:cubicBezTo>
-                <a:cubicBezTo>
-                  <a:pt x="867236" y="12402"/>
-                  <a:pt x="874382" y="15627"/>
-                  <a:pt x="733535" y="18288"/>
-                </a:cubicBezTo>
-                <a:cubicBezTo>
-                  <a:pt x="592688" y="20949"/>
-                  <a:pt x="183477" y="14753"/>
-                  <a:pt x="0" y="18288"/>
-                </a:cubicBezTo>
-                <a:cubicBezTo>
-                  <a:pt x="-229" y="14222"/>
-                  <a:pt x="509" y="5816"/>
-                  <a:pt x="0" y="0"/>
-                </a:cubicBezTo>
-                <a:close/>
-              </a:path>
-              <a:path w="4243589" h="18288" stroke="0" extrusionOk="0">
-                <a:moveTo>
-                  <a:pt x="0" y="0"/>
-                </a:moveTo>
-                <a:cubicBezTo>
-                  <a:pt x="143690" y="16630"/>
-                  <a:pt x="266667" y="14847"/>
-                  <a:pt x="521355" y="0"/>
-                </a:cubicBezTo>
-                <a:cubicBezTo>
-                  <a:pt x="776043" y="-14847"/>
-                  <a:pt x="814491" y="-17363"/>
-                  <a:pt x="1000275" y="0"/>
-                </a:cubicBezTo>
-                <a:cubicBezTo>
-                  <a:pt x="1186059" y="17363"/>
-                  <a:pt x="1352504" y="-23507"/>
-                  <a:pt x="1521630" y="0"/>
-                </a:cubicBezTo>
-                <a:cubicBezTo>
-                  <a:pt x="1690756" y="23507"/>
-                  <a:pt x="1889525" y="5871"/>
-                  <a:pt x="2127857" y="0"/>
-                </a:cubicBezTo>
-                <a:cubicBezTo>
-                  <a:pt x="2366189" y="-5871"/>
-                  <a:pt x="2620628" y="-27997"/>
-                  <a:pt x="2776520" y="0"/>
-                </a:cubicBezTo>
-                <a:cubicBezTo>
-                  <a:pt x="2932412" y="27997"/>
-                  <a:pt x="3131683" y="-25073"/>
-                  <a:pt x="3467618" y="0"/>
-                </a:cubicBezTo>
-                <a:cubicBezTo>
-                  <a:pt x="3803553" y="25073"/>
-                  <a:pt x="4017371" y="3071"/>
-                  <a:pt x="4243589" y="0"/>
-                </a:cubicBezTo>
-                <a:cubicBezTo>
-                  <a:pt x="4243134" y="6162"/>
-                  <a:pt x="4243492" y="11775"/>
-                  <a:pt x="4243589" y="18288"/>
-                </a:cubicBezTo>
-                <a:cubicBezTo>
-                  <a:pt x="4017834" y="-5779"/>
-                  <a:pt x="3834586" y="13376"/>
-                  <a:pt x="3594926" y="18288"/>
-                </a:cubicBezTo>
-                <a:cubicBezTo>
-                  <a:pt x="3355266" y="23200"/>
-                  <a:pt x="3204179" y="2869"/>
-                  <a:pt x="2903827" y="18288"/>
-                </a:cubicBezTo>
-                <a:cubicBezTo>
-                  <a:pt x="2603475" y="33707"/>
-                  <a:pt x="2526187" y="46187"/>
-                  <a:pt x="2212729" y="18288"/>
-                </a:cubicBezTo>
-                <a:cubicBezTo>
-                  <a:pt x="1899271" y="-9611"/>
-                  <a:pt x="1966289" y="29692"/>
-                  <a:pt x="1733809" y="18288"/>
-                </a:cubicBezTo>
-                <a:cubicBezTo>
-                  <a:pt x="1501329" y="6884"/>
-                  <a:pt x="1343612" y="12492"/>
-                  <a:pt x="1085146" y="18288"/>
-                </a:cubicBezTo>
-                <a:cubicBezTo>
-                  <a:pt x="826680" y="24084"/>
-                  <a:pt x="778184" y="35607"/>
-                  <a:pt x="521355" y="18288"/>
-                </a:cubicBezTo>
-                <a:cubicBezTo>
-                  <a:pt x="264526" y="969"/>
-                  <a:pt x="120277" y="4268"/>
-                  <a:pt x="0" y="18288"/>
-                </a:cubicBezTo>
-                <a:cubicBezTo>
-                  <a:pt x="766" y="10800"/>
-                  <a:pt x="-457" y="8180"/>
-                  <a:pt x="0" y="0"/>
-                </a:cubicBezTo>
-                <a:close/>
-              </a:path>
-            </a:pathLst>
-          </a:custGeom>
-          <a:solidFill>
-            <a:schemeClr val="accent2"/>
-          </a:solidFill>
-          <a:ln w="41275" cap="rnd">
-            <a:solidFill>
-              <a:schemeClr val="accent2"/>
-            </a:solidFill>
-            <a:round/>
-            <a:extLst>
-              <a:ext uri="{C807C97D-BFC1-408E-A445-0C87EB9F89A2}">
-                <ask:lineSketchStyleProps xmlns:ask="http://schemas.microsoft.com/office/drawing/2018/sketchyshapes" sd="2727557108">
-                  <a:prstGeom prst="rect">
-                    <a:avLst/>
-                  </a:prstGeom>
-                  <ask:type>
-                    <ask:lineSketchFreehand/>
-                  </ask:type>
-                </ask:lineSketchStyleProps>
-              </a:ext>
-            </a:extLst>
-          </a:ln>
-        </p:spPr>
-        <p:style>
-          <a:lnRef idx="2">
-            <a:schemeClr val="accent1">
-              <a:shade val="50000"/>
-            </a:schemeClr>
-          </a:lnRef>
-          <a:fillRef idx="1">
-            <a:schemeClr val="accent1"/>
-          </a:fillRef>
-          <a:effectRef idx="0">
-            <a:schemeClr val="accent1"/>
-          </a:effectRef>
-          <a:fontRef idx="minor">
-            <a:schemeClr val="lt1"/>
-          </a:fontRef>
-        </p:style>
-        <p:txBody>
-          <a:bodyPr rtlCol="0" anchor="ctr"/>
-          <a:lstStyle/>
-          <a:p>
-            <a:pPr algn="ctr"/>
-            <a:endParaRPr lang="en-US"/>
-          </a:p>
-        </p:txBody>
-      </p:sp>
-      <p:sp>
-        <p:nvSpPr>
-          <p:cNvPr id="3" name="Content Placeholder 2">
-            <a:extLst>
-              <a:ext uri="{FF2B5EF4-FFF2-40B4-BE49-F238E27FC236}">
-                <a16:creationId xmlns:a16="http://schemas.microsoft.com/office/drawing/2014/main" id="{9482E84A-BDAD-C72C-F004-13D054A6BB29}"/>
-              </a:ext>
-            </a:extLst>
-          </p:cNvPr>
-          <p:cNvSpPr>
-            <a:spLocks noGrp="1"/>
-          </p:cNvSpPr>
-          <p:nvPr>
-            <p:ph idx="1"/>
-          </p:nvPr>
-        </p:nvSpPr>
-        <p:spPr>
-          <a:xfrm>
-            <a:off x="640080" y="2706624"/>
-            <a:ext cx="6894576" cy="3483864"/>
-          </a:xfrm>
-        </p:spPr>
-        <p:txBody>
-          <a:bodyPr>
-            <a:normAutofit/>
-          </a:bodyPr>
-          <a:lstStyle/>
-          <a:p>
-            <a:r>
-              <a:rPr lang="en-US" sz="2200"/>
-              <a:t>Juan Pablo Tarquino </a:t>
-            </a:r>
-          </a:p>
-          <a:p>
-            <a:r>
-              <a:rPr lang="en-US" sz="2200"/>
-              <a:t>Software Developer with about 20 years of experience</a:t>
-            </a:r>
-          </a:p>
-          <a:p>
-            <a:pPr lvl="1"/>
-            <a:r>
-              <a:rPr lang="en-US" sz="2200"/>
-              <a:t>LinkedIn</a:t>
-            </a:r>
-          </a:p>
-          <a:p>
-            <a:pPr lvl="2"/>
-            <a:r>
-              <a:rPr lang="en-US" sz="2200">
-                <a:hlinkClick r:id="rId3"/>
-              </a:rPr>
-              <a:t>https://www.linkedin.com/in/juantarquino</a:t>
-            </a:r>
-            <a:r>
-              <a:rPr lang="en-US" sz="2200"/>
-              <a:t> </a:t>
-            </a:r>
-          </a:p>
-          <a:p>
-            <a:pPr lvl="1"/>
-            <a:r>
-              <a:rPr lang="en-US" sz="2200"/>
-              <a:t>Blog (not updated often </a:t>
-            </a:r>
-            <a:r>
-              <a:rPr lang="en-US" sz="2200">
-                <a:sym typeface="Wingdings" panose="05000000000000000000" pitchFamily="2" charset="2"/>
-              </a:rPr>
-              <a:t> </a:t>
-            </a:r>
-            <a:r>
-              <a:rPr lang="en-US" sz="2200"/>
-              <a:t>)</a:t>
-            </a:r>
-          </a:p>
-          <a:p>
-            <a:pPr lvl="2"/>
-            <a:r>
-              <a:rPr lang="en-US" sz="2200">
-                <a:hlinkClick r:id="rId4"/>
-              </a:rPr>
-              <a:t>https://jptarqu.blogspot.com</a:t>
-            </a:r>
-            <a:r>
-              <a:rPr lang="en-US" sz="2200"/>
-              <a:t>  </a:t>
-            </a:r>
-          </a:p>
-          <a:p>
-            <a:r>
-              <a:rPr lang="en-US" sz="2200"/>
-              <a:t>Sample repo for this session: </a:t>
-            </a:r>
-          </a:p>
-          <a:p>
-            <a:pPr lvl="1"/>
-            <a:r>
-              <a:rPr lang="en-US" sz="2200">
-                <a:hlinkClick r:id="rId5"/>
-              </a:rPr>
-              <a:t>https://tinyurl.com/SqlProjCodeCamp</a:t>
-            </a:r>
-            <a:r>
-              <a:rPr lang="en-US" sz="2200"/>
-              <a:t> </a:t>
-            </a:r>
-          </a:p>
-          <a:p>
-            <a:endParaRPr lang="en-US" sz="2200"/>
-          </a:p>
-        </p:txBody>
-      </p:sp>
-      <p:pic>
-        <p:nvPicPr>
-          <p:cNvPr id="5" name="Picture 4" descr="A qr code on a white background&#10;&#10;AI-generated content may be incorrect.">
-            <a:extLst>
-              <a:ext uri="{FF2B5EF4-FFF2-40B4-BE49-F238E27FC236}">
-                <a16:creationId xmlns:a16="http://schemas.microsoft.com/office/drawing/2014/main" id="{35238C83-F6D3-F395-6843-B70E3E50C472}"/>
-              </a:ext>
-            </a:extLst>
-          </p:cNvPr>
-          <p:cNvPicPr>
-            <a:picLocks noChangeAspect="1"/>
-          </p:cNvPicPr>
-          <p:nvPr/>
-        </p:nvPicPr>
-        <p:blipFill>
-          <a:blip r:embed="rId6">
-            <a:extLst>
-              <a:ext uri="{28A0092B-C50C-407E-A947-70E740481C1C}">
-                <a14:useLocalDpi xmlns:a14="http://schemas.microsoft.com/office/drawing/2010/main" val="0"/>
-              </a:ext>
-            </a:extLst>
-          </a:blip>
-          <a:srcRect l="2234" r="1194"/>
-          <a:stretch/>
-        </p:blipFill>
-        <p:spPr>
-          <a:xfrm>
-            <a:off x="8156454" y="-7"/>
-            <a:ext cx="4035547" cy="4178808"/>
-          </a:xfrm>
-          <a:custGeom>
-            <a:avLst/>
-            <a:gdLst/>
-            <a:ahLst/>
-            <a:cxnLst/>
-            <a:rect l="l" t="t" r="r" b="b"/>
-            <a:pathLst>
-              <a:path w="4035547" h="4178808">
-                <a:moveTo>
-                  <a:pt x="14988" y="0"/>
-                </a:moveTo>
-                <a:lnTo>
-                  <a:pt x="4035547" y="0"/>
-                </a:lnTo>
-                <a:lnTo>
-                  <a:pt x="4035547" y="4161794"/>
-                </a:lnTo>
-                <a:lnTo>
-                  <a:pt x="3918602" y="4164199"/>
-                </a:lnTo>
-                <a:cubicBezTo>
-                  <a:pt x="3673497" y="4178956"/>
-                  <a:pt x="3428120" y="4172295"/>
-                  <a:pt x="3183014" y="4175560"/>
-                </a:cubicBezTo>
-                <a:cubicBezTo>
-                  <a:pt x="2855121" y="4180001"/>
-                  <a:pt x="2527499" y="4168639"/>
-                  <a:pt x="2199742" y="4167595"/>
-                </a:cubicBezTo>
-                <a:cubicBezTo>
-                  <a:pt x="2132562" y="4167334"/>
-                  <a:pt x="2065110" y="4170729"/>
-                  <a:pt x="1998202" y="4175952"/>
-                </a:cubicBezTo>
-                <a:cubicBezTo>
-                  <a:pt x="1905507" y="4183005"/>
-                  <a:pt x="1814033" y="4174124"/>
-                  <a:pt x="1722153" y="4165766"/>
-                </a:cubicBezTo>
-                <a:cubicBezTo>
-                  <a:pt x="1611407" y="4155711"/>
-                  <a:pt x="1500933" y="4164591"/>
-                  <a:pt x="1390867" y="4176214"/>
-                </a:cubicBezTo>
-                <a:lnTo>
-                  <a:pt x="1348076" y="4178808"/>
-                </a:lnTo>
-                <a:lnTo>
-                  <a:pt x="597587" y="4178808"/>
-                </a:lnTo>
-                <a:lnTo>
-                  <a:pt x="507890" y="4175773"/>
-                </a:lnTo>
-                <a:cubicBezTo>
-                  <a:pt x="403218" y="4174810"/>
-                  <a:pt x="298546" y="4175691"/>
-                  <a:pt x="193840" y="4176214"/>
-                </a:cubicBezTo>
-                <a:lnTo>
-                  <a:pt x="2757" y="4175742"/>
-                </a:lnTo>
-                <a:lnTo>
-                  <a:pt x="2810" y="4034870"/>
-                </a:lnTo>
-                <a:cubicBezTo>
-                  <a:pt x="5629" y="3979851"/>
-                  <a:pt x="10539" y="3924896"/>
-                  <a:pt x="15416" y="3870068"/>
-                </a:cubicBezTo>
-                <a:cubicBezTo>
-                  <a:pt x="23018" y="3799731"/>
-                  <a:pt x="25045" y="3728899"/>
-                  <a:pt x="21498" y="3658244"/>
-                </a:cubicBezTo>
-                <a:cubicBezTo>
-                  <a:pt x="17063" y="3602147"/>
-                  <a:pt x="10095" y="3546050"/>
-                  <a:pt x="8828" y="3489953"/>
-                </a:cubicBezTo>
-                <a:cubicBezTo>
-                  <a:pt x="6548" y="3389688"/>
-                  <a:pt x="7434" y="3289424"/>
-                  <a:pt x="13262" y="3189160"/>
-                </a:cubicBezTo>
-                <a:cubicBezTo>
-                  <a:pt x="16176" y="3138901"/>
-                  <a:pt x="20864" y="3089150"/>
-                  <a:pt x="22891" y="3038510"/>
-                </a:cubicBezTo>
-                <a:cubicBezTo>
-                  <a:pt x="24918" y="2987870"/>
-                  <a:pt x="28973" y="2936723"/>
-                  <a:pt x="17444" y="2887098"/>
-                </a:cubicBezTo>
-                <a:cubicBezTo>
-                  <a:pt x="-2068" y="2802699"/>
-                  <a:pt x="12249" y="2718680"/>
-                  <a:pt x="16430" y="2634534"/>
-                </a:cubicBezTo>
-                <a:cubicBezTo>
-                  <a:pt x="18964" y="2582244"/>
-                  <a:pt x="34168" y="2528685"/>
-                  <a:pt x="20738" y="2477919"/>
-                </a:cubicBezTo>
-                <a:cubicBezTo>
-                  <a:pt x="-421" y="2398342"/>
-                  <a:pt x="13389" y="2320415"/>
-                  <a:pt x="20738" y="2242107"/>
-                </a:cubicBezTo>
-                <a:cubicBezTo>
-                  <a:pt x="29213" y="2168001"/>
-                  <a:pt x="27718" y="2093082"/>
-                  <a:pt x="16303" y="2019369"/>
-                </a:cubicBezTo>
-                <a:cubicBezTo>
-                  <a:pt x="1986" y="1946239"/>
-                  <a:pt x="1986" y="1871028"/>
-                  <a:pt x="16303" y="1797899"/>
-                </a:cubicBezTo>
-                <a:cubicBezTo>
-                  <a:pt x="28162" y="1737537"/>
-                  <a:pt x="29530" y="1675589"/>
-                  <a:pt x="20357" y="1614758"/>
-                </a:cubicBezTo>
-                <a:cubicBezTo>
-                  <a:pt x="14149" y="1571226"/>
-                  <a:pt x="3000" y="1527947"/>
-                  <a:pt x="1480" y="1484415"/>
-                </a:cubicBezTo>
-                <a:cubicBezTo>
-                  <a:pt x="-1662" y="1393377"/>
-                  <a:pt x="200" y="1302238"/>
-                  <a:pt x="7055" y="1211417"/>
-                </a:cubicBezTo>
-                <a:cubicBezTo>
-                  <a:pt x="15036" y="1107980"/>
-                  <a:pt x="30366" y="1004923"/>
-                  <a:pt x="19724" y="900725"/>
-                </a:cubicBezTo>
-                <a:cubicBezTo>
-                  <a:pt x="16050" y="864934"/>
-                  <a:pt x="8575" y="829270"/>
-                  <a:pt x="7815" y="793353"/>
-                </a:cubicBezTo>
-                <a:cubicBezTo>
-                  <a:pt x="6168" y="726087"/>
-                  <a:pt x="5407" y="659710"/>
-                  <a:pt x="9208" y="590286"/>
-                </a:cubicBezTo>
-                <a:cubicBezTo>
-                  <a:pt x="13009" y="520863"/>
-                  <a:pt x="27452" y="450424"/>
-                  <a:pt x="17697" y="382270"/>
-                </a:cubicBezTo>
-                <a:cubicBezTo>
-                  <a:pt x="7941" y="314115"/>
-                  <a:pt x="14276" y="247103"/>
-                  <a:pt x="20611" y="180218"/>
-                </a:cubicBezTo>
-                <a:cubicBezTo>
-                  <a:pt x="23652" y="148426"/>
-                  <a:pt x="25711" y="116982"/>
-                  <a:pt x="25156" y="85665"/>
-                </a:cubicBezTo>
-                <a:close/>
-              </a:path>
-            </a:pathLst>
-          </a:custGeom>
-        </p:spPr>
-      </p:pic>
-      <p:pic>
-        <p:nvPicPr>
-          <p:cNvPr id="7" name="Picture 6">
-            <a:extLst>
-              <a:ext uri="{FF2B5EF4-FFF2-40B4-BE49-F238E27FC236}">
-                <a16:creationId xmlns:a16="http://schemas.microsoft.com/office/drawing/2014/main" id="{685DA20C-00C6-81E7-993F-496E86E2B133}"/>
-              </a:ext>
-            </a:extLst>
-          </p:cNvPr>
-          <p:cNvPicPr>
-            <a:picLocks noChangeAspect="1"/>
-          </p:cNvPicPr>
-          <p:nvPr/>
-        </p:nvPicPr>
-        <p:blipFill>
-          <a:blip r:embed="rId7"/>
-          <a:srcRect t="24668" r="-4" b="15002"/>
-          <a:stretch/>
-        </p:blipFill>
-        <p:spPr>
-          <a:xfrm>
-            <a:off x="8144356" y="4267201"/>
-            <a:ext cx="4047645" cy="2590808"/>
-          </a:xfrm>
-          <a:custGeom>
-            <a:avLst/>
-            <a:gdLst/>
-            <a:ahLst/>
-            <a:cxnLst/>
-            <a:rect l="l" t="t" r="r" b="b"/>
-            <a:pathLst>
-              <a:path w="4047645" h="2495811">
-                <a:moveTo>
-                  <a:pt x="2441891" y="4"/>
-                </a:moveTo>
-                <a:cubicBezTo>
-                  <a:pt x="2489381" y="-78"/>
-                  <a:pt x="2536882" y="1163"/>
-                  <a:pt x="2584383" y="4428"/>
-                </a:cubicBezTo>
-                <a:cubicBezTo>
-                  <a:pt x="2744314" y="17813"/>
-                  <a:pt x="2904989" y="21079"/>
-                  <a:pt x="3065367" y="14222"/>
-                </a:cubicBezTo>
-                <a:cubicBezTo>
-                  <a:pt x="3194244" y="5694"/>
-                  <a:pt x="3323514" y="4206"/>
-                  <a:pt x="3452568" y="9782"/>
-                </a:cubicBezTo>
-                <a:cubicBezTo>
-                  <a:pt x="3572813" y="16442"/>
-                  <a:pt x="3693059" y="23233"/>
-                  <a:pt x="3813712" y="19315"/>
-                </a:cubicBezTo>
-                <a:cubicBezTo>
-                  <a:pt x="3861755" y="17748"/>
-                  <a:pt x="3909121" y="15789"/>
-                  <a:pt x="3956758" y="13177"/>
-                </a:cubicBezTo>
-                <a:lnTo>
-                  <a:pt x="4047645" y="9696"/>
-                </a:lnTo>
-                <a:lnTo>
-                  <a:pt x="4047645" y="2495811"/>
-                </a:lnTo>
-                <a:lnTo>
-                  <a:pt x="28177" y="2495811"/>
-                </a:lnTo>
-                <a:lnTo>
-                  <a:pt x="28782" y="2485852"/>
-                </a:lnTo>
-                <a:cubicBezTo>
-                  <a:pt x="31911" y="2365446"/>
-                  <a:pt x="35027" y="2245002"/>
-                  <a:pt x="38157" y="2124521"/>
-                </a:cubicBezTo>
-                <a:cubicBezTo>
-                  <a:pt x="38284" y="2119444"/>
-                  <a:pt x="39171" y="2114494"/>
-                  <a:pt x="39171" y="2109417"/>
-                </a:cubicBezTo>
-                <a:cubicBezTo>
-                  <a:pt x="48166" y="1995573"/>
-                  <a:pt x="53107" y="1881729"/>
-                  <a:pt x="18899" y="1770550"/>
-                </a:cubicBezTo>
-                <a:cubicBezTo>
-                  <a:pt x="15871" y="1760104"/>
-                  <a:pt x="14262" y="1749304"/>
-                  <a:pt x="14084" y="1738440"/>
-                </a:cubicBezTo>
-                <a:cubicBezTo>
-                  <a:pt x="12413" y="1641514"/>
-                  <a:pt x="16644" y="1544587"/>
-                  <a:pt x="26754" y="1448181"/>
-                </a:cubicBezTo>
-                <a:cubicBezTo>
-                  <a:pt x="31949" y="1389038"/>
-                  <a:pt x="26754" y="1329006"/>
-                  <a:pt x="43478" y="1270498"/>
-                </a:cubicBezTo>
-                <a:cubicBezTo>
-                  <a:pt x="50864" y="1241421"/>
-                  <a:pt x="55109" y="1211634"/>
-                  <a:pt x="56147" y="1181656"/>
-                </a:cubicBezTo>
-                <a:cubicBezTo>
-                  <a:pt x="59948" y="1109060"/>
-                  <a:pt x="38537" y="1040779"/>
-                  <a:pt x="18139" y="972244"/>
-                </a:cubicBezTo>
-                <a:cubicBezTo>
-                  <a:pt x="7370" y="935945"/>
-                  <a:pt x="-5426" y="898886"/>
-                  <a:pt x="2429" y="860811"/>
-                </a:cubicBezTo>
-                <a:cubicBezTo>
-                  <a:pt x="16707" y="802251"/>
-                  <a:pt x="24854" y="742359"/>
-                  <a:pt x="26754" y="682112"/>
-                </a:cubicBezTo>
-                <a:cubicBezTo>
-                  <a:pt x="26754" y="639468"/>
-                  <a:pt x="16365" y="597712"/>
-                  <a:pt x="20039" y="555195"/>
-                </a:cubicBezTo>
-                <a:cubicBezTo>
-                  <a:pt x="28211" y="472712"/>
-                  <a:pt x="30238" y="389734"/>
-                  <a:pt x="26121" y="306946"/>
-                </a:cubicBezTo>
-                <a:cubicBezTo>
-                  <a:pt x="26095" y="273846"/>
-                  <a:pt x="29846" y="240848"/>
-                  <a:pt x="37270" y="208585"/>
-                </a:cubicBezTo>
-                <a:cubicBezTo>
-                  <a:pt x="46506" y="151651"/>
-                  <a:pt x="48419" y="93777"/>
-                  <a:pt x="42971" y="36360"/>
-                </a:cubicBezTo>
-                <a:lnTo>
-                  <a:pt x="38853" y="8429"/>
-                </a:lnTo>
-                <a:lnTo>
-                  <a:pt x="56649" y="7824"/>
-                </a:lnTo>
-                <a:cubicBezTo>
-                  <a:pt x="210497" y="-156"/>
-                  <a:pt x="364754" y="3162"/>
-                  <a:pt x="518087" y="17748"/>
-                </a:cubicBezTo>
-                <a:cubicBezTo>
-                  <a:pt x="626567" y="25440"/>
-                  <a:pt x="735534" y="24213"/>
-                  <a:pt x="843809" y="14092"/>
-                </a:cubicBezTo>
-                <a:cubicBezTo>
-                  <a:pt x="1042499" y="-1711"/>
-                  <a:pt x="1240782" y="10958"/>
-                  <a:pt x="1439065" y="21666"/>
-                </a:cubicBezTo>
-                <a:cubicBezTo>
-                  <a:pt x="1631105" y="32113"/>
-                  <a:pt x="1823010" y="24408"/>
-                  <a:pt x="2015050" y="17487"/>
-                </a:cubicBezTo>
-                <a:cubicBezTo>
-                  <a:pt x="2157045" y="12394"/>
-                  <a:pt x="2299420" y="249"/>
-                  <a:pt x="2441891" y="4"/>
-                </a:cubicBezTo>
-                <a:close/>
-              </a:path>
-            </a:pathLst>
-          </a:custGeom>
-        </p:spPr>
-      </p:pic>
-    </p:spTree>
-    <p:extLst>
-      <p:ext uri="{BB962C8B-B14F-4D97-AF65-F5344CB8AC3E}">
-        <p14:creationId xmlns:p14="http://schemas.microsoft.com/office/powerpoint/2010/main" val="1528468167"/>
-      </p:ext>
-    </p:extLst>
-  </p:cSld>
-  <p:clrMapOvr>
-    <a:masterClrMapping/>
-  </p:clrMapOvr>
-</p:sld>
-</file>
-
-<file path=ppt/slides/slide20.xml><?xml version="1.0" encoding="utf-8"?>
+<file path=ppt/slides/slide22.xml><?xml version="1.0" encoding="utf-8"?>
 <p:sld xmlns:a="http://schemas.openxmlformats.org/drawingml/2006/main" xmlns:r="http://schemas.openxmlformats.org/officeDocument/2006/relationships" xmlns:p="http://schemas.openxmlformats.org/presentationml/2006/main">
   <p:cSld>
     <p:bg>
@@ -25884,17 +27033,15 @@
 <file path=ppt/slides/slide9.xml><?xml version="1.0" encoding="utf-8"?>
 <p:sld xmlns:a="http://schemas.openxmlformats.org/drawingml/2006/main" xmlns:r="http://schemas.openxmlformats.org/officeDocument/2006/relationships" xmlns:p="http://schemas.openxmlformats.org/presentationml/2006/main">
   <p:cSld>
-    <p:bg>
-      <p:bgPr>
-        <a:solidFill>
-          <a:schemeClr val="bg1"/>
-        </a:solidFill>
-        <a:effectLst/>
-      </p:bgPr>
-    </p:bg>
     <p:spTree>
       <p:nvGrpSpPr>
-        <p:cNvPr id="1" name=""/>
+        <p:cNvPr id="1" name="">
+          <a:extLst>
+            <a:ext uri="{FF2B5EF4-FFF2-40B4-BE49-F238E27FC236}">
+              <a16:creationId xmlns:a16="http://schemas.microsoft.com/office/drawing/2014/main" id="{2F3A4743-5D5E-9D6D-2B8F-E2034FEDC058}"/>
+            </a:ext>
+          </a:extLst>
+        </p:cNvPr>
         <p:cNvGrpSpPr/>
         <p:nvPr/>
       </p:nvGrpSpPr>
@@ -25906,72 +27053,12 @@
           <a:chExt cx="0" cy="0"/>
         </a:xfrm>
       </p:grpSpPr>
-      <p:sp useBgFill="1">
-        <p:nvSpPr>
-          <p:cNvPr id="9" name="Rectangle 8">
-            <a:extLst>
-              <a:ext uri="{FF2B5EF4-FFF2-40B4-BE49-F238E27FC236}">
-                <a16:creationId xmlns:a16="http://schemas.microsoft.com/office/drawing/2014/main" id="{2E442304-DDBD-4F7B-8017-36BCC863FB40}"/>
-              </a:ext>
-              <a:ext uri="{C183D7F6-B498-43B3-948B-1728B52AA6E4}">
-                <adec:decorative xmlns:adec="http://schemas.microsoft.com/office/drawing/2017/decorative" val="1"/>
-              </a:ext>
-            </a:extLst>
-          </p:cNvPr>
-          <p:cNvSpPr>
-            <a:spLocks noGrp="1" noRot="1" noChangeAspect="1" noMove="1" noResize="1" noEditPoints="1" noAdjustHandles="1" noChangeArrowheads="1" noChangeShapeType="1" noTextEdit="1"/>
-          </p:cNvSpPr>
-          <p:nvPr>
-            <p:extLst>
-              <p:ext uri="{386F3935-93C4-4BCD-93E2-E3B085C9AB24}">
-                <p16:designElem xmlns:p16="http://schemas.microsoft.com/office/powerpoint/2015/main" val="1"/>
-              </p:ext>
-            </p:extLst>
-          </p:nvPr>
-        </p:nvSpPr>
-        <p:spPr>
-          <a:xfrm>
-            <a:off x="0" y="0"/>
-            <a:ext cx="12188952" cy="6858000"/>
-          </a:xfrm>
-          <a:prstGeom prst="rect">
-            <a:avLst/>
-          </a:prstGeom>
-          <a:ln>
-            <a:noFill/>
-          </a:ln>
-        </p:spPr>
-        <p:style>
-          <a:lnRef idx="2">
-            <a:schemeClr val="accent1">
-              <a:shade val="50000"/>
-            </a:schemeClr>
-          </a:lnRef>
-          <a:fillRef idx="1">
-            <a:schemeClr val="accent1"/>
-          </a:fillRef>
-          <a:effectRef idx="0">
-            <a:schemeClr val="accent1"/>
-          </a:effectRef>
-          <a:fontRef idx="minor">
-            <a:schemeClr val="lt1"/>
-          </a:fontRef>
-        </p:style>
-        <p:txBody>
-          <a:bodyPr rtlCol="0" anchor="ctr"/>
-          <a:lstStyle/>
-          <a:p>
-            <a:pPr algn="ctr"/>
-            <a:endParaRPr lang="en-US"/>
-          </a:p>
-        </p:txBody>
-      </p:sp>
       <p:sp>
         <p:nvSpPr>
           <p:cNvPr id="2" name="Title 1">
             <a:extLst>
               <a:ext uri="{FF2B5EF4-FFF2-40B4-BE49-F238E27FC236}">
-                <a16:creationId xmlns:a16="http://schemas.microsoft.com/office/drawing/2014/main" id="{999C2739-ED4F-1464-A55B-00E8A74B0480}"/>
+                <a16:creationId xmlns:a16="http://schemas.microsoft.com/office/drawing/2014/main" id="{BC2C2ED2-A0A1-DD1D-94B0-E30E3C9D2D64}"/>
               </a:ext>
             </a:extLst>
           </p:cNvPr>
@@ -25984,431 +27071,125 @@
         </p:nvSpPr>
         <p:spPr>
           <a:xfrm>
-            <a:off x="635000" y="640823"/>
-            <a:ext cx="3418659" cy="5583148"/>
+            <a:off x="640080" y="329184"/>
+            <a:ext cx="6894576" cy="1783080"/>
           </a:xfrm>
         </p:spPr>
         <p:txBody>
-          <a:bodyPr anchor="ctr">
+          <a:bodyPr anchor="b">
             <a:normAutofit/>
           </a:bodyPr>
           <a:lstStyle/>
           <a:p>
             <a:r>
-              <a:rPr lang="en-US" sz="5400"/>
-              <a:t>Modeling the Database</a:t>
+              <a:rPr lang="en-US" sz="5400" dirty="0"/>
+              <a:t>SDK style projects</a:t>
             </a:r>
           </a:p>
         </p:txBody>
       </p:sp>
       <p:sp>
         <p:nvSpPr>
-          <p:cNvPr id="11" name="sketch line">
+          <p:cNvPr id="3" name="Content Placeholder 2">
             <a:extLst>
               <a:ext uri="{FF2B5EF4-FFF2-40B4-BE49-F238E27FC236}">
-                <a16:creationId xmlns:a16="http://schemas.microsoft.com/office/drawing/2014/main" id="{5E107275-3853-46FD-A241-DE4355A42675}"/>
-              </a:ext>
-              <a:ext uri="{C183D7F6-B498-43B3-948B-1728B52AA6E4}">
-                <adec:decorative xmlns:adec="http://schemas.microsoft.com/office/drawing/2017/decorative" val="1"/>
+                <a16:creationId xmlns:a16="http://schemas.microsoft.com/office/drawing/2014/main" id="{D812D4B4-3DCE-FE9D-411A-789083174169}"/>
               </a:ext>
             </a:extLst>
           </p:cNvPr>
           <p:cNvSpPr>
-            <a:spLocks noGrp="1" noRot="1" noChangeAspect="1" noMove="1" noResize="1" noEditPoints="1" noAdjustHandles="1" noChangeArrowheads="1" noChangeShapeType="1" noTextEdit="1"/>
+            <a:spLocks noGrp="1"/>
           </p:cNvSpPr>
           <p:nvPr>
-            <p:extLst>
-              <p:ext uri="{386F3935-93C4-4BCD-93E2-E3B085C9AB24}">
-                <p16:designElem xmlns:p16="http://schemas.microsoft.com/office/powerpoint/2015/main" val="1"/>
-              </p:ext>
-            </p:extLst>
+            <p:ph idx="1"/>
           </p:nvPr>
         </p:nvSpPr>
         <p:spPr>
-          <a:xfrm rot="5400000">
-            <a:off x="1627450" y="3462719"/>
-            <a:ext cx="5410200" cy="18288"/>
+          <a:xfrm>
+            <a:off x="640080" y="2706624"/>
+            <a:ext cx="6894576" cy="3483864"/>
           </a:xfrm>
-          <a:custGeom>
-            <a:avLst/>
-            <a:gdLst>
-              <a:gd name="connsiteX0" fmla="*/ 0 w 5410200"/>
-              <a:gd name="connsiteY0" fmla="*/ 0 h 18288"/>
-              <a:gd name="connsiteX1" fmla="*/ 568071 w 5410200"/>
-              <a:gd name="connsiteY1" fmla="*/ 0 h 18288"/>
-              <a:gd name="connsiteX2" fmla="*/ 1298448 w 5410200"/>
-              <a:gd name="connsiteY2" fmla="*/ 0 h 18288"/>
-              <a:gd name="connsiteX3" fmla="*/ 1920621 w 5410200"/>
-              <a:gd name="connsiteY3" fmla="*/ 0 h 18288"/>
-              <a:gd name="connsiteX4" fmla="*/ 2488692 w 5410200"/>
-              <a:gd name="connsiteY4" fmla="*/ 0 h 18288"/>
-              <a:gd name="connsiteX5" fmla="*/ 3219069 w 5410200"/>
-              <a:gd name="connsiteY5" fmla="*/ 0 h 18288"/>
-              <a:gd name="connsiteX6" fmla="*/ 3895344 w 5410200"/>
-              <a:gd name="connsiteY6" fmla="*/ 0 h 18288"/>
-              <a:gd name="connsiteX7" fmla="*/ 4571619 w 5410200"/>
-              <a:gd name="connsiteY7" fmla="*/ 0 h 18288"/>
-              <a:gd name="connsiteX8" fmla="*/ 5410200 w 5410200"/>
-              <a:gd name="connsiteY8" fmla="*/ 0 h 18288"/>
-              <a:gd name="connsiteX9" fmla="*/ 5410200 w 5410200"/>
-              <a:gd name="connsiteY9" fmla="*/ 18288 h 18288"/>
-              <a:gd name="connsiteX10" fmla="*/ 4842129 w 5410200"/>
-              <a:gd name="connsiteY10" fmla="*/ 18288 h 18288"/>
-              <a:gd name="connsiteX11" fmla="*/ 4328160 w 5410200"/>
-              <a:gd name="connsiteY11" fmla="*/ 18288 h 18288"/>
-              <a:gd name="connsiteX12" fmla="*/ 3597783 w 5410200"/>
-              <a:gd name="connsiteY12" fmla="*/ 18288 h 18288"/>
-              <a:gd name="connsiteX13" fmla="*/ 3029712 w 5410200"/>
-              <a:gd name="connsiteY13" fmla="*/ 18288 h 18288"/>
-              <a:gd name="connsiteX14" fmla="*/ 2299335 w 5410200"/>
-              <a:gd name="connsiteY14" fmla="*/ 18288 h 18288"/>
-              <a:gd name="connsiteX15" fmla="*/ 1514856 w 5410200"/>
-              <a:gd name="connsiteY15" fmla="*/ 18288 h 18288"/>
-              <a:gd name="connsiteX16" fmla="*/ 892683 w 5410200"/>
-              <a:gd name="connsiteY16" fmla="*/ 18288 h 18288"/>
-              <a:gd name="connsiteX17" fmla="*/ 0 w 5410200"/>
-              <a:gd name="connsiteY17" fmla="*/ 18288 h 18288"/>
-              <a:gd name="connsiteX18" fmla="*/ 0 w 5410200"/>
-              <a:gd name="connsiteY18" fmla="*/ 0 h 18288"/>
-            </a:gdLst>
-            <a:ahLst/>
-            <a:cxnLst>
-              <a:cxn ang="0">
-                <a:pos x="connsiteX0" y="connsiteY0"/>
-              </a:cxn>
-              <a:cxn ang="0">
-                <a:pos x="connsiteX1" y="connsiteY1"/>
-              </a:cxn>
-              <a:cxn ang="0">
-                <a:pos x="connsiteX2" y="connsiteY2"/>
-              </a:cxn>
-              <a:cxn ang="0">
-                <a:pos x="connsiteX3" y="connsiteY3"/>
-              </a:cxn>
-              <a:cxn ang="0">
-                <a:pos x="connsiteX4" y="connsiteY4"/>
-              </a:cxn>
-              <a:cxn ang="0">
-                <a:pos x="connsiteX5" y="connsiteY5"/>
-              </a:cxn>
-              <a:cxn ang="0">
-                <a:pos x="connsiteX6" y="connsiteY6"/>
-              </a:cxn>
-              <a:cxn ang="0">
-                <a:pos x="connsiteX7" y="connsiteY7"/>
-              </a:cxn>
-              <a:cxn ang="0">
-                <a:pos x="connsiteX8" y="connsiteY8"/>
-              </a:cxn>
-              <a:cxn ang="0">
-                <a:pos x="connsiteX9" y="connsiteY9"/>
-              </a:cxn>
-              <a:cxn ang="0">
-                <a:pos x="connsiteX10" y="connsiteY10"/>
-              </a:cxn>
-              <a:cxn ang="0">
-                <a:pos x="connsiteX11" y="connsiteY11"/>
-              </a:cxn>
-              <a:cxn ang="0">
-                <a:pos x="connsiteX12" y="connsiteY12"/>
-              </a:cxn>
-              <a:cxn ang="0">
-                <a:pos x="connsiteX13" y="connsiteY13"/>
-              </a:cxn>
-              <a:cxn ang="0">
-                <a:pos x="connsiteX14" y="connsiteY14"/>
-              </a:cxn>
-              <a:cxn ang="0">
-                <a:pos x="connsiteX15" y="connsiteY15"/>
-              </a:cxn>
-              <a:cxn ang="0">
-                <a:pos x="connsiteX16" y="connsiteY16"/>
-              </a:cxn>
-              <a:cxn ang="0">
-                <a:pos x="connsiteX17" y="connsiteY17"/>
-              </a:cxn>
-              <a:cxn ang="0">
-                <a:pos x="connsiteX18" y="connsiteY18"/>
-              </a:cxn>
-            </a:cxnLst>
-            <a:rect l="l" t="t" r="r" b="b"/>
-            <a:pathLst>
-              <a:path w="5410200" h="18288" fill="none" extrusionOk="0">
-                <a:moveTo>
-                  <a:pt x="0" y="0"/>
-                </a:moveTo>
-                <a:cubicBezTo>
-                  <a:pt x="163050" y="-18707"/>
-                  <a:pt x="319321" y="-16364"/>
-                  <a:pt x="568071" y="0"/>
-                </a:cubicBezTo>
-                <a:cubicBezTo>
-                  <a:pt x="816821" y="16364"/>
-                  <a:pt x="1013224" y="-7268"/>
-                  <a:pt x="1298448" y="0"/>
-                </a:cubicBezTo>
-                <a:cubicBezTo>
-                  <a:pt x="1583672" y="7268"/>
-                  <a:pt x="1631711" y="-3367"/>
-                  <a:pt x="1920621" y="0"/>
-                </a:cubicBezTo>
-                <a:cubicBezTo>
-                  <a:pt x="2209531" y="3367"/>
-                  <a:pt x="2364420" y="-19184"/>
-                  <a:pt x="2488692" y="0"/>
-                </a:cubicBezTo>
-                <a:cubicBezTo>
-                  <a:pt x="2612964" y="19184"/>
-                  <a:pt x="3023298" y="-34627"/>
-                  <a:pt x="3219069" y="0"/>
-                </a:cubicBezTo>
-                <a:cubicBezTo>
-                  <a:pt x="3414840" y="34627"/>
-                  <a:pt x="3656810" y="24043"/>
-                  <a:pt x="3895344" y="0"/>
-                </a:cubicBezTo>
-                <a:cubicBezTo>
-                  <a:pt x="4133879" y="-24043"/>
-                  <a:pt x="4393984" y="-19577"/>
-                  <a:pt x="4571619" y="0"/>
-                </a:cubicBezTo>
-                <a:cubicBezTo>
-                  <a:pt x="4749255" y="19577"/>
-                  <a:pt x="5179928" y="-6281"/>
-                  <a:pt x="5410200" y="0"/>
-                </a:cubicBezTo>
-                <a:cubicBezTo>
-                  <a:pt x="5410730" y="6954"/>
-                  <a:pt x="5410934" y="12839"/>
-                  <a:pt x="5410200" y="18288"/>
-                </a:cubicBezTo>
-                <a:cubicBezTo>
-                  <a:pt x="5139060" y="6751"/>
-                  <a:pt x="5121593" y="31035"/>
-                  <a:pt x="4842129" y="18288"/>
-                </a:cubicBezTo>
-                <a:cubicBezTo>
-                  <a:pt x="4562665" y="5541"/>
-                  <a:pt x="4448273" y="9487"/>
-                  <a:pt x="4328160" y="18288"/>
-                </a:cubicBezTo>
-                <a:cubicBezTo>
-                  <a:pt x="4208047" y="27089"/>
-                  <a:pt x="3760936" y="22567"/>
-                  <a:pt x="3597783" y="18288"/>
-                </a:cubicBezTo>
-                <a:cubicBezTo>
-                  <a:pt x="3434630" y="14009"/>
-                  <a:pt x="3299718" y="33213"/>
-                  <a:pt x="3029712" y="18288"/>
-                </a:cubicBezTo>
-                <a:cubicBezTo>
-                  <a:pt x="2759706" y="3363"/>
-                  <a:pt x="2640159" y="27394"/>
-                  <a:pt x="2299335" y="18288"/>
-                </a:cubicBezTo>
-                <a:cubicBezTo>
-                  <a:pt x="1958511" y="9182"/>
-                  <a:pt x="1801186" y="28985"/>
-                  <a:pt x="1514856" y="18288"/>
-                </a:cubicBezTo>
-                <a:cubicBezTo>
-                  <a:pt x="1228526" y="7591"/>
-                  <a:pt x="1063509" y="-5305"/>
-                  <a:pt x="892683" y="18288"/>
-                </a:cubicBezTo>
-                <a:cubicBezTo>
-                  <a:pt x="721857" y="41881"/>
-                  <a:pt x="186945" y="-20897"/>
-                  <a:pt x="0" y="18288"/>
-                </a:cubicBezTo>
-                <a:cubicBezTo>
-                  <a:pt x="-570" y="9279"/>
-                  <a:pt x="132" y="5100"/>
-                  <a:pt x="0" y="0"/>
-                </a:cubicBezTo>
-                <a:close/>
-              </a:path>
-              <a:path w="5410200" h="18288" stroke="0" extrusionOk="0">
-                <a:moveTo>
-                  <a:pt x="0" y="0"/>
-                </a:moveTo>
-                <a:cubicBezTo>
-                  <a:pt x="285096" y="-4925"/>
-                  <a:pt x="376456" y="22268"/>
-                  <a:pt x="622173" y="0"/>
-                </a:cubicBezTo>
-                <a:cubicBezTo>
-                  <a:pt x="867890" y="-22268"/>
-                  <a:pt x="1031392" y="7228"/>
-                  <a:pt x="1136142" y="0"/>
-                </a:cubicBezTo>
-                <a:cubicBezTo>
-                  <a:pt x="1240892" y="-7228"/>
-                  <a:pt x="1561853" y="9877"/>
-                  <a:pt x="1920621" y="0"/>
-                </a:cubicBezTo>
-                <a:cubicBezTo>
-                  <a:pt x="2279389" y="-9877"/>
-                  <a:pt x="2367255" y="19546"/>
-                  <a:pt x="2542794" y="0"/>
-                </a:cubicBezTo>
-                <a:cubicBezTo>
-                  <a:pt x="2718333" y="-19546"/>
-                  <a:pt x="2866732" y="-22226"/>
-                  <a:pt x="3164967" y="0"/>
-                </a:cubicBezTo>
-                <a:cubicBezTo>
-                  <a:pt x="3463202" y="22226"/>
-                  <a:pt x="3568055" y="-2765"/>
-                  <a:pt x="3949446" y="0"/>
-                </a:cubicBezTo>
-                <a:cubicBezTo>
-                  <a:pt x="4330837" y="2765"/>
-                  <a:pt x="4287895" y="10557"/>
-                  <a:pt x="4517517" y="0"/>
-                </a:cubicBezTo>
-                <a:cubicBezTo>
-                  <a:pt x="4747139" y="-10557"/>
-                  <a:pt x="5149588" y="8716"/>
-                  <a:pt x="5410200" y="0"/>
-                </a:cubicBezTo>
-                <a:cubicBezTo>
-                  <a:pt x="5409517" y="5414"/>
-                  <a:pt x="5409480" y="12510"/>
-                  <a:pt x="5410200" y="18288"/>
-                </a:cubicBezTo>
-                <a:cubicBezTo>
-                  <a:pt x="5163327" y="41494"/>
-                  <a:pt x="5008749" y="10693"/>
-                  <a:pt x="4842129" y="18288"/>
-                </a:cubicBezTo>
-                <a:cubicBezTo>
-                  <a:pt x="4675509" y="25883"/>
-                  <a:pt x="4433401" y="-615"/>
-                  <a:pt x="4165854" y="18288"/>
-                </a:cubicBezTo>
-                <a:cubicBezTo>
-                  <a:pt x="3898308" y="37191"/>
-                  <a:pt x="3809032" y="-8710"/>
-                  <a:pt x="3543681" y="18288"/>
-                </a:cubicBezTo>
-                <a:cubicBezTo>
-                  <a:pt x="3278330" y="45286"/>
-                  <a:pt x="3073876" y="-15917"/>
-                  <a:pt x="2759202" y="18288"/>
-                </a:cubicBezTo>
-                <a:cubicBezTo>
-                  <a:pt x="2444528" y="52493"/>
-                  <a:pt x="2204144" y="3372"/>
-                  <a:pt x="1974723" y="18288"/>
-                </a:cubicBezTo>
-                <a:cubicBezTo>
-                  <a:pt x="1745302" y="33204"/>
-                  <a:pt x="1602335" y="31490"/>
-                  <a:pt x="1406652" y="18288"/>
-                </a:cubicBezTo>
-                <a:cubicBezTo>
-                  <a:pt x="1210969" y="5086"/>
-                  <a:pt x="923948" y="3161"/>
-                  <a:pt x="730377" y="18288"/>
-                </a:cubicBezTo>
-                <a:cubicBezTo>
-                  <a:pt x="536806" y="33415"/>
-                  <a:pt x="336496" y="-141"/>
-                  <a:pt x="0" y="18288"/>
-                </a:cubicBezTo>
-                <a:cubicBezTo>
-                  <a:pt x="-306" y="11061"/>
-                  <a:pt x="-655" y="7751"/>
-                  <a:pt x="0" y="0"/>
-                </a:cubicBezTo>
-                <a:close/>
-              </a:path>
-            </a:pathLst>
-          </a:custGeom>
-          <a:solidFill>
-            <a:schemeClr val="accent2"/>
-          </a:solidFill>
-          <a:ln w="41275" cap="rnd">
-            <a:solidFill>
-              <a:schemeClr val="accent2"/>
-            </a:solidFill>
-            <a:round/>
-            <a:extLst>
-              <a:ext uri="{C807C97D-BFC1-408E-A445-0C87EB9F89A2}">
-                <ask:lineSketchStyleProps xmlns:ask="http://schemas.microsoft.com/office/drawing/2018/sketchyshapes" sd="1219033472">
-                  <a:prstGeom prst="rect">
-                    <a:avLst/>
-                  </a:prstGeom>
-                  <ask:type>
-                    <ask:lineSketchFreehand/>
-                  </ask:type>
-                </ask:lineSketchStyleProps>
-              </a:ext>
-            </a:extLst>
-          </a:ln>
         </p:spPr>
-        <p:style>
-          <a:lnRef idx="2">
-            <a:schemeClr val="accent1">
-              <a:shade val="50000"/>
-            </a:schemeClr>
-          </a:lnRef>
-          <a:fillRef idx="1">
-            <a:schemeClr val="accent1"/>
-          </a:fillRef>
-          <a:effectRef idx="0">
-            <a:schemeClr val="accent1"/>
-          </a:effectRef>
-          <a:fontRef idx="minor">
-            <a:schemeClr val="lt1"/>
-          </a:fontRef>
-        </p:style>
         <p:txBody>
-          <a:bodyPr rtlCol="0" anchor="ctr"/>
+          <a:bodyPr>
+            <a:normAutofit/>
+          </a:bodyPr>
           <a:lstStyle/>
           <a:p>
-            <a:pPr algn="ctr"/>
-            <a:endParaRPr lang="en-US"/>
+            <a:r>
+              <a:rPr lang="en-US" sz="1700" dirty="0"/>
+              <a:t>dotnet tool install -g </a:t>
+            </a:r>
+            <a:r>
+              <a:rPr lang="en-US" sz="1700" dirty="0" err="1"/>
+              <a:t>microsoft.sqlpackage</a:t>
+            </a:r>
+            <a:endParaRPr lang="en-US" sz="1700" dirty="0"/>
+          </a:p>
+          <a:p>
+            <a:r>
+              <a:rPr lang="en-US" sz="1700" dirty="0"/>
+              <a:t>dotnet new install </a:t>
+            </a:r>
+            <a:r>
+              <a:rPr lang="en-US" sz="1700" dirty="0" err="1"/>
+              <a:t>microsoft.build.sql.templates</a:t>
+            </a:r>
+            <a:endParaRPr lang="en-US" sz="1700" dirty="0"/>
+          </a:p>
+          <a:p>
+            <a:pPr lvl="1"/>
+            <a:r>
+              <a:rPr lang="en-US" sz="1300" dirty="0"/>
+              <a:t>Installs template for cli and also for Visual Studio</a:t>
+            </a:r>
+          </a:p>
+          <a:p>
+            <a:pPr lvl="1"/>
+            <a:endParaRPr lang="en-US" sz="1300" dirty="0"/>
+          </a:p>
+          <a:p>
+            <a:pPr marL="457200" lvl="1" indent="0">
+              <a:buNone/>
+            </a:pPr>
+            <a:endParaRPr lang="en-US" sz="1700" dirty="0"/>
           </a:p>
         </p:txBody>
       </p:sp>
-      <p:graphicFrame>
-        <p:nvGraphicFramePr>
-          <p:cNvPr id="5" name="Content Placeholder 2">
+      <p:pic>
+        <p:nvPicPr>
+          <p:cNvPr id="6" name="Picture 5">
             <a:extLst>
               <a:ext uri="{FF2B5EF4-FFF2-40B4-BE49-F238E27FC236}">
-                <a16:creationId xmlns:a16="http://schemas.microsoft.com/office/drawing/2014/main" id="{97A9CE90-26B3-BBF8-104F-5DFF9C8F50E7}"/>
+                <a16:creationId xmlns:a16="http://schemas.microsoft.com/office/drawing/2014/main" id="{C7CA8A2A-5EA8-73AD-5CB1-A6FC746CD7E5}"/>
               </a:ext>
             </a:extLst>
           </p:cNvPr>
-          <p:cNvGraphicFramePr>
-            <a:graphicFrameLocks noGrp="1"/>
-          </p:cNvGraphicFramePr>
-          <p:nvPr>
-            <p:ph idx="1"/>
-            <p:extLst>
-              <p:ext uri="{D42A27DB-BD31-4B8C-83A1-F6EECF244321}">
-                <p14:modId xmlns:p14="http://schemas.microsoft.com/office/powerpoint/2010/main" val="2325347850"/>
-              </p:ext>
-            </p:extLst>
-          </p:nvPr>
-        </p:nvGraphicFramePr>
-        <p:xfrm>
-          <a:off x="4648018" y="640822"/>
-          <a:ext cx="6900512" cy="5536141"/>
-        </p:xfrm>
-        <a:graphic>
-          <a:graphicData uri="http://schemas.openxmlformats.org/drawingml/2006/diagram">
-            <dgm:relIds xmlns:dgm="http://schemas.openxmlformats.org/drawingml/2006/diagram" xmlns:r="http://schemas.openxmlformats.org/officeDocument/2006/relationships" r:dm="rId3" r:lo="rId4" r:qs="rId5" r:cs="rId6"/>
-          </a:graphicData>
-        </a:graphic>
-      </p:graphicFrame>
+          <p:cNvPicPr>
+            <a:picLocks noChangeAspect="1"/>
+          </p:cNvPicPr>
+          <p:nvPr/>
+        </p:nvPicPr>
+        <p:blipFill>
+          <a:blip r:embed="rId3"/>
+          <a:stretch>
+            <a:fillRect/>
+          </a:stretch>
+        </p:blipFill>
+        <p:spPr>
+          <a:xfrm>
+            <a:off x="7190115" y="938203"/>
+            <a:ext cx="4546058" cy="2942482"/>
+          </a:xfrm>
+          <a:prstGeom prst="rect">
+            <a:avLst/>
+          </a:prstGeom>
+        </p:spPr>
+      </p:pic>
     </p:spTree>
     <p:extLst>
       <p:ext uri="{BB962C8B-B14F-4D97-AF65-F5344CB8AC3E}">
-        <p14:creationId xmlns:p14="http://schemas.microsoft.com/office/powerpoint/2010/main" val="908442122"/>
+        <p14:creationId xmlns:p14="http://schemas.microsoft.com/office/powerpoint/2010/main" val="3882096071"/>
       </p:ext>
     </p:extLst>
   </p:cSld>
